--- a/Data Analysis & Visualisations of IPL.pptx
+++ b/Data Analysis & Visualisations of IPL.pptx
@@ -8,6 +8,18 @@
     <p:sldId id="256" r:id="rId2"/>
     <p:sldId id="257" r:id="rId3"/>
     <p:sldId id="258" r:id="rId4"/>
+    <p:sldId id="259" r:id="rId5"/>
+    <p:sldId id="262" r:id="rId6"/>
+    <p:sldId id="260" r:id="rId7"/>
+    <p:sldId id="261" r:id="rId8"/>
+    <p:sldId id="263" r:id="rId9"/>
+    <p:sldId id="264" r:id="rId10"/>
+    <p:sldId id="265" r:id="rId11"/>
+    <p:sldId id="266" r:id="rId12"/>
+    <p:sldId id="267" r:id="rId13"/>
+    <p:sldId id="268" r:id="rId14"/>
+    <p:sldId id="269" r:id="rId15"/>
+    <p:sldId id="270" r:id="rId16"/>
   </p:sldIdLst>
   <p:sldSz cx="12192000" cy="6858000"/>
   <p:notesSz cx="6858000" cy="9144000"/>
@@ -4159,6 +4171,1528 @@
 </p:sld>
 </file>
 
+<file path=ppt/slides/slide10.xml><?xml version="1.0" encoding="utf-8"?>
+<p:sld xmlns:a="http://schemas.openxmlformats.org/drawingml/2006/main" xmlns:r="http://schemas.openxmlformats.org/officeDocument/2006/relationships" xmlns:p="http://schemas.openxmlformats.org/presentationml/2006/main">
+  <p:cSld>
+    <p:bg>
+      <p:bgPr>
+        <a:solidFill>
+          <a:schemeClr val="bg2"/>
+        </a:solidFill>
+        <a:effectLst/>
+      </p:bgPr>
+    </p:bg>
+    <p:spTree>
+      <p:nvGrpSpPr>
+        <p:cNvPr id="1" name=""/>
+        <p:cNvGrpSpPr/>
+        <p:nvPr/>
+      </p:nvGrpSpPr>
+      <p:grpSpPr>
+        <a:xfrm>
+          <a:off x="0" y="0"/>
+          <a:ext cx="0" cy="0"/>
+          <a:chOff x="0" y="0"/>
+          <a:chExt cx="0" cy="0"/>
+        </a:xfrm>
+      </p:grpSpPr>
+      <p:sp useBgFill="1">
+        <p:nvSpPr>
+          <p:cNvPr id="12" name="Rectangle 11">
+            <a:extLst>
+              <a:ext uri="{FF2B5EF4-FFF2-40B4-BE49-F238E27FC236}">
+                <a16:creationId xmlns:a16="http://schemas.microsoft.com/office/drawing/2014/main" id="{1D868099-6145-4BC0-A5EA-74BEF1776BA9}"/>
+              </a:ext>
+              <a:ext uri="{C183D7F6-B498-43B3-948B-1728B52AA6E4}">
+                <adec:decorative xmlns:adec="http://schemas.microsoft.com/office/drawing/2017/decorative" val="1"/>
+              </a:ext>
+            </a:extLst>
+          </p:cNvPr>
+          <p:cNvSpPr>
+            <a:spLocks noGrp="1" noRot="1" noChangeAspect="1" noMove="1" noResize="1" noEditPoints="1" noAdjustHandles="1" noChangeArrowheads="1" noChangeShapeType="1" noTextEdit="1"/>
+          </p:cNvSpPr>
+          <p:nvPr>
+            <p:extLst>
+              <p:ext uri="{386F3935-93C4-4BCD-93E2-E3B085C9AB24}">
+                <p16:designElem xmlns:p16="http://schemas.microsoft.com/office/powerpoint/2015/main" val="1"/>
+              </p:ext>
+            </p:extLst>
+          </p:nvPr>
+        </p:nvSpPr>
+        <p:spPr>
+          <a:xfrm>
+            <a:off x="0" y="0"/>
+            <a:ext cx="12192000" cy="6858000"/>
+          </a:xfrm>
+          <a:prstGeom prst="rect">
+            <a:avLst/>
+          </a:prstGeom>
+          <a:ln>
+            <a:noFill/>
+          </a:ln>
+        </p:spPr>
+        <p:style>
+          <a:lnRef idx="2">
+            <a:schemeClr val="accent1">
+              <a:shade val="50000"/>
+            </a:schemeClr>
+          </a:lnRef>
+          <a:fillRef idx="1">
+            <a:schemeClr val="accent1"/>
+          </a:fillRef>
+          <a:effectRef idx="0">
+            <a:schemeClr val="accent1"/>
+          </a:effectRef>
+          <a:fontRef idx="minor">
+            <a:schemeClr val="lt1"/>
+          </a:fontRef>
+        </p:style>
+        <p:txBody>
+          <a:bodyPr rtlCol="0" anchor="ctr"/>
+          <a:lstStyle/>
+          <a:p>
+            <a:pPr algn="ctr"/>
+            <a:endParaRPr lang="en-US"/>
+          </a:p>
+        </p:txBody>
+      </p:sp>
+      <p:sp>
+        <p:nvSpPr>
+          <p:cNvPr id="2" name="Title 1">
+            <a:extLst>
+              <a:ext uri="{FF2B5EF4-FFF2-40B4-BE49-F238E27FC236}">
+                <a16:creationId xmlns:a16="http://schemas.microsoft.com/office/drawing/2014/main" id="{07340E5D-F01F-4CF4-A596-F77969CFE293}"/>
+              </a:ext>
+            </a:extLst>
+          </p:cNvPr>
+          <p:cNvSpPr>
+            <a:spLocks noGrp="1"/>
+          </p:cNvSpPr>
+          <p:nvPr>
+            <p:ph type="title"/>
+          </p:nvPr>
+        </p:nvSpPr>
+        <p:spPr>
+          <a:xfrm>
+            <a:off x="8471424" y="1110882"/>
+            <a:ext cx="3053039" cy="1060817"/>
+          </a:xfrm>
+        </p:spPr>
+        <p:txBody>
+          <a:bodyPr anchor="b">
+            <a:normAutofit/>
+          </a:bodyPr>
+          <a:lstStyle/>
+          <a:p>
+            <a:r>
+              <a:rPr lang="en-IN" sz="2800" dirty="0"/>
+              <a:t>ELASTICSEARCH</a:t>
+            </a:r>
+          </a:p>
+        </p:txBody>
+      </p:sp>
+      <p:pic>
+        <p:nvPicPr>
+          <p:cNvPr id="5" name="Content Placeholder 4">
+            <a:extLst>
+              <a:ext uri="{FF2B5EF4-FFF2-40B4-BE49-F238E27FC236}">
+                <a16:creationId xmlns:a16="http://schemas.microsoft.com/office/drawing/2014/main" id="{F1B5A354-C6A5-403F-BD7F-A4164EF58B51}"/>
+              </a:ext>
+            </a:extLst>
+          </p:cNvPr>
+          <p:cNvPicPr>
+            <a:picLocks noChangeAspect="1"/>
+          </p:cNvPicPr>
+          <p:nvPr/>
+        </p:nvPicPr>
+        <p:blipFill>
+          <a:blip r:embed="rId2"/>
+          <a:stretch>
+            <a:fillRect/>
+          </a:stretch>
+        </p:blipFill>
+        <p:spPr>
+          <a:xfrm>
+            <a:off x="634275" y="1634901"/>
+            <a:ext cx="6900380" cy="3588197"/>
+          </a:xfrm>
+          <a:prstGeom prst="rect">
+            <a:avLst/>
+          </a:prstGeom>
+        </p:spPr>
+      </p:pic>
+      <p:sp>
+        <p:nvSpPr>
+          <p:cNvPr id="9" name="Content Placeholder 8">
+            <a:extLst>
+              <a:ext uri="{FF2B5EF4-FFF2-40B4-BE49-F238E27FC236}">
+                <a16:creationId xmlns:a16="http://schemas.microsoft.com/office/drawing/2014/main" id="{5A65F733-D937-4ECE-9808-8FAA68BFCBAE}"/>
+              </a:ext>
+            </a:extLst>
+          </p:cNvPr>
+          <p:cNvSpPr>
+            <a:spLocks noGrp="1"/>
+          </p:cNvSpPr>
+          <p:nvPr>
+            <p:ph idx="1"/>
+          </p:nvPr>
+        </p:nvSpPr>
+        <p:spPr>
+          <a:xfrm>
+            <a:off x="8471423" y="2286000"/>
+            <a:ext cx="3053039" cy="3931920"/>
+          </a:xfrm>
+        </p:spPr>
+        <p:txBody>
+          <a:bodyPr>
+            <a:normAutofit/>
+          </a:bodyPr>
+          <a:lstStyle/>
+          <a:p>
+            <a:endParaRPr lang="en-US" sz="1600" dirty="0"/>
+          </a:p>
+        </p:txBody>
+      </p:sp>
+      <p:sp>
+        <p:nvSpPr>
+          <p:cNvPr id="14" name="Freeform 6">
+            <a:extLst>
+              <a:ext uri="{FF2B5EF4-FFF2-40B4-BE49-F238E27FC236}">
+                <a16:creationId xmlns:a16="http://schemas.microsoft.com/office/drawing/2014/main" id="{CC1026F7-DECB-49B4-A565-518BBA445471}"/>
+              </a:ext>
+              <a:ext uri="{C183D7F6-B498-43B3-948B-1728B52AA6E4}">
+                <adec:decorative xmlns:adec="http://schemas.microsoft.com/office/drawing/2017/decorative" val="1"/>
+              </a:ext>
+            </a:extLst>
+          </p:cNvPr>
+          <p:cNvSpPr>
+            <a:spLocks noGrp="1" noRot="1" noChangeAspect="1" noMove="1" noResize="1" noEditPoints="1" noAdjustHandles="1" noChangeArrowheads="1" noChangeShapeType="1" noTextEdit="1"/>
+          </p:cNvSpPr>
+          <p:nvPr>
+            <p:extLst>
+              <p:ext uri="{386F3935-93C4-4BCD-93E2-E3B085C9AB24}">
+                <p16:designElem xmlns:p16="http://schemas.microsoft.com/office/powerpoint/2015/main" val="1"/>
+              </p:ext>
+            </p:extLst>
+          </p:nvPr>
+        </p:nvSpPr>
+        <p:spPr bwMode="auto">
+          <a:xfrm flipH="1" flipV="1">
+            <a:off x="7983434" y="640080"/>
+            <a:ext cx="2296028" cy="3674981"/>
+          </a:xfrm>
+          <a:custGeom>
+            <a:avLst/>
+            <a:gdLst/>
+            <a:ahLst/>
+            <a:cxnLst/>
+            <a:rect l="l" t="t" r="r" b="b"/>
+            <a:pathLst>
+              <a:path w="10002" h="10000">
+                <a:moveTo>
+                  <a:pt x="8763" y="0"/>
+                </a:moveTo>
+                <a:lnTo>
+                  <a:pt x="10002" y="0"/>
+                </a:lnTo>
+                <a:lnTo>
+                  <a:pt x="10002" y="10000"/>
+                </a:lnTo>
+                <a:lnTo>
+                  <a:pt x="2" y="10000"/>
+                </a:lnTo>
+                <a:cubicBezTo>
+                  <a:pt x="-2" y="9698"/>
+                  <a:pt x="4" y="9427"/>
+                  <a:pt x="0" y="9125"/>
+                </a:cubicBezTo>
+                <a:lnTo>
+                  <a:pt x="8763" y="9128"/>
+                </a:lnTo>
+                <a:lnTo>
+                  <a:pt x="8763" y="0"/>
+                </a:lnTo>
+                <a:close/>
+              </a:path>
+            </a:pathLst>
+          </a:custGeom>
+          <a:solidFill>
+            <a:schemeClr val="tx2"/>
+          </a:solidFill>
+          <a:ln w="0">
+            <a:noFill/>
+            <a:prstDash val="solid"/>
+            <a:round/>
+            <a:headEnd/>
+            <a:tailEnd/>
+          </a:ln>
+        </p:spPr>
+      </p:sp>
+    </p:spTree>
+    <p:extLst>
+      <p:ext uri="{BB962C8B-B14F-4D97-AF65-F5344CB8AC3E}">
+        <p14:creationId xmlns:p14="http://schemas.microsoft.com/office/powerpoint/2010/main" val="3218242216"/>
+      </p:ext>
+    </p:extLst>
+  </p:cSld>
+  <p:clrMapOvr>
+    <a:masterClrMapping/>
+  </p:clrMapOvr>
+</p:sld>
+</file>
+
+<file path=ppt/slides/slide11.xml><?xml version="1.0" encoding="utf-8"?>
+<p:sld xmlns:a="http://schemas.openxmlformats.org/drawingml/2006/main" xmlns:r="http://schemas.openxmlformats.org/officeDocument/2006/relationships" xmlns:p="http://schemas.openxmlformats.org/presentationml/2006/main">
+  <p:cSld>
+    <p:bg>
+      <p:bgPr>
+        <a:solidFill>
+          <a:schemeClr val="bg2"/>
+        </a:solidFill>
+        <a:effectLst/>
+      </p:bgPr>
+    </p:bg>
+    <p:spTree>
+      <p:nvGrpSpPr>
+        <p:cNvPr id="1" name=""/>
+        <p:cNvGrpSpPr/>
+        <p:nvPr/>
+      </p:nvGrpSpPr>
+      <p:grpSpPr>
+        <a:xfrm>
+          <a:off x="0" y="0"/>
+          <a:ext cx="0" cy="0"/>
+          <a:chOff x="0" y="0"/>
+          <a:chExt cx="0" cy="0"/>
+        </a:xfrm>
+      </p:grpSpPr>
+      <p:sp useBgFill="1">
+        <p:nvSpPr>
+          <p:cNvPr id="12" name="Rectangle 11">
+            <a:extLst>
+              <a:ext uri="{FF2B5EF4-FFF2-40B4-BE49-F238E27FC236}">
+                <a16:creationId xmlns:a16="http://schemas.microsoft.com/office/drawing/2014/main" id="{1D868099-6145-4BC0-A5EA-74BEF1776BA9}"/>
+              </a:ext>
+              <a:ext uri="{C183D7F6-B498-43B3-948B-1728B52AA6E4}">
+                <adec:decorative xmlns:adec="http://schemas.microsoft.com/office/drawing/2017/decorative" val="1"/>
+              </a:ext>
+            </a:extLst>
+          </p:cNvPr>
+          <p:cNvSpPr>
+            <a:spLocks noGrp="1" noRot="1" noChangeAspect="1" noMove="1" noResize="1" noEditPoints="1" noAdjustHandles="1" noChangeArrowheads="1" noChangeShapeType="1" noTextEdit="1"/>
+          </p:cNvSpPr>
+          <p:nvPr>
+            <p:extLst>
+              <p:ext uri="{386F3935-93C4-4BCD-93E2-E3B085C9AB24}">
+                <p16:designElem xmlns:p16="http://schemas.microsoft.com/office/powerpoint/2015/main" val="1"/>
+              </p:ext>
+            </p:extLst>
+          </p:nvPr>
+        </p:nvSpPr>
+        <p:spPr>
+          <a:xfrm>
+            <a:off x="0" y="0"/>
+            <a:ext cx="12192000" cy="6858000"/>
+          </a:xfrm>
+          <a:prstGeom prst="rect">
+            <a:avLst/>
+          </a:prstGeom>
+          <a:ln>
+            <a:noFill/>
+          </a:ln>
+        </p:spPr>
+        <p:style>
+          <a:lnRef idx="2">
+            <a:schemeClr val="accent1">
+              <a:shade val="50000"/>
+            </a:schemeClr>
+          </a:lnRef>
+          <a:fillRef idx="1">
+            <a:schemeClr val="accent1"/>
+          </a:fillRef>
+          <a:effectRef idx="0">
+            <a:schemeClr val="accent1"/>
+          </a:effectRef>
+          <a:fontRef idx="minor">
+            <a:schemeClr val="lt1"/>
+          </a:fontRef>
+        </p:style>
+        <p:txBody>
+          <a:bodyPr rtlCol="0" anchor="ctr"/>
+          <a:lstStyle/>
+          <a:p>
+            <a:pPr algn="ctr"/>
+            <a:endParaRPr lang="en-US"/>
+          </a:p>
+        </p:txBody>
+      </p:sp>
+      <p:sp>
+        <p:nvSpPr>
+          <p:cNvPr id="2" name="Title 1">
+            <a:extLst>
+              <a:ext uri="{FF2B5EF4-FFF2-40B4-BE49-F238E27FC236}">
+                <a16:creationId xmlns:a16="http://schemas.microsoft.com/office/drawing/2014/main" id="{37889B0F-526E-487B-920C-E1E6A2891365}"/>
+              </a:ext>
+            </a:extLst>
+          </p:cNvPr>
+          <p:cNvSpPr>
+            <a:spLocks noGrp="1"/>
+          </p:cNvSpPr>
+          <p:nvPr>
+            <p:ph type="title"/>
+          </p:nvPr>
+        </p:nvSpPr>
+        <p:spPr>
+          <a:xfrm>
+            <a:off x="8471424" y="1110882"/>
+            <a:ext cx="3053039" cy="1060817"/>
+          </a:xfrm>
+        </p:spPr>
+        <p:txBody>
+          <a:bodyPr anchor="b">
+            <a:normAutofit/>
+          </a:bodyPr>
+          <a:lstStyle/>
+          <a:p>
+            <a:r>
+              <a:rPr lang="en-IN" sz="2800"/>
+              <a:t>KIBANA</a:t>
+            </a:r>
+          </a:p>
+        </p:txBody>
+      </p:sp>
+      <p:pic>
+        <p:nvPicPr>
+          <p:cNvPr id="5" name="Content Placeholder 4">
+            <a:extLst>
+              <a:ext uri="{FF2B5EF4-FFF2-40B4-BE49-F238E27FC236}">
+                <a16:creationId xmlns:a16="http://schemas.microsoft.com/office/drawing/2014/main" id="{BE6B428C-FD61-4DDB-BEC5-791BE58A90C7}"/>
+              </a:ext>
+            </a:extLst>
+          </p:cNvPr>
+          <p:cNvPicPr>
+            <a:picLocks noChangeAspect="1"/>
+          </p:cNvPicPr>
+          <p:nvPr/>
+        </p:nvPicPr>
+        <p:blipFill>
+          <a:blip r:embed="rId2"/>
+          <a:stretch>
+            <a:fillRect/>
+          </a:stretch>
+        </p:blipFill>
+        <p:spPr>
+          <a:xfrm>
+            <a:off x="1036147" y="640080"/>
+            <a:ext cx="6096635" cy="5577840"/>
+          </a:xfrm>
+          <a:prstGeom prst="rect">
+            <a:avLst/>
+          </a:prstGeom>
+        </p:spPr>
+      </p:pic>
+      <p:sp>
+        <p:nvSpPr>
+          <p:cNvPr id="9" name="Content Placeholder 8">
+            <a:extLst>
+              <a:ext uri="{FF2B5EF4-FFF2-40B4-BE49-F238E27FC236}">
+                <a16:creationId xmlns:a16="http://schemas.microsoft.com/office/drawing/2014/main" id="{8DAE2DE5-A5DB-4052-AB07-9CD95ECAB0AE}"/>
+              </a:ext>
+            </a:extLst>
+          </p:cNvPr>
+          <p:cNvSpPr>
+            <a:spLocks noGrp="1"/>
+          </p:cNvSpPr>
+          <p:nvPr>
+            <p:ph idx="1"/>
+          </p:nvPr>
+        </p:nvSpPr>
+        <p:spPr>
+          <a:xfrm>
+            <a:off x="8471423" y="2286000"/>
+            <a:ext cx="3053039" cy="3931920"/>
+          </a:xfrm>
+        </p:spPr>
+        <p:txBody>
+          <a:bodyPr>
+            <a:normAutofit/>
+          </a:bodyPr>
+          <a:lstStyle/>
+          <a:p>
+            <a:endParaRPr lang="en-US" sz="1600" dirty="0"/>
+          </a:p>
+        </p:txBody>
+      </p:sp>
+      <p:sp>
+        <p:nvSpPr>
+          <p:cNvPr id="14" name="Freeform 6">
+            <a:extLst>
+              <a:ext uri="{FF2B5EF4-FFF2-40B4-BE49-F238E27FC236}">
+                <a16:creationId xmlns:a16="http://schemas.microsoft.com/office/drawing/2014/main" id="{CC1026F7-DECB-49B4-A565-518BBA445471}"/>
+              </a:ext>
+              <a:ext uri="{C183D7F6-B498-43B3-948B-1728B52AA6E4}">
+                <adec:decorative xmlns:adec="http://schemas.microsoft.com/office/drawing/2017/decorative" val="1"/>
+              </a:ext>
+            </a:extLst>
+          </p:cNvPr>
+          <p:cNvSpPr>
+            <a:spLocks noGrp="1" noRot="1" noChangeAspect="1" noMove="1" noResize="1" noEditPoints="1" noAdjustHandles="1" noChangeArrowheads="1" noChangeShapeType="1" noTextEdit="1"/>
+          </p:cNvSpPr>
+          <p:nvPr>
+            <p:extLst>
+              <p:ext uri="{386F3935-93C4-4BCD-93E2-E3B085C9AB24}">
+                <p16:designElem xmlns:p16="http://schemas.microsoft.com/office/powerpoint/2015/main" val="1"/>
+              </p:ext>
+            </p:extLst>
+          </p:nvPr>
+        </p:nvSpPr>
+        <p:spPr bwMode="auto">
+          <a:xfrm flipH="1" flipV="1">
+            <a:off x="7983434" y="640080"/>
+            <a:ext cx="2296028" cy="3674981"/>
+          </a:xfrm>
+          <a:custGeom>
+            <a:avLst/>
+            <a:gdLst/>
+            <a:ahLst/>
+            <a:cxnLst/>
+            <a:rect l="l" t="t" r="r" b="b"/>
+            <a:pathLst>
+              <a:path w="10002" h="10000">
+                <a:moveTo>
+                  <a:pt x="8763" y="0"/>
+                </a:moveTo>
+                <a:lnTo>
+                  <a:pt x="10002" y="0"/>
+                </a:lnTo>
+                <a:lnTo>
+                  <a:pt x="10002" y="10000"/>
+                </a:lnTo>
+                <a:lnTo>
+                  <a:pt x="2" y="10000"/>
+                </a:lnTo>
+                <a:cubicBezTo>
+                  <a:pt x="-2" y="9698"/>
+                  <a:pt x="4" y="9427"/>
+                  <a:pt x="0" y="9125"/>
+                </a:cubicBezTo>
+                <a:lnTo>
+                  <a:pt x="8763" y="9128"/>
+                </a:lnTo>
+                <a:lnTo>
+                  <a:pt x="8763" y="0"/>
+                </a:lnTo>
+                <a:close/>
+              </a:path>
+            </a:pathLst>
+          </a:custGeom>
+          <a:solidFill>
+            <a:schemeClr val="tx2"/>
+          </a:solidFill>
+          <a:ln w="0">
+            <a:noFill/>
+            <a:prstDash val="solid"/>
+            <a:round/>
+            <a:headEnd/>
+            <a:tailEnd/>
+          </a:ln>
+        </p:spPr>
+      </p:sp>
+    </p:spTree>
+    <p:extLst>
+      <p:ext uri="{BB962C8B-B14F-4D97-AF65-F5344CB8AC3E}">
+        <p14:creationId xmlns:p14="http://schemas.microsoft.com/office/powerpoint/2010/main" val="183464105"/>
+      </p:ext>
+    </p:extLst>
+  </p:cSld>
+  <p:clrMapOvr>
+    <a:masterClrMapping/>
+  </p:clrMapOvr>
+</p:sld>
+</file>
+
+<file path=ppt/slides/slide12.xml><?xml version="1.0" encoding="utf-8"?>
+<p:sld xmlns:a="http://schemas.openxmlformats.org/drawingml/2006/main" xmlns:r="http://schemas.openxmlformats.org/officeDocument/2006/relationships" xmlns:p="http://schemas.openxmlformats.org/presentationml/2006/main">
+  <p:cSld>
+    <p:spTree>
+      <p:nvGrpSpPr>
+        <p:cNvPr id="1" name=""/>
+        <p:cNvGrpSpPr/>
+        <p:nvPr/>
+      </p:nvGrpSpPr>
+      <p:grpSpPr>
+        <a:xfrm>
+          <a:off x="0" y="0"/>
+          <a:ext cx="0" cy="0"/>
+          <a:chOff x="0" y="0"/>
+          <a:chExt cx="0" cy="0"/>
+        </a:xfrm>
+      </p:grpSpPr>
+      <p:sp>
+        <p:nvSpPr>
+          <p:cNvPr id="2" name="Title 1">
+            <a:extLst>
+              <a:ext uri="{FF2B5EF4-FFF2-40B4-BE49-F238E27FC236}">
+                <a16:creationId xmlns:a16="http://schemas.microsoft.com/office/drawing/2014/main" id="{515CF57B-A503-4A11-B7EE-9111295434BF}"/>
+              </a:ext>
+            </a:extLst>
+          </p:cNvPr>
+          <p:cNvSpPr>
+            <a:spLocks noGrp="1"/>
+          </p:cNvSpPr>
+          <p:nvPr>
+            <p:ph type="title"/>
+          </p:nvPr>
+        </p:nvSpPr>
+        <p:spPr/>
+        <p:txBody>
+          <a:bodyPr/>
+          <a:lstStyle/>
+          <a:p>
+            <a:pPr algn="ctr"/>
+            <a:r>
+              <a:rPr lang="en-IN" dirty="0"/>
+              <a:t>DASHBOARDS</a:t>
+            </a:r>
+          </a:p>
+        </p:txBody>
+      </p:sp>
+      <p:sp>
+        <p:nvSpPr>
+          <p:cNvPr id="3" name="Content Placeholder 2">
+            <a:extLst>
+              <a:ext uri="{FF2B5EF4-FFF2-40B4-BE49-F238E27FC236}">
+                <a16:creationId xmlns:a16="http://schemas.microsoft.com/office/drawing/2014/main" id="{4EB840B6-9A37-4872-9838-88C3B1E7623F}"/>
+              </a:ext>
+            </a:extLst>
+          </p:cNvPr>
+          <p:cNvSpPr>
+            <a:spLocks noGrp="1"/>
+          </p:cNvSpPr>
+          <p:nvPr>
+            <p:ph idx="1"/>
+          </p:nvPr>
+        </p:nvSpPr>
+        <p:spPr/>
+        <p:txBody>
+          <a:bodyPr/>
+          <a:lstStyle/>
+          <a:p>
+            <a:endParaRPr lang="en-IN"/>
+          </a:p>
+        </p:txBody>
+      </p:sp>
+    </p:spTree>
+    <p:extLst>
+      <p:ext uri="{BB962C8B-B14F-4D97-AF65-F5344CB8AC3E}">
+        <p14:creationId xmlns:p14="http://schemas.microsoft.com/office/powerpoint/2010/main" val="1732242542"/>
+      </p:ext>
+    </p:extLst>
+  </p:cSld>
+  <p:clrMapOvr>
+    <a:masterClrMapping/>
+  </p:clrMapOvr>
+</p:sld>
+</file>
+
+<file path=ppt/slides/slide13.xml><?xml version="1.0" encoding="utf-8"?>
+<p:sld xmlns:a="http://schemas.openxmlformats.org/drawingml/2006/main" xmlns:r="http://schemas.openxmlformats.org/officeDocument/2006/relationships" xmlns:p="http://schemas.openxmlformats.org/presentationml/2006/main">
+  <p:cSld>
+    <p:spTree>
+      <p:nvGrpSpPr>
+        <p:cNvPr id="1" name=""/>
+        <p:cNvGrpSpPr/>
+        <p:nvPr/>
+      </p:nvGrpSpPr>
+      <p:grpSpPr>
+        <a:xfrm>
+          <a:off x="0" y="0"/>
+          <a:ext cx="0" cy="0"/>
+          <a:chOff x="0" y="0"/>
+          <a:chExt cx="0" cy="0"/>
+        </a:xfrm>
+      </p:grpSpPr>
+      <p:sp>
+        <p:nvSpPr>
+          <p:cNvPr id="2" name="Title 1">
+            <a:extLst>
+              <a:ext uri="{FF2B5EF4-FFF2-40B4-BE49-F238E27FC236}">
+                <a16:creationId xmlns:a16="http://schemas.microsoft.com/office/drawing/2014/main" id="{38166DE5-A3DA-48CD-9D18-968511FF513B}"/>
+              </a:ext>
+            </a:extLst>
+          </p:cNvPr>
+          <p:cNvSpPr>
+            <a:spLocks noGrp="1"/>
+          </p:cNvSpPr>
+          <p:nvPr>
+            <p:ph type="title"/>
+          </p:nvPr>
+        </p:nvSpPr>
+        <p:spPr/>
+        <p:txBody>
+          <a:bodyPr/>
+          <a:lstStyle/>
+          <a:p>
+            <a:r>
+              <a:rPr lang="en-IN" dirty="0" err="1"/>
+              <a:t>Cont</a:t>
+            </a:r>
+            <a:r>
+              <a:rPr lang="en-IN" dirty="0"/>
+              <a:t>…</a:t>
+            </a:r>
+          </a:p>
+        </p:txBody>
+      </p:sp>
+      <p:sp>
+        <p:nvSpPr>
+          <p:cNvPr id="3" name="Content Placeholder 2">
+            <a:extLst>
+              <a:ext uri="{FF2B5EF4-FFF2-40B4-BE49-F238E27FC236}">
+                <a16:creationId xmlns:a16="http://schemas.microsoft.com/office/drawing/2014/main" id="{AA92B398-3AAE-458E-82CD-0D50D92F073B}"/>
+              </a:ext>
+            </a:extLst>
+          </p:cNvPr>
+          <p:cNvSpPr>
+            <a:spLocks noGrp="1"/>
+          </p:cNvSpPr>
+          <p:nvPr>
+            <p:ph idx="1"/>
+          </p:nvPr>
+        </p:nvSpPr>
+        <p:spPr/>
+        <p:txBody>
+          <a:bodyPr/>
+          <a:lstStyle/>
+          <a:p>
+            <a:endParaRPr lang="en-IN"/>
+          </a:p>
+        </p:txBody>
+      </p:sp>
+    </p:spTree>
+    <p:extLst>
+      <p:ext uri="{BB962C8B-B14F-4D97-AF65-F5344CB8AC3E}">
+        <p14:creationId xmlns:p14="http://schemas.microsoft.com/office/powerpoint/2010/main" val="2021500579"/>
+      </p:ext>
+    </p:extLst>
+  </p:cSld>
+  <p:clrMapOvr>
+    <a:masterClrMapping/>
+  </p:clrMapOvr>
+</p:sld>
+</file>
+
+<file path=ppt/slides/slide14.xml><?xml version="1.0" encoding="utf-8"?>
+<p:sld xmlns:a="http://schemas.openxmlformats.org/drawingml/2006/main" xmlns:r="http://schemas.openxmlformats.org/officeDocument/2006/relationships" xmlns:p="http://schemas.openxmlformats.org/presentationml/2006/main">
+  <p:cSld>
+    <p:bg>
+      <p:bgPr>
+        <a:solidFill>
+          <a:schemeClr val="bg2"/>
+        </a:solidFill>
+        <a:effectLst/>
+      </p:bgPr>
+    </p:bg>
+    <p:spTree>
+      <p:nvGrpSpPr>
+        <p:cNvPr id="1" name=""/>
+        <p:cNvGrpSpPr/>
+        <p:nvPr/>
+      </p:nvGrpSpPr>
+      <p:grpSpPr>
+        <a:xfrm>
+          <a:off x="0" y="0"/>
+          <a:ext cx="0" cy="0"/>
+          <a:chOff x="0" y="0"/>
+          <a:chExt cx="0" cy="0"/>
+        </a:xfrm>
+      </p:grpSpPr>
+      <p:sp useBgFill="1">
+        <p:nvSpPr>
+          <p:cNvPr id="12" name="Rectangle 11">
+            <a:extLst>
+              <a:ext uri="{FF2B5EF4-FFF2-40B4-BE49-F238E27FC236}">
+                <a16:creationId xmlns:a16="http://schemas.microsoft.com/office/drawing/2014/main" id="{1D868099-6145-4BC0-A5EA-74BEF1776BA9}"/>
+              </a:ext>
+              <a:ext uri="{C183D7F6-B498-43B3-948B-1728B52AA6E4}">
+                <adec:decorative xmlns:adec="http://schemas.microsoft.com/office/drawing/2017/decorative" val="1"/>
+              </a:ext>
+            </a:extLst>
+          </p:cNvPr>
+          <p:cNvSpPr>
+            <a:spLocks noGrp="1" noRot="1" noChangeAspect="1" noMove="1" noResize="1" noEditPoints="1" noAdjustHandles="1" noChangeArrowheads="1" noChangeShapeType="1" noTextEdit="1"/>
+          </p:cNvSpPr>
+          <p:nvPr>
+            <p:extLst>
+              <p:ext uri="{386F3935-93C4-4BCD-93E2-E3B085C9AB24}">
+                <p16:designElem xmlns:p16="http://schemas.microsoft.com/office/powerpoint/2015/main" val="1"/>
+              </p:ext>
+            </p:extLst>
+          </p:nvPr>
+        </p:nvSpPr>
+        <p:spPr>
+          <a:xfrm>
+            <a:off x="0" y="0"/>
+            <a:ext cx="12192000" cy="6858000"/>
+          </a:xfrm>
+          <a:prstGeom prst="rect">
+            <a:avLst/>
+          </a:prstGeom>
+          <a:ln>
+            <a:noFill/>
+          </a:ln>
+        </p:spPr>
+        <p:style>
+          <a:lnRef idx="2">
+            <a:schemeClr val="accent1">
+              <a:shade val="50000"/>
+            </a:schemeClr>
+          </a:lnRef>
+          <a:fillRef idx="1">
+            <a:schemeClr val="accent1"/>
+          </a:fillRef>
+          <a:effectRef idx="0">
+            <a:schemeClr val="accent1"/>
+          </a:effectRef>
+          <a:fontRef idx="minor">
+            <a:schemeClr val="lt1"/>
+          </a:fontRef>
+        </p:style>
+        <p:txBody>
+          <a:bodyPr rtlCol="0" anchor="ctr"/>
+          <a:lstStyle/>
+          <a:p>
+            <a:pPr algn="ctr"/>
+            <a:endParaRPr lang="en-US"/>
+          </a:p>
+        </p:txBody>
+      </p:sp>
+      <p:sp>
+        <p:nvSpPr>
+          <p:cNvPr id="2" name="Title 1">
+            <a:extLst>
+              <a:ext uri="{FF2B5EF4-FFF2-40B4-BE49-F238E27FC236}">
+                <a16:creationId xmlns:a16="http://schemas.microsoft.com/office/drawing/2014/main" id="{8085EB40-1FBE-4AF4-B067-AB786CC5AAF6}"/>
+              </a:ext>
+            </a:extLst>
+          </p:cNvPr>
+          <p:cNvSpPr>
+            <a:spLocks noGrp="1"/>
+          </p:cNvSpPr>
+          <p:nvPr>
+            <p:ph type="title"/>
+          </p:nvPr>
+        </p:nvSpPr>
+        <p:spPr>
+          <a:xfrm>
+            <a:off x="8471424" y="1110882"/>
+            <a:ext cx="3053039" cy="1060817"/>
+          </a:xfrm>
+        </p:spPr>
+        <p:txBody>
+          <a:bodyPr anchor="b">
+            <a:normAutofit/>
+          </a:bodyPr>
+          <a:lstStyle/>
+          <a:p>
+            <a:r>
+              <a:rPr lang="en-IN" sz="2800"/>
+              <a:t>NGINX</a:t>
+            </a:r>
+          </a:p>
+        </p:txBody>
+      </p:sp>
+      <p:pic>
+        <p:nvPicPr>
+          <p:cNvPr id="5" name="Content Placeholder 4">
+            <a:extLst>
+              <a:ext uri="{FF2B5EF4-FFF2-40B4-BE49-F238E27FC236}">
+                <a16:creationId xmlns:a16="http://schemas.microsoft.com/office/drawing/2014/main" id="{3E6092C9-E625-4F71-84E9-A1E854397AC3}"/>
+              </a:ext>
+            </a:extLst>
+          </p:cNvPr>
+          <p:cNvPicPr>
+            <a:picLocks noChangeAspect="1"/>
+          </p:cNvPicPr>
+          <p:nvPr/>
+        </p:nvPicPr>
+        <p:blipFill>
+          <a:blip r:embed="rId2"/>
+          <a:stretch>
+            <a:fillRect/>
+          </a:stretch>
+        </p:blipFill>
+        <p:spPr>
+          <a:xfrm>
+            <a:off x="634275" y="1827126"/>
+            <a:ext cx="6900380" cy="3203747"/>
+          </a:xfrm>
+          <a:prstGeom prst="rect">
+            <a:avLst/>
+          </a:prstGeom>
+        </p:spPr>
+      </p:pic>
+      <p:sp>
+        <p:nvSpPr>
+          <p:cNvPr id="9" name="Content Placeholder 8">
+            <a:extLst>
+              <a:ext uri="{FF2B5EF4-FFF2-40B4-BE49-F238E27FC236}">
+                <a16:creationId xmlns:a16="http://schemas.microsoft.com/office/drawing/2014/main" id="{C95F4683-CCC5-4075-9B2C-6E0889256647}"/>
+              </a:ext>
+            </a:extLst>
+          </p:cNvPr>
+          <p:cNvSpPr>
+            <a:spLocks noGrp="1"/>
+          </p:cNvSpPr>
+          <p:nvPr>
+            <p:ph idx="1"/>
+          </p:nvPr>
+        </p:nvSpPr>
+        <p:spPr>
+          <a:xfrm>
+            <a:off x="8471423" y="2286000"/>
+            <a:ext cx="3053039" cy="3931920"/>
+          </a:xfrm>
+        </p:spPr>
+        <p:txBody>
+          <a:bodyPr>
+            <a:normAutofit/>
+          </a:bodyPr>
+          <a:lstStyle/>
+          <a:p>
+            <a:endParaRPr lang="en-US" sz="1600"/>
+          </a:p>
+        </p:txBody>
+      </p:sp>
+      <p:sp>
+        <p:nvSpPr>
+          <p:cNvPr id="14" name="Freeform 6">
+            <a:extLst>
+              <a:ext uri="{FF2B5EF4-FFF2-40B4-BE49-F238E27FC236}">
+                <a16:creationId xmlns:a16="http://schemas.microsoft.com/office/drawing/2014/main" id="{CC1026F7-DECB-49B4-A565-518BBA445471}"/>
+              </a:ext>
+              <a:ext uri="{C183D7F6-B498-43B3-948B-1728B52AA6E4}">
+                <adec:decorative xmlns:adec="http://schemas.microsoft.com/office/drawing/2017/decorative" val="1"/>
+              </a:ext>
+            </a:extLst>
+          </p:cNvPr>
+          <p:cNvSpPr>
+            <a:spLocks noGrp="1" noRot="1" noChangeAspect="1" noMove="1" noResize="1" noEditPoints="1" noAdjustHandles="1" noChangeArrowheads="1" noChangeShapeType="1" noTextEdit="1"/>
+          </p:cNvSpPr>
+          <p:nvPr>
+            <p:extLst>
+              <p:ext uri="{386F3935-93C4-4BCD-93E2-E3B085C9AB24}">
+                <p16:designElem xmlns:p16="http://schemas.microsoft.com/office/powerpoint/2015/main" val="1"/>
+              </p:ext>
+            </p:extLst>
+          </p:nvPr>
+        </p:nvSpPr>
+        <p:spPr bwMode="auto">
+          <a:xfrm flipH="1" flipV="1">
+            <a:off x="7983434" y="640080"/>
+            <a:ext cx="2296028" cy="3674981"/>
+          </a:xfrm>
+          <a:custGeom>
+            <a:avLst/>
+            <a:gdLst/>
+            <a:ahLst/>
+            <a:cxnLst/>
+            <a:rect l="l" t="t" r="r" b="b"/>
+            <a:pathLst>
+              <a:path w="10002" h="10000">
+                <a:moveTo>
+                  <a:pt x="8763" y="0"/>
+                </a:moveTo>
+                <a:lnTo>
+                  <a:pt x="10002" y="0"/>
+                </a:lnTo>
+                <a:lnTo>
+                  <a:pt x="10002" y="10000"/>
+                </a:lnTo>
+                <a:lnTo>
+                  <a:pt x="2" y="10000"/>
+                </a:lnTo>
+                <a:cubicBezTo>
+                  <a:pt x="-2" y="9698"/>
+                  <a:pt x="4" y="9427"/>
+                  <a:pt x="0" y="9125"/>
+                </a:cubicBezTo>
+                <a:lnTo>
+                  <a:pt x="8763" y="9128"/>
+                </a:lnTo>
+                <a:lnTo>
+                  <a:pt x="8763" y="0"/>
+                </a:lnTo>
+                <a:close/>
+              </a:path>
+            </a:pathLst>
+          </a:custGeom>
+          <a:solidFill>
+            <a:schemeClr val="tx2"/>
+          </a:solidFill>
+          <a:ln w="0">
+            <a:noFill/>
+            <a:prstDash val="solid"/>
+            <a:round/>
+            <a:headEnd/>
+            <a:tailEnd/>
+          </a:ln>
+        </p:spPr>
+      </p:sp>
+    </p:spTree>
+    <p:extLst>
+      <p:ext uri="{BB962C8B-B14F-4D97-AF65-F5344CB8AC3E}">
+        <p14:creationId xmlns:p14="http://schemas.microsoft.com/office/powerpoint/2010/main" val="2574331402"/>
+      </p:ext>
+    </p:extLst>
+  </p:cSld>
+  <p:clrMapOvr>
+    <a:masterClrMapping/>
+  </p:clrMapOvr>
+</p:sld>
+</file>
+
+<file path=ppt/slides/slide15.xml><?xml version="1.0" encoding="utf-8"?>
+<p:sld xmlns:a="http://schemas.openxmlformats.org/drawingml/2006/main" xmlns:r="http://schemas.openxmlformats.org/officeDocument/2006/relationships" xmlns:p="http://schemas.openxmlformats.org/presentationml/2006/main">
+  <p:cSld>
+    <p:bg>
+      <p:bgPr>
+        <a:solidFill>
+          <a:schemeClr val="bg2"/>
+        </a:solidFill>
+        <a:effectLst/>
+      </p:bgPr>
+    </p:bg>
+    <p:spTree>
+      <p:nvGrpSpPr>
+        <p:cNvPr id="1" name=""/>
+        <p:cNvGrpSpPr/>
+        <p:nvPr/>
+      </p:nvGrpSpPr>
+      <p:grpSpPr>
+        <a:xfrm>
+          <a:off x="0" y="0"/>
+          <a:ext cx="0" cy="0"/>
+          <a:chOff x="0" y="0"/>
+          <a:chExt cx="0" cy="0"/>
+        </a:xfrm>
+      </p:grpSpPr>
+      <p:grpSp>
+        <p:nvGrpSpPr>
+          <p:cNvPr id="12" name="Group 11">
+            <a:extLst>
+              <a:ext uri="{FF2B5EF4-FFF2-40B4-BE49-F238E27FC236}">
+                <a16:creationId xmlns:a16="http://schemas.microsoft.com/office/drawing/2014/main" id="{449BC34D-9C23-4D6D-8213-1F471AF85B3F}"/>
+              </a:ext>
+              <a:ext uri="{C183D7F6-B498-43B3-948B-1728B52AA6E4}">
+                <adec:decorative xmlns:adec="http://schemas.microsoft.com/office/drawing/2017/decorative" val="1"/>
+              </a:ext>
+            </a:extLst>
+          </p:cNvPr>
+          <p:cNvGrpSpPr>
+            <a:grpSpLocks noGrp="1" noUngrp="1" noRot="1" noChangeAspect="1" noMove="1" noResize="1"/>
+          </p:cNvGrpSpPr>
+          <p:nvPr>
+            <p:extLst>
+              <p:ext uri="{386F3935-93C4-4BCD-93E2-E3B085C9AB24}">
+                <p16:designElem xmlns:p16="http://schemas.microsoft.com/office/powerpoint/2015/main" val="1"/>
+              </p:ext>
+            </p:extLst>
+          </p:nvPr>
+        </p:nvGrpSpPr>
+        <p:grpSpPr>
+          <a:xfrm>
+            <a:off x="752858" y="744469"/>
+            <a:ext cx="10674117" cy="5349671"/>
+            <a:chOff x="752858" y="744469"/>
+            <a:chExt cx="10674117" cy="5349671"/>
+          </a:xfrm>
+        </p:grpSpPr>
+        <p:sp>
+          <p:nvSpPr>
+            <p:cNvPr id="13" name="Freeform 6">
+              <a:extLst>
+                <a:ext uri="{FF2B5EF4-FFF2-40B4-BE49-F238E27FC236}">
+                  <a16:creationId xmlns:a16="http://schemas.microsoft.com/office/drawing/2014/main" id="{FA0F5D6C-5025-4D7E-82DD-C2C6FDA1E759}"/>
+                </a:ext>
+                <a:ext uri="{C183D7F6-B498-43B3-948B-1728B52AA6E4}">
+                  <adec:decorative xmlns:adec="http://schemas.microsoft.com/office/drawing/2017/decorative" val="1"/>
+                </a:ext>
+              </a:extLst>
+            </p:cNvPr>
+            <p:cNvSpPr/>
+            <p:nvPr>
+              <p:extLst>
+                <p:ext uri="{386F3935-93C4-4BCD-93E2-E3B085C9AB24}">
+                  <p16:designElem xmlns:p16="http://schemas.microsoft.com/office/powerpoint/2015/main" val="1"/>
+                </p:ext>
+              </p:extLst>
+            </p:nvPr>
+          </p:nvSpPr>
+          <p:spPr bwMode="auto">
+            <a:xfrm>
+              <a:off x="8151962" y="1685652"/>
+              <a:ext cx="3275013" cy="4408488"/>
+            </a:xfrm>
+            <a:custGeom>
+              <a:avLst/>
+              <a:gdLst/>
+              <a:ahLst/>
+              <a:cxnLst/>
+              <a:rect l="l" t="t" r="r" b="b"/>
+              <a:pathLst>
+                <a:path w="10000" h="10000">
+                  <a:moveTo>
+                    <a:pt x="8761" y="0"/>
+                  </a:moveTo>
+                  <a:lnTo>
+                    <a:pt x="10000" y="0"/>
+                  </a:lnTo>
+                  <a:lnTo>
+                    <a:pt x="10000" y="10000"/>
+                  </a:lnTo>
+                  <a:lnTo>
+                    <a:pt x="0" y="10000"/>
+                  </a:lnTo>
+                  <a:lnTo>
+                    <a:pt x="0" y="9126"/>
+                  </a:lnTo>
+                  <a:lnTo>
+                    <a:pt x="8761" y="9127"/>
+                  </a:lnTo>
+                  <a:lnTo>
+                    <a:pt x="8761" y="0"/>
+                  </a:lnTo>
+                  <a:close/>
+                </a:path>
+              </a:pathLst>
+            </a:custGeom>
+            <a:solidFill>
+              <a:schemeClr val="tx2"/>
+            </a:solidFill>
+            <a:ln w="0">
+              <a:noFill/>
+              <a:prstDash val="solid"/>
+              <a:round/>
+              <a:headEnd/>
+              <a:tailEnd/>
+            </a:ln>
+          </p:spPr>
+        </p:sp>
+        <p:sp>
+          <p:nvSpPr>
+            <p:cNvPr id="14" name="Freeform 6">
+              <a:extLst>
+                <a:ext uri="{FF2B5EF4-FFF2-40B4-BE49-F238E27FC236}">
+                  <a16:creationId xmlns:a16="http://schemas.microsoft.com/office/drawing/2014/main" id="{E2AF2C17-4AB4-4402-B84B-129EF95D161C}"/>
+                </a:ext>
+                <a:ext uri="{C183D7F6-B498-43B3-948B-1728B52AA6E4}">
+                  <adec:decorative xmlns:adec="http://schemas.microsoft.com/office/drawing/2017/decorative" val="1"/>
+                </a:ext>
+              </a:extLst>
+            </p:cNvPr>
+            <p:cNvSpPr/>
+            <p:nvPr>
+              <p:extLst>
+                <p:ext uri="{386F3935-93C4-4BCD-93E2-E3B085C9AB24}">
+                  <p16:designElem xmlns:p16="http://schemas.microsoft.com/office/powerpoint/2015/main" val="1"/>
+                </p:ext>
+              </p:extLst>
+            </p:nvPr>
+          </p:nvSpPr>
+          <p:spPr bwMode="auto">
+            <a:xfrm flipH="1" flipV="1">
+              <a:off x="752858" y="744469"/>
+              <a:ext cx="3275668" cy="4408488"/>
+            </a:xfrm>
+            <a:custGeom>
+              <a:avLst/>
+              <a:gdLst/>
+              <a:ahLst/>
+              <a:cxnLst/>
+              <a:rect l="l" t="t" r="r" b="b"/>
+              <a:pathLst>
+                <a:path w="10002" h="10000">
+                  <a:moveTo>
+                    <a:pt x="8763" y="0"/>
+                  </a:moveTo>
+                  <a:lnTo>
+                    <a:pt x="10002" y="0"/>
+                  </a:lnTo>
+                  <a:lnTo>
+                    <a:pt x="10002" y="10000"/>
+                  </a:lnTo>
+                  <a:lnTo>
+                    <a:pt x="2" y="10000"/>
+                  </a:lnTo>
+                  <a:cubicBezTo>
+                    <a:pt x="-2" y="9698"/>
+                    <a:pt x="4" y="9427"/>
+                    <a:pt x="0" y="9125"/>
+                  </a:cubicBezTo>
+                  <a:lnTo>
+                    <a:pt x="8763" y="9128"/>
+                  </a:lnTo>
+                  <a:lnTo>
+                    <a:pt x="8763" y="0"/>
+                  </a:lnTo>
+                  <a:close/>
+                </a:path>
+              </a:pathLst>
+            </a:custGeom>
+            <a:solidFill>
+              <a:schemeClr val="tx2"/>
+            </a:solidFill>
+            <a:ln w="0">
+              <a:noFill/>
+              <a:prstDash val="solid"/>
+              <a:round/>
+              <a:headEnd/>
+              <a:tailEnd/>
+            </a:ln>
+          </p:spPr>
+        </p:sp>
+      </p:grpSp>
+      <p:sp useBgFill="1">
+        <p:nvSpPr>
+          <p:cNvPr id="16" name="Rectangle 15">
+            <a:extLst>
+              <a:ext uri="{FF2B5EF4-FFF2-40B4-BE49-F238E27FC236}">
+                <a16:creationId xmlns:a16="http://schemas.microsoft.com/office/drawing/2014/main" id="{1F9A0C1C-8ABC-401B-8FE9-AC9327C4C587}"/>
+              </a:ext>
+              <a:ext uri="{C183D7F6-B498-43B3-948B-1728B52AA6E4}">
+                <adec:decorative xmlns:adec="http://schemas.microsoft.com/office/drawing/2017/decorative" val="1"/>
+              </a:ext>
+            </a:extLst>
+          </p:cNvPr>
+          <p:cNvSpPr>
+            <a:spLocks noGrp="1" noRot="1" noChangeAspect="1" noMove="1" noResize="1" noEditPoints="1" noAdjustHandles="1" noChangeArrowheads="1" noChangeShapeType="1" noTextEdit="1"/>
+          </p:cNvSpPr>
+          <p:nvPr>
+            <p:extLst>
+              <p:ext uri="{386F3935-93C4-4BCD-93E2-E3B085C9AB24}">
+                <p16:designElem xmlns:p16="http://schemas.microsoft.com/office/powerpoint/2015/main" val="1"/>
+              </p:ext>
+            </p:extLst>
+          </p:nvPr>
+        </p:nvSpPr>
+        <p:spPr>
+          <a:xfrm>
+            <a:off x="0" y="0"/>
+            <a:ext cx="12192000" cy="6858000"/>
+          </a:xfrm>
+          <a:prstGeom prst="rect">
+            <a:avLst/>
+          </a:prstGeom>
+          <a:ln>
+            <a:noFill/>
+          </a:ln>
+        </p:spPr>
+        <p:style>
+          <a:lnRef idx="2">
+            <a:schemeClr val="accent1">
+              <a:shade val="50000"/>
+            </a:schemeClr>
+          </a:lnRef>
+          <a:fillRef idx="1001">
+            <a:schemeClr val="lt2"/>
+          </a:fillRef>
+          <a:effectRef idx="0">
+            <a:schemeClr val="accent1"/>
+          </a:effectRef>
+          <a:fontRef idx="minor">
+            <a:schemeClr val="lt1"/>
+          </a:fontRef>
+        </p:style>
+        <p:txBody>
+          <a:bodyPr rtlCol="0" anchor="ctr"/>
+          <a:lstStyle/>
+          <a:p>
+            <a:pPr algn="ctr"/>
+            <a:endParaRPr lang="en-US"/>
+          </a:p>
+        </p:txBody>
+      </p:sp>
+      <p:sp>
+        <p:nvSpPr>
+          <p:cNvPr id="2" name="Title 1">
+            <a:extLst>
+              <a:ext uri="{FF2B5EF4-FFF2-40B4-BE49-F238E27FC236}">
+                <a16:creationId xmlns:a16="http://schemas.microsoft.com/office/drawing/2014/main" id="{F3735DDB-B53E-4E50-A5FB-C548B8ED3623}"/>
+              </a:ext>
+            </a:extLst>
+          </p:cNvPr>
+          <p:cNvSpPr>
+            <a:spLocks noGrp="1"/>
+          </p:cNvSpPr>
+          <p:nvPr>
+            <p:ph type="title"/>
+          </p:nvPr>
+        </p:nvSpPr>
+        <p:spPr>
+          <a:xfrm>
+            <a:off x="8154186" y="634028"/>
+            <a:ext cx="3355942" cy="3732835"/>
+          </a:xfrm>
+        </p:spPr>
+        <p:txBody>
+          <a:bodyPr vert="horz" lIns="91440" tIns="45720" rIns="91440" bIns="45720" rtlCol="0" anchor="b">
+            <a:normAutofit/>
+          </a:bodyPr>
+          <a:lstStyle/>
+          <a:p>
+            <a:pPr algn="ctr"/>
+            <a:br>
+              <a:rPr lang="en-US" sz="2400" cap="all" dirty="0"/>
+            </a:br>
+            <a:endParaRPr lang="en-US" sz="2400" cap="all" dirty="0"/>
+          </a:p>
+        </p:txBody>
+      </p:sp>
+      <p:sp>
+        <p:nvSpPr>
+          <p:cNvPr id="3" name="Content Placeholder 2">
+            <a:extLst>
+              <a:ext uri="{FF2B5EF4-FFF2-40B4-BE49-F238E27FC236}">
+                <a16:creationId xmlns:a16="http://schemas.microsoft.com/office/drawing/2014/main" id="{C96BB18A-A9BF-4AE7-BAC2-776053190F93}"/>
+              </a:ext>
+            </a:extLst>
+          </p:cNvPr>
+          <p:cNvSpPr>
+            <a:spLocks noGrp="1"/>
+          </p:cNvSpPr>
+          <p:nvPr>
+            <p:ph idx="1"/>
+          </p:nvPr>
+        </p:nvSpPr>
+        <p:spPr>
+          <a:xfrm>
+            <a:off x="8186895" y="2531672"/>
+            <a:ext cx="3355942" cy="1794656"/>
+          </a:xfrm>
+        </p:spPr>
+        <p:txBody>
+          <a:bodyPr vert="horz" lIns="91440" tIns="45720" rIns="91440" bIns="45720" rtlCol="0">
+            <a:normAutofit/>
+          </a:bodyPr>
+          <a:lstStyle/>
+          <a:p>
+            <a:pPr marL="0" indent="0" algn="ctr">
+              <a:lnSpc>
+                <a:spcPct val="112000"/>
+              </a:lnSpc>
+              <a:spcBef>
+                <a:spcPts val="0"/>
+              </a:spcBef>
+              <a:spcAft>
+                <a:spcPts val="600"/>
+              </a:spcAft>
+              <a:buNone/>
+            </a:pPr>
+            <a:r>
+              <a:rPr lang="en-US" sz="6000" b="1" dirty="0"/>
+              <a:t>THANKS</a:t>
+            </a:r>
+          </a:p>
+        </p:txBody>
+      </p:sp>
+      <p:sp>
+        <p:nvSpPr>
+          <p:cNvPr id="18" name="Freeform 6">
+            <a:extLst>
+              <a:ext uri="{FF2B5EF4-FFF2-40B4-BE49-F238E27FC236}">
+                <a16:creationId xmlns:a16="http://schemas.microsoft.com/office/drawing/2014/main" id="{BA5783C3-2F96-40A7-A24F-30CB07AA3928}"/>
+              </a:ext>
+              <a:ext uri="{C183D7F6-B498-43B3-948B-1728B52AA6E4}">
+                <adec:decorative xmlns:adec="http://schemas.microsoft.com/office/drawing/2017/decorative" val="1"/>
+              </a:ext>
+            </a:extLst>
+          </p:cNvPr>
+          <p:cNvSpPr>
+            <a:spLocks noGrp="1" noRot="1" noChangeAspect="1" noMove="1" noResize="1" noEditPoints="1" noAdjustHandles="1" noChangeArrowheads="1" noChangeShapeType="1" noTextEdit="1"/>
+          </p:cNvSpPr>
+          <p:nvPr>
+            <p:extLst>
+              <p:ext uri="{386F3935-93C4-4BCD-93E2-E3B085C9AB24}">
+                <p16:designElem xmlns:p16="http://schemas.microsoft.com/office/powerpoint/2015/main" val="1"/>
+              </p:ext>
+            </p:extLst>
+          </p:nvPr>
+        </p:nvSpPr>
+        <p:spPr bwMode="auto">
+          <a:xfrm flipH="1" flipV="1">
+            <a:off x="649163" y="634028"/>
+            <a:ext cx="3275668" cy="4408488"/>
+          </a:xfrm>
+          <a:custGeom>
+            <a:avLst/>
+            <a:gdLst/>
+            <a:ahLst/>
+            <a:cxnLst/>
+            <a:rect l="l" t="t" r="r" b="b"/>
+            <a:pathLst>
+              <a:path w="10002" h="10000">
+                <a:moveTo>
+                  <a:pt x="8763" y="0"/>
+                </a:moveTo>
+                <a:lnTo>
+                  <a:pt x="10002" y="0"/>
+                </a:lnTo>
+                <a:lnTo>
+                  <a:pt x="10002" y="10000"/>
+                </a:lnTo>
+                <a:lnTo>
+                  <a:pt x="2" y="10000"/>
+                </a:lnTo>
+                <a:cubicBezTo>
+                  <a:pt x="-2" y="9698"/>
+                  <a:pt x="4" y="9427"/>
+                  <a:pt x="0" y="9125"/>
+                </a:cubicBezTo>
+                <a:lnTo>
+                  <a:pt x="8763" y="9128"/>
+                </a:lnTo>
+                <a:lnTo>
+                  <a:pt x="8763" y="0"/>
+                </a:lnTo>
+                <a:close/>
+              </a:path>
+            </a:pathLst>
+          </a:custGeom>
+          <a:solidFill>
+            <a:schemeClr val="tx2"/>
+          </a:solidFill>
+          <a:ln w="0">
+            <a:noFill/>
+            <a:prstDash val="solid"/>
+            <a:round/>
+            <a:headEnd/>
+            <a:tailEnd/>
+          </a:ln>
+        </p:spPr>
+      </p:sp>
+      <p:sp>
+        <p:nvSpPr>
+          <p:cNvPr id="20" name="Freeform 6">
+            <a:extLst>
+              <a:ext uri="{FF2B5EF4-FFF2-40B4-BE49-F238E27FC236}">
+                <a16:creationId xmlns:a16="http://schemas.microsoft.com/office/drawing/2014/main" id="{A9D08DBA-0326-4C4E-ACFB-576F3ABDD2D0}"/>
+              </a:ext>
+              <a:ext uri="{C183D7F6-B498-43B3-948B-1728B52AA6E4}">
+                <adec:decorative xmlns:adec="http://schemas.microsoft.com/office/drawing/2017/decorative" val="1"/>
+              </a:ext>
+            </a:extLst>
+          </p:cNvPr>
+          <p:cNvSpPr>
+            <a:spLocks noGrp="1" noRot="1" noChangeAspect="1" noMove="1" noResize="1" noEditPoints="1" noAdjustHandles="1" noChangeArrowheads="1" noChangeShapeType="1" noTextEdit="1"/>
+          </p:cNvSpPr>
+          <p:nvPr>
+            <p:extLst>
+              <p:ext uri="{386F3935-93C4-4BCD-93E2-E3B085C9AB24}">
+                <p16:designElem xmlns:p16="http://schemas.microsoft.com/office/powerpoint/2015/main" val="1"/>
+              </p:ext>
+            </p:extLst>
+          </p:nvPr>
+        </p:nvSpPr>
+        <p:spPr bwMode="auto">
+          <a:xfrm>
+            <a:off x="4494670" y="2016617"/>
+            <a:ext cx="3275013" cy="4408488"/>
+          </a:xfrm>
+          <a:custGeom>
+            <a:avLst/>
+            <a:gdLst/>
+            <a:ahLst/>
+            <a:cxnLst/>
+            <a:rect l="l" t="t" r="r" b="b"/>
+            <a:pathLst>
+              <a:path w="10000" h="10000">
+                <a:moveTo>
+                  <a:pt x="8761" y="0"/>
+                </a:moveTo>
+                <a:lnTo>
+                  <a:pt x="10000" y="0"/>
+                </a:lnTo>
+                <a:lnTo>
+                  <a:pt x="10000" y="10000"/>
+                </a:lnTo>
+                <a:lnTo>
+                  <a:pt x="0" y="10000"/>
+                </a:lnTo>
+                <a:lnTo>
+                  <a:pt x="0" y="9126"/>
+                </a:lnTo>
+                <a:lnTo>
+                  <a:pt x="8761" y="9127"/>
+                </a:lnTo>
+                <a:lnTo>
+                  <a:pt x="8761" y="0"/>
+                </a:lnTo>
+                <a:close/>
+              </a:path>
+            </a:pathLst>
+          </a:custGeom>
+          <a:solidFill>
+            <a:schemeClr val="tx2"/>
+          </a:solidFill>
+          <a:ln w="0">
+            <a:noFill/>
+            <a:prstDash val="solid"/>
+            <a:round/>
+            <a:headEnd/>
+            <a:tailEnd/>
+          </a:ln>
+        </p:spPr>
+      </p:sp>
+      <p:pic>
+        <p:nvPicPr>
+          <p:cNvPr id="7" name="Graphic 6">
+            <a:extLst>
+              <a:ext uri="{FF2B5EF4-FFF2-40B4-BE49-F238E27FC236}">
+                <a16:creationId xmlns:a16="http://schemas.microsoft.com/office/drawing/2014/main" id="{9BE8F7AB-5204-4F25-B0A4-63203AB5D424}"/>
+              </a:ext>
+            </a:extLst>
+          </p:cNvPr>
+          <p:cNvPicPr>
+            <a:picLocks noChangeAspect="1"/>
+          </p:cNvPicPr>
+          <p:nvPr/>
+        </p:nvPicPr>
+        <p:blipFill>
+          <a:blip r:embed="rId2">
+            <a:extLst>
+              <a:ext uri="{96DAC541-7B7A-43D3-8B79-37D633B846F1}">
+                <asvg:svgBlip xmlns:asvg="http://schemas.microsoft.com/office/drawing/2016/SVG/main" r:embed="rId3"/>
+              </a:ext>
+            </a:extLst>
+          </a:blip>
+          <a:stretch>
+            <a:fillRect/>
+          </a:stretch>
+        </p:blipFill>
+        <p:spPr>
+          <a:xfrm>
+            <a:off x="2020879" y="1340841"/>
+            <a:ext cx="4375510" cy="4375510"/>
+          </a:xfrm>
+          <a:prstGeom prst="rect">
+            <a:avLst/>
+          </a:prstGeom>
+        </p:spPr>
+      </p:pic>
+    </p:spTree>
+    <p:extLst>
+      <p:ext uri="{BB962C8B-B14F-4D97-AF65-F5344CB8AC3E}">
+        <p14:creationId xmlns:p14="http://schemas.microsoft.com/office/powerpoint/2010/main" val="3555016238"/>
+      </p:ext>
+    </p:extLst>
+  </p:cSld>
+  <p:clrMapOvr>
+    <a:masterClrMapping/>
+  </p:clrMapOvr>
+</p:sld>
+</file>
+
 <file path=ppt/slides/slide2.xml><?xml version="1.0" encoding="utf-8"?>
 <p:sld xmlns:a="http://schemas.openxmlformats.org/drawingml/2006/main" xmlns:r="http://schemas.openxmlformats.org/officeDocument/2006/relationships" xmlns:p="http://schemas.openxmlformats.org/presentationml/2006/main">
   <p:cSld>
@@ -4849,10 +6383,10 @@
       </p:sp>
       <p:sp>
         <p:nvSpPr>
-          <p:cNvPr id="63" name="Title 1">
+          <p:cNvPr id="65" name="Title 64">
             <a:extLst>
               <a:ext uri="{FF2B5EF4-FFF2-40B4-BE49-F238E27FC236}">
-                <a16:creationId xmlns:a16="http://schemas.microsoft.com/office/drawing/2014/main" id="{A5444FFF-5AD7-4B23-97F5-5A6FE511B770}"/>
+                <a16:creationId xmlns:a16="http://schemas.microsoft.com/office/drawing/2014/main" id="{317052C1-EF15-49C3-8F75-D203D8721095}"/>
               </a:ext>
             </a:extLst>
           </p:cNvPr>
@@ -4863,53 +6397,68 @@
             <p:ph type="title"/>
           </p:nvPr>
         </p:nvSpPr>
-        <p:spPr>
-          <a:xfrm>
-            <a:off x="1371600" y="685800"/>
-            <a:ext cx="9601200" cy="1485900"/>
-          </a:xfrm>
-        </p:spPr>
+        <p:spPr/>
         <p:txBody>
           <a:bodyPr/>
           <a:lstStyle/>
           <a:p>
+            <a:endParaRPr lang="en-IN"/>
+          </a:p>
+        </p:txBody>
+      </p:sp>
+      <p:sp>
+        <p:nvSpPr>
+          <p:cNvPr id="66" name="Title 1">
+            <a:extLst>
+              <a:ext uri="{FF2B5EF4-FFF2-40B4-BE49-F238E27FC236}">
+                <a16:creationId xmlns:a16="http://schemas.microsoft.com/office/drawing/2014/main" id="{A5E772BD-58AC-449C-804B-34B1D88FA6B3}"/>
+              </a:ext>
+            </a:extLst>
+          </p:cNvPr>
+          <p:cNvSpPr txBox="1">
+            <a:spLocks/>
+          </p:cNvSpPr>
+          <p:nvPr/>
+        </p:nvSpPr>
+        <p:spPr>
+          <a:xfrm>
+            <a:off x="1524000" y="838200"/>
+            <a:ext cx="9601200" cy="1485900"/>
+          </a:xfrm>
+          <a:prstGeom prst="rect">
+            <a:avLst/>
+          </a:prstGeom>
+        </p:spPr>
+        <p:txBody>
+          <a:bodyPr vert="horz" lIns="91440" tIns="45720" rIns="91440" bIns="45720" rtlCol="0" anchor="t">
+            <a:normAutofit/>
+          </a:bodyPr>
+          <a:lstStyle>
+            <a:lvl1pPr algn="l" defTabSz="914400" rtl="0" eaLnBrk="1" latinLnBrk="0" hangingPunct="1">
+              <a:lnSpc>
+                <a:spcPct val="89000"/>
+              </a:lnSpc>
+              <a:spcBef>
+                <a:spcPct val="0"/>
+              </a:spcBef>
+              <a:buNone/>
+              <a:defRPr sz="4400" kern="1200" baseline="0">
+                <a:solidFill>
+                  <a:schemeClr val="tx2"/>
+                </a:solidFill>
+                <a:latin typeface="+mj-lt"/>
+                <a:ea typeface="+mj-ea"/>
+                <a:cs typeface="+mj-cs"/>
+              </a:defRPr>
+            </a:lvl1pPr>
+          </a:lstStyle>
+          <a:p>
             <a:pPr algn="ctr"/>
             <a:r>
-              <a:rPr lang="en-IN" dirty="0">
-                <a:ln>
-                  <a:gradFill>
-                    <a:gsLst>
-                      <a:gs pos="0">
-                        <a:schemeClr val="accent1">
-                          <a:lumMod val="5000"/>
-                          <a:lumOff val="95000"/>
-                        </a:schemeClr>
-                      </a:gs>
-                      <a:gs pos="26000">
-                        <a:schemeClr val="accent1">
-                          <a:lumMod val="45000"/>
-                          <a:lumOff val="55000"/>
-                        </a:schemeClr>
-                      </a:gs>
-                      <a:gs pos="83000">
-                        <a:schemeClr val="accent1">
-                          <a:lumMod val="45000"/>
-                          <a:lumOff val="55000"/>
-                        </a:schemeClr>
-                      </a:gs>
-                      <a:gs pos="100000">
-                        <a:schemeClr val="accent1">
-                          <a:lumMod val="30000"/>
-                          <a:lumOff val="70000"/>
-                        </a:schemeClr>
-                      </a:gs>
-                    </a:gsLst>
-                    <a:lin ang="5400000" scaled="1"/>
-                  </a:gradFill>
-                </a:ln>
-              </a:rPr>
-              <a:t>Pipeline</a:t>
-            </a:r>
+              <a:rPr lang="en-IN"/>
+              <a:t>MOTIVATION</a:t>
+            </a:r>
+            <a:endParaRPr lang="en-IN" dirty="0"/>
           </a:p>
         </p:txBody>
       </p:sp>
@@ -4917,6 +6466,1038 @@
     <p:extLst>
       <p:ext uri="{BB962C8B-B14F-4D97-AF65-F5344CB8AC3E}">
         <p14:creationId xmlns:p14="http://schemas.microsoft.com/office/powerpoint/2010/main" val="315750009"/>
+      </p:ext>
+    </p:extLst>
+  </p:cSld>
+  <p:clrMapOvr>
+    <a:masterClrMapping/>
+  </p:clrMapOvr>
+</p:sld>
+</file>
+
+<file path=ppt/slides/slide4.xml><?xml version="1.0" encoding="utf-8"?>
+<p:sld xmlns:a="http://schemas.openxmlformats.org/drawingml/2006/main" xmlns:r="http://schemas.openxmlformats.org/officeDocument/2006/relationships" xmlns:p="http://schemas.openxmlformats.org/presentationml/2006/main">
+  <p:cSld>
+    <p:bg>
+      <p:bgPr>
+        <a:solidFill>
+          <a:schemeClr val="bg2"/>
+        </a:solidFill>
+        <a:effectLst/>
+      </p:bgPr>
+    </p:bg>
+    <p:spTree>
+      <p:nvGrpSpPr>
+        <p:cNvPr id="1" name=""/>
+        <p:cNvGrpSpPr/>
+        <p:nvPr/>
+      </p:nvGrpSpPr>
+      <p:grpSpPr>
+        <a:xfrm>
+          <a:off x="0" y="0"/>
+          <a:ext cx="0" cy="0"/>
+          <a:chOff x="0" y="0"/>
+          <a:chExt cx="0" cy="0"/>
+        </a:xfrm>
+      </p:grpSpPr>
+      <p:sp>
+        <p:nvSpPr>
+          <p:cNvPr id="10" name="Rectangle 9">
+            <a:extLst>
+              <a:ext uri="{FF2B5EF4-FFF2-40B4-BE49-F238E27FC236}">
+                <a16:creationId xmlns:a16="http://schemas.microsoft.com/office/drawing/2014/main" id="{AA6EC888-B85F-410F-B430-06583E94BEEC}"/>
+              </a:ext>
+              <a:ext uri="{C183D7F6-B498-43B3-948B-1728B52AA6E4}">
+                <adec:decorative xmlns:adec="http://schemas.microsoft.com/office/drawing/2017/decorative" val="1"/>
+              </a:ext>
+            </a:extLst>
+          </p:cNvPr>
+          <p:cNvSpPr>
+            <a:spLocks noGrp="1" noRot="1" noChangeAspect="1" noMove="1" noResize="1" noEditPoints="1" noAdjustHandles="1" noChangeArrowheads="1" noChangeShapeType="1" noTextEdit="1"/>
+          </p:cNvSpPr>
+          <p:nvPr>
+            <p:extLst>
+              <p:ext uri="{386F3935-93C4-4BCD-93E2-E3B085C9AB24}">
+                <p16:designElem xmlns:p16="http://schemas.microsoft.com/office/powerpoint/2015/main" val="1"/>
+              </p:ext>
+            </p:extLst>
+          </p:nvPr>
+        </p:nvSpPr>
+        <p:spPr>
+          <a:xfrm>
+            <a:off x="478095" y="376"/>
+            <a:ext cx="228600" cy="6858000"/>
+          </a:xfrm>
+          <a:prstGeom prst="rect">
+            <a:avLst/>
+          </a:prstGeom>
+          <a:solidFill>
+            <a:schemeClr val="tx2"/>
+          </a:solidFill>
+          <a:ln>
+            <a:noFill/>
+          </a:ln>
+        </p:spPr>
+        <p:style>
+          <a:lnRef idx="2">
+            <a:schemeClr val="accent1">
+              <a:shade val="50000"/>
+            </a:schemeClr>
+          </a:lnRef>
+          <a:fillRef idx="1">
+            <a:schemeClr val="accent1"/>
+          </a:fillRef>
+          <a:effectRef idx="0">
+            <a:schemeClr val="accent1"/>
+          </a:effectRef>
+          <a:fontRef idx="minor">
+            <a:schemeClr val="lt1"/>
+          </a:fontRef>
+        </p:style>
+      </p:sp>
+      <p:sp>
+        <p:nvSpPr>
+          <p:cNvPr id="12" name="Rectangle 11">
+            <a:extLst>
+              <a:ext uri="{FF2B5EF4-FFF2-40B4-BE49-F238E27FC236}">
+                <a16:creationId xmlns:a16="http://schemas.microsoft.com/office/drawing/2014/main" id="{D488911C-0EC7-40A9-9BCB-CA8A66E4623A}"/>
+              </a:ext>
+              <a:ext uri="{C183D7F6-B498-43B3-948B-1728B52AA6E4}">
+                <adec:decorative xmlns:adec="http://schemas.microsoft.com/office/drawing/2017/decorative" val="1"/>
+              </a:ext>
+            </a:extLst>
+          </p:cNvPr>
+          <p:cNvSpPr>
+            <a:spLocks noGrp="1" noRot="1" noChangeAspect="1" noMove="1" noResize="1" noEditPoints="1" noAdjustHandles="1" noChangeArrowheads="1" noChangeShapeType="1" noTextEdit="1"/>
+          </p:cNvSpPr>
+          <p:nvPr>
+            <p:extLst>
+              <p:ext uri="{386F3935-93C4-4BCD-93E2-E3B085C9AB24}">
+                <p16:designElem xmlns:p16="http://schemas.microsoft.com/office/powerpoint/2015/main" val="1"/>
+              </p:ext>
+            </p:extLst>
+          </p:nvPr>
+        </p:nvSpPr>
+        <p:spPr>
+          <a:xfrm>
+            <a:off x="0" y="0"/>
+            <a:ext cx="12192000" cy="6858000"/>
+          </a:xfrm>
+          <a:prstGeom prst="rect">
+            <a:avLst/>
+          </a:prstGeom>
+          <a:solidFill>
+            <a:schemeClr val="bg2"/>
+          </a:solidFill>
+          <a:ln>
+            <a:noFill/>
+          </a:ln>
+        </p:spPr>
+        <p:style>
+          <a:lnRef idx="2">
+            <a:schemeClr val="accent1">
+              <a:shade val="50000"/>
+            </a:schemeClr>
+          </a:lnRef>
+          <a:fillRef idx="1">
+            <a:schemeClr val="accent1"/>
+          </a:fillRef>
+          <a:effectRef idx="0">
+            <a:schemeClr val="accent1"/>
+          </a:effectRef>
+          <a:fontRef idx="minor">
+            <a:schemeClr val="lt1"/>
+          </a:fontRef>
+        </p:style>
+        <p:txBody>
+          <a:bodyPr rtlCol="0" anchor="ctr"/>
+          <a:lstStyle/>
+          <a:p>
+            <a:pPr algn="ctr"/>
+            <a:endParaRPr lang="en-US"/>
+          </a:p>
+        </p:txBody>
+      </p:sp>
+      <p:grpSp>
+        <p:nvGrpSpPr>
+          <p:cNvPr id="14" name="Group 13">
+            <a:extLst>
+              <a:ext uri="{FF2B5EF4-FFF2-40B4-BE49-F238E27FC236}">
+                <a16:creationId xmlns:a16="http://schemas.microsoft.com/office/drawing/2014/main" id="{53023EA8-527A-4FA2-A71D-626F912756C6}"/>
+              </a:ext>
+              <a:ext uri="{C183D7F6-B498-43B3-948B-1728B52AA6E4}">
+                <adec:decorative xmlns:adec="http://schemas.microsoft.com/office/drawing/2017/decorative" val="1"/>
+              </a:ext>
+            </a:extLst>
+          </p:cNvPr>
+          <p:cNvGrpSpPr>
+            <a:grpSpLocks noGrp="1" noUngrp="1" noRot="1" noChangeAspect="1" noMove="1" noResize="1"/>
+          </p:cNvGrpSpPr>
+          <p:nvPr>
+            <p:extLst>
+              <p:ext uri="{386F3935-93C4-4BCD-93E2-E3B085C9AB24}">
+                <p16:designElem xmlns:p16="http://schemas.microsoft.com/office/powerpoint/2015/main" val="1"/>
+              </p:ext>
+            </p:extLst>
+          </p:nvPr>
+        </p:nvGrpSpPr>
+        <p:grpSpPr>
+          <a:xfrm>
+            <a:off x="752858" y="744469"/>
+            <a:ext cx="10674117" cy="5349671"/>
+            <a:chOff x="752858" y="744469"/>
+            <a:chExt cx="10674117" cy="5349671"/>
+          </a:xfrm>
+        </p:grpSpPr>
+        <p:sp>
+          <p:nvSpPr>
+            <p:cNvPr id="15" name="Freeform 6">
+              <a:extLst>
+                <a:ext uri="{FF2B5EF4-FFF2-40B4-BE49-F238E27FC236}">
+                  <a16:creationId xmlns:a16="http://schemas.microsoft.com/office/drawing/2014/main" id="{60C46CD6-ADBB-41BC-8969-7C707D4332ED}"/>
+                </a:ext>
+                <a:ext uri="{C183D7F6-B498-43B3-948B-1728B52AA6E4}">
+                  <adec:decorative xmlns:adec="http://schemas.microsoft.com/office/drawing/2017/decorative" val="1"/>
+                </a:ext>
+              </a:extLst>
+            </p:cNvPr>
+            <p:cNvSpPr/>
+            <p:nvPr>
+              <p:extLst>
+                <p:ext uri="{386F3935-93C4-4BCD-93E2-E3B085C9AB24}">
+                  <p16:designElem xmlns:p16="http://schemas.microsoft.com/office/powerpoint/2015/main" val="1"/>
+                </p:ext>
+              </p:extLst>
+            </p:nvPr>
+          </p:nvSpPr>
+          <p:spPr bwMode="auto">
+            <a:xfrm>
+              <a:off x="8151962" y="1685652"/>
+              <a:ext cx="3275013" cy="4408488"/>
+            </a:xfrm>
+            <a:custGeom>
+              <a:avLst/>
+              <a:gdLst/>
+              <a:ahLst/>
+              <a:cxnLst/>
+              <a:rect l="l" t="t" r="r" b="b"/>
+              <a:pathLst>
+                <a:path w="10000" h="10000">
+                  <a:moveTo>
+                    <a:pt x="8761" y="0"/>
+                  </a:moveTo>
+                  <a:lnTo>
+                    <a:pt x="10000" y="0"/>
+                  </a:lnTo>
+                  <a:lnTo>
+                    <a:pt x="10000" y="10000"/>
+                  </a:lnTo>
+                  <a:lnTo>
+                    <a:pt x="0" y="10000"/>
+                  </a:lnTo>
+                  <a:lnTo>
+                    <a:pt x="0" y="9126"/>
+                  </a:lnTo>
+                  <a:lnTo>
+                    <a:pt x="8761" y="9127"/>
+                  </a:lnTo>
+                  <a:lnTo>
+                    <a:pt x="8761" y="0"/>
+                  </a:lnTo>
+                  <a:close/>
+                </a:path>
+              </a:pathLst>
+            </a:custGeom>
+            <a:solidFill>
+              <a:schemeClr val="tx2"/>
+            </a:solidFill>
+            <a:ln w="0">
+              <a:noFill/>
+              <a:prstDash val="solid"/>
+              <a:round/>
+              <a:headEnd/>
+              <a:tailEnd/>
+            </a:ln>
+          </p:spPr>
+        </p:sp>
+        <p:sp>
+          <p:nvSpPr>
+            <p:cNvPr id="16" name="Freeform 6">
+              <a:extLst>
+                <a:ext uri="{FF2B5EF4-FFF2-40B4-BE49-F238E27FC236}">
+                  <a16:creationId xmlns:a16="http://schemas.microsoft.com/office/drawing/2014/main" id="{B6C38415-998B-45FB-A12C-BD0B184CB805}"/>
+                </a:ext>
+                <a:ext uri="{C183D7F6-B498-43B3-948B-1728B52AA6E4}">
+                  <adec:decorative xmlns:adec="http://schemas.microsoft.com/office/drawing/2017/decorative" val="1"/>
+                </a:ext>
+              </a:extLst>
+            </p:cNvPr>
+            <p:cNvSpPr/>
+            <p:nvPr>
+              <p:extLst>
+                <p:ext uri="{386F3935-93C4-4BCD-93E2-E3B085C9AB24}">
+                  <p16:designElem xmlns:p16="http://schemas.microsoft.com/office/powerpoint/2015/main" val="1"/>
+                </p:ext>
+              </p:extLst>
+            </p:nvPr>
+          </p:nvSpPr>
+          <p:spPr bwMode="auto">
+            <a:xfrm flipH="1" flipV="1">
+              <a:off x="752858" y="744469"/>
+              <a:ext cx="3275668" cy="4408488"/>
+            </a:xfrm>
+            <a:custGeom>
+              <a:avLst/>
+              <a:gdLst/>
+              <a:ahLst/>
+              <a:cxnLst/>
+              <a:rect l="l" t="t" r="r" b="b"/>
+              <a:pathLst>
+                <a:path w="10002" h="10000">
+                  <a:moveTo>
+                    <a:pt x="8763" y="0"/>
+                  </a:moveTo>
+                  <a:lnTo>
+                    <a:pt x="10002" y="0"/>
+                  </a:lnTo>
+                  <a:lnTo>
+                    <a:pt x="10002" y="10000"/>
+                  </a:lnTo>
+                  <a:lnTo>
+                    <a:pt x="2" y="10000"/>
+                  </a:lnTo>
+                  <a:cubicBezTo>
+                    <a:pt x="-2" y="9698"/>
+                    <a:pt x="4" y="9427"/>
+                    <a:pt x="0" y="9125"/>
+                  </a:cubicBezTo>
+                  <a:lnTo>
+                    <a:pt x="8763" y="9128"/>
+                  </a:lnTo>
+                  <a:lnTo>
+                    <a:pt x="8763" y="0"/>
+                  </a:lnTo>
+                  <a:close/>
+                </a:path>
+              </a:pathLst>
+            </a:custGeom>
+            <a:solidFill>
+              <a:schemeClr val="tx2"/>
+            </a:solidFill>
+            <a:ln w="0">
+              <a:noFill/>
+              <a:prstDash val="solid"/>
+              <a:round/>
+              <a:headEnd/>
+              <a:tailEnd/>
+            </a:ln>
+          </p:spPr>
+        </p:sp>
+      </p:grpSp>
+      <p:sp>
+        <p:nvSpPr>
+          <p:cNvPr id="18" name="Rectangle 17">
+            <a:extLst>
+              <a:ext uri="{FF2B5EF4-FFF2-40B4-BE49-F238E27FC236}">
+                <a16:creationId xmlns:a16="http://schemas.microsoft.com/office/drawing/2014/main" id="{C8D89F71-9459-4318-ACAE-874616C3ADAD}"/>
+              </a:ext>
+              <a:ext uri="{C183D7F6-B498-43B3-948B-1728B52AA6E4}">
+                <adec:decorative xmlns:adec="http://schemas.microsoft.com/office/drawing/2017/decorative" val="1"/>
+              </a:ext>
+            </a:extLst>
+          </p:cNvPr>
+          <p:cNvSpPr>
+            <a:spLocks noGrp="1" noRot="1" noChangeAspect="1" noMove="1" noResize="1" noEditPoints="1" noAdjustHandles="1" noChangeArrowheads="1" noChangeShapeType="1" noTextEdit="1"/>
+          </p:cNvSpPr>
+          <p:nvPr>
+            <p:extLst>
+              <p:ext uri="{386F3935-93C4-4BCD-93E2-E3B085C9AB24}">
+                <p16:designElem xmlns:p16="http://schemas.microsoft.com/office/powerpoint/2015/main" val="1"/>
+              </p:ext>
+            </p:extLst>
+          </p:nvPr>
+        </p:nvSpPr>
+        <p:spPr>
+          <a:xfrm>
+            <a:off x="1000462" y="968188"/>
+            <a:ext cx="10194046" cy="4894232"/>
+          </a:xfrm>
+          <a:prstGeom prst="rect">
+            <a:avLst/>
+          </a:prstGeom>
+          <a:solidFill>
+            <a:srgbClr val="FFFFFF"/>
+          </a:solidFill>
+          <a:ln>
+            <a:noFill/>
+          </a:ln>
+        </p:spPr>
+        <p:style>
+          <a:lnRef idx="2">
+            <a:schemeClr val="accent1">
+              <a:shade val="50000"/>
+            </a:schemeClr>
+          </a:lnRef>
+          <a:fillRef idx="1">
+            <a:schemeClr val="accent1"/>
+          </a:fillRef>
+          <a:effectRef idx="0">
+            <a:schemeClr val="accent1"/>
+          </a:effectRef>
+          <a:fontRef idx="minor">
+            <a:schemeClr val="lt1"/>
+          </a:fontRef>
+        </p:style>
+        <p:txBody>
+          <a:bodyPr rtlCol="0" anchor="ctr"/>
+          <a:lstStyle/>
+          <a:p>
+            <a:pPr algn="ctr"/>
+            <a:endParaRPr lang="en-US"/>
+          </a:p>
+        </p:txBody>
+      </p:sp>
+      <p:pic>
+        <p:nvPicPr>
+          <p:cNvPr id="9" name="Content Placeholder 8">
+            <a:extLst>
+              <a:ext uri="{FF2B5EF4-FFF2-40B4-BE49-F238E27FC236}">
+                <a16:creationId xmlns:a16="http://schemas.microsoft.com/office/drawing/2014/main" id="{9F40C73B-D581-4997-89E7-C956D1F16BE3}"/>
+              </a:ext>
+            </a:extLst>
+          </p:cNvPr>
+          <p:cNvPicPr>
+            <a:picLocks noGrp="1" noChangeAspect="1"/>
+          </p:cNvPicPr>
+          <p:nvPr>
+            <p:ph idx="1"/>
+          </p:nvPr>
+        </p:nvPicPr>
+        <p:blipFill>
+          <a:blip r:embed="rId2"/>
+          <a:stretch>
+            <a:fillRect/>
+          </a:stretch>
+        </p:blipFill>
+        <p:spPr>
+          <a:xfrm>
+            <a:off x="3032644" y="1342842"/>
+            <a:ext cx="5696251" cy="3581400"/>
+          </a:xfrm>
+        </p:spPr>
+      </p:pic>
+      <p:sp>
+        <p:nvSpPr>
+          <p:cNvPr id="34" name="Title 1">
+            <a:extLst>
+              <a:ext uri="{FF2B5EF4-FFF2-40B4-BE49-F238E27FC236}">
+                <a16:creationId xmlns:a16="http://schemas.microsoft.com/office/drawing/2014/main" id="{9A667326-B432-4AD5-9906-36883260C2E0}"/>
+              </a:ext>
+            </a:extLst>
+          </p:cNvPr>
+          <p:cNvSpPr>
+            <a:spLocks noGrp="1"/>
+          </p:cNvSpPr>
+          <p:nvPr>
+            <p:ph type="title"/>
+          </p:nvPr>
+        </p:nvSpPr>
+        <p:spPr>
+          <a:xfrm>
+            <a:off x="1295400" y="149020"/>
+            <a:ext cx="9601200" cy="1485900"/>
+          </a:xfrm>
+        </p:spPr>
+        <p:txBody>
+          <a:bodyPr/>
+          <a:lstStyle/>
+          <a:p>
+            <a:pPr algn="ctr"/>
+            <a:r>
+              <a:rPr lang="en-IN" dirty="0"/>
+              <a:t>TECH STACK</a:t>
+            </a:r>
+          </a:p>
+        </p:txBody>
+      </p:sp>
+    </p:spTree>
+    <p:extLst>
+      <p:ext uri="{BB962C8B-B14F-4D97-AF65-F5344CB8AC3E}">
+        <p14:creationId xmlns:p14="http://schemas.microsoft.com/office/powerpoint/2010/main" val="596273305"/>
+      </p:ext>
+    </p:extLst>
+  </p:cSld>
+  <p:clrMapOvr>
+    <a:masterClrMapping/>
+  </p:clrMapOvr>
+</p:sld>
+</file>
+
+<file path=ppt/slides/slide5.xml><?xml version="1.0" encoding="utf-8"?>
+<p:sld xmlns:a="http://schemas.openxmlformats.org/drawingml/2006/main" xmlns:r="http://schemas.openxmlformats.org/officeDocument/2006/relationships" xmlns:p="http://schemas.openxmlformats.org/presentationml/2006/main">
+  <p:cSld>
+    <p:spTree>
+      <p:nvGrpSpPr>
+        <p:cNvPr id="1" name=""/>
+        <p:cNvGrpSpPr/>
+        <p:nvPr/>
+      </p:nvGrpSpPr>
+      <p:grpSpPr>
+        <a:xfrm>
+          <a:off x="0" y="0"/>
+          <a:ext cx="0" cy="0"/>
+          <a:chOff x="0" y="0"/>
+          <a:chExt cx="0" cy="0"/>
+        </a:xfrm>
+      </p:grpSpPr>
+      <p:sp>
+        <p:nvSpPr>
+          <p:cNvPr id="2" name="Title 1">
+            <a:extLst>
+              <a:ext uri="{FF2B5EF4-FFF2-40B4-BE49-F238E27FC236}">
+                <a16:creationId xmlns:a16="http://schemas.microsoft.com/office/drawing/2014/main" id="{98FD3588-4BCC-4FE1-B3E4-7C0D41DC6BA0}"/>
+              </a:ext>
+            </a:extLst>
+          </p:cNvPr>
+          <p:cNvSpPr>
+            <a:spLocks noGrp="1"/>
+          </p:cNvSpPr>
+          <p:nvPr>
+            <p:ph type="title"/>
+          </p:nvPr>
+        </p:nvSpPr>
+        <p:spPr>
+          <a:xfrm>
+            <a:off x="1295400" y="3118608"/>
+            <a:ext cx="9601200" cy="1485900"/>
+          </a:xfrm>
+        </p:spPr>
+        <p:txBody>
+          <a:bodyPr>
+            <a:normAutofit/>
+          </a:bodyPr>
+          <a:lstStyle/>
+          <a:p>
+            <a:pPr algn="ctr"/>
+            <a:r>
+              <a:rPr lang="en-IN" sz="8800" dirty="0"/>
+              <a:t>ETL</a:t>
+            </a:r>
+          </a:p>
+        </p:txBody>
+      </p:sp>
+    </p:spTree>
+    <p:extLst>
+      <p:ext uri="{BB962C8B-B14F-4D97-AF65-F5344CB8AC3E}">
+        <p14:creationId xmlns:p14="http://schemas.microsoft.com/office/powerpoint/2010/main" val="2004363046"/>
+      </p:ext>
+    </p:extLst>
+  </p:cSld>
+  <p:clrMapOvr>
+    <a:masterClrMapping/>
+  </p:clrMapOvr>
+</p:sld>
+</file>
+
+<file path=ppt/slides/slide6.xml><?xml version="1.0" encoding="utf-8"?>
+<p:sld xmlns:a="http://schemas.openxmlformats.org/drawingml/2006/main" xmlns:r="http://schemas.openxmlformats.org/officeDocument/2006/relationships" xmlns:p="http://schemas.openxmlformats.org/presentationml/2006/main">
+  <p:cSld>
+    <p:spTree>
+      <p:nvGrpSpPr>
+        <p:cNvPr id="1" name=""/>
+        <p:cNvGrpSpPr/>
+        <p:nvPr/>
+      </p:nvGrpSpPr>
+      <p:grpSpPr>
+        <a:xfrm>
+          <a:off x="0" y="0"/>
+          <a:ext cx="0" cy="0"/>
+          <a:chOff x="0" y="0"/>
+          <a:chExt cx="0" cy="0"/>
+        </a:xfrm>
+      </p:grpSpPr>
+      <p:sp>
+        <p:nvSpPr>
+          <p:cNvPr id="2" name="Title 1">
+            <a:extLst>
+              <a:ext uri="{FF2B5EF4-FFF2-40B4-BE49-F238E27FC236}">
+                <a16:creationId xmlns:a16="http://schemas.microsoft.com/office/drawing/2014/main" id="{279D93D6-37E3-496D-B4B4-D731921F6C52}"/>
+              </a:ext>
+            </a:extLst>
+          </p:cNvPr>
+          <p:cNvSpPr>
+            <a:spLocks noGrp="1"/>
+          </p:cNvSpPr>
+          <p:nvPr>
+            <p:ph type="title"/>
+          </p:nvPr>
+        </p:nvSpPr>
+        <p:spPr/>
+        <p:txBody>
+          <a:bodyPr/>
+          <a:lstStyle/>
+          <a:p>
+            <a:pPr algn="ctr"/>
+            <a:r>
+              <a:rPr lang="en-IN" dirty="0"/>
+              <a:t>EXTRACT</a:t>
+            </a:r>
+          </a:p>
+        </p:txBody>
+      </p:sp>
+      <p:sp>
+        <p:nvSpPr>
+          <p:cNvPr id="3" name="Content Placeholder 2">
+            <a:extLst>
+              <a:ext uri="{FF2B5EF4-FFF2-40B4-BE49-F238E27FC236}">
+                <a16:creationId xmlns:a16="http://schemas.microsoft.com/office/drawing/2014/main" id="{13A9A3BF-349F-4338-A580-E0A9DDB5CA4E}"/>
+              </a:ext>
+            </a:extLst>
+          </p:cNvPr>
+          <p:cNvSpPr>
+            <a:spLocks noGrp="1"/>
+          </p:cNvSpPr>
+          <p:nvPr>
+            <p:ph idx="1"/>
+          </p:nvPr>
+        </p:nvSpPr>
+        <p:spPr/>
+        <p:txBody>
+          <a:bodyPr/>
+          <a:lstStyle/>
+          <a:p>
+            <a:r>
+              <a:rPr lang="en-IN" dirty="0"/>
+              <a:t>Data has been sourced from multiple areas</a:t>
+            </a:r>
+          </a:p>
+          <a:p>
+            <a:pPr lvl="1">
+              <a:buFont typeface="Wingdings" panose="05000000000000000000" pitchFamily="2" charset="2"/>
+              <a:buChar char="§"/>
+            </a:pPr>
+            <a:r>
+              <a:rPr lang="en-IN" i="0" dirty="0"/>
+              <a:t>Scrapping popular cricket websites</a:t>
+            </a:r>
+          </a:p>
+          <a:p>
+            <a:pPr lvl="1">
+              <a:buFont typeface="Wingdings" panose="05000000000000000000" pitchFamily="2" charset="2"/>
+              <a:buChar char="§"/>
+            </a:pPr>
+            <a:r>
+              <a:rPr lang="en-IN" i="0" dirty="0"/>
+              <a:t>Scrapping wiki </a:t>
+            </a:r>
+          </a:p>
+          <a:p>
+            <a:pPr lvl="1">
+              <a:buFont typeface="Wingdings" panose="05000000000000000000" pitchFamily="2" charset="2"/>
+              <a:buChar char="§"/>
+            </a:pPr>
+            <a:r>
+              <a:rPr lang="en-IN" i="0" dirty="0"/>
+              <a:t>Google API – Geo points</a:t>
+            </a:r>
+          </a:p>
+          <a:p>
+            <a:pPr lvl="1">
+              <a:buFont typeface="Wingdings" panose="05000000000000000000" pitchFamily="2" charset="2"/>
+              <a:buChar char="§"/>
+            </a:pPr>
+            <a:r>
+              <a:rPr lang="en-IN" i="0" dirty="0"/>
+              <a:t>Kaggle competitions</a:t>
+            </a:r>
+          </a:p>
+          <a:p>
+            <a:pPr lvl="1">
+              <a:buFont typeface="Wingdings" panose="05000000000000000000" pitchFamily="2" charset="2"/>
+              <a:buChar char="§"/>
+            </a:pPr>
+            <a:endParaRPr lang="en-IN" i="0" dirty="0"/>
+          </a:p>
+          <a:p>
+            <a:pPr>
+              <a:buFont typeface="Wingdings" panose="05000000000000000000" pitchFamily="2" charset="2"/>
+              <a:buChar char="§"/>
+            </a:pPr>
+            <a:r>
+              <a:rPr lang="en-IN" i="0" dirty="0"/>
+              <a:t>All the data is further stored into S3.</a:t>
+            </a:r>
+            <a:endParaRPr lang="en-IN" sz="3200" i="0" dirty="0"/>
+          </a:p>
+        </p:txBody>
+      </p:sp>
+    </p:spTree>
+    <p:extLst>
+      <p:ext uri="{BB962C8B-B14F-4D97-AF65-F5344CB8AC3E}">
+        <p14:creationId xmlns:p14="http://schemas.microsoft.com/office/powerpoint/2010/main" val="73114080"/>
+      </p:ext>
+    </p:extLst>
+  </p:cSld>
+  <p:clrMapOvr>
+    <a:masterClrMapping/>
+  </p:clrMapOvr>
+</p:sld>
+</file>
+
+<file path=ppt/slides/slide7.xml><?xml version="1.0" encoding="utf-8"?>
+<p:sld xmlns:a="http://schemas.openxmlformats.org/drawingml/2006/main" xmlns:r="http://schemas.openxmlformats.org/officeDocument/2006/relationships" xmlns:p="http://schemas.openxmlformats.org/presentationml/2006/main">
+  <p:cSld>
+    <p:spTree>
+      <p:nvGrpSpPr>
+        <p:cNvPr id="1" name=""/>
+        <p:cNvGrpSpPr/>
+        <p:nvPr/>
+      </p:nvGrpSpPr>
+      <p:grpSpPr>
+        <a:xfrm>
+          <a:off x="0" y="0"/>
+          <a:ext cx="0" cy="0"/>
+          <a:chOff x="0" y="0"/>
+          <a:chExt cx="0" cy="0"/>
+        </a:xfrm>
+      </p:grpSpPr>
+      <p:sp>
+        <p:nvSpPr>
+          <p:cNvPr id="2" name="Title 1">
+            <a:extLst>
+              <a:ext uri="{FF2B5EF4-FFF2-40B4-BE49-F238E27FC236}">
+                <a16:creationId xmlns:a16="http://schemas.microsoft.com/office/drawing/2014/main" id="{009A00EB-1AF1-4D7B-833A-778FFAB6B726}"/>
+              </a:ext>
+            </a:extLst>
+          </p:cNvPr>
+          <p:cNvSpPr>
+            <a:spLocks noGrp="1"/>
+          </p:cNvSpPr>
+          <p:nvPr>
+            <p:ph type="title"/>
+          </p:nvPr>
+        </p:nvSpPr>
+        <p:spPr>
+          <a:xfrm>
+            <a:off x="901817" y="1138806"/>
+            <a:ext cx="9601200" cy="1485900"/>
+          </a:xfrm>
+        </p:spPr>
+        <p:txBody>
+          <a:bodyPr/>
+          <a:lstStyle/>
+          <a:p>
+            <a:r>
+              <a:rPr lang="en-IN" dirty="0" err="1"/>
+              <a:t>Cont</a:t>
+            </a:r>
+            <a:r>
+              <a:rPr lang="en-IN" dirty="0"/>
+              <a:t>…</a:t>
+            </a:r>
+          </a:p>
+        </p:txBody>
+      </p:sp>
+      <p:sp>
+        <p:nvSpPr>
+          <p:cNvPr id="3" name="Content Placeholder 2">
+            <a:extLst>
+              <a:ext uri="{FF2B5EF4-FFF2-40B4-BE49-F238E27FC236}">
+                <a16:creationId xmlns:a16="http://schemas.microsoft.com/office/drawing/2014/main" id="{EF86AFE6-7885-4F91-ADDF-1EC015BD2323}"/>
+              </a:ext>
+            </a:extLst>
+          </p:cNvPr>
+          <p:cNvSpPr>
+            <a:spLocks noGrp="1"/>
+          </p:cNvSpPr>
+          <p:nvPr>
+            <p:ph idx="1"/>
+          </p:nvPr>
+        </p:nvSpPr>
+        <p:spPr>
+          <a:xfrm>
+            <a:off x="1295400" y="2789339"/>
+            <a:ext cx="9601200" cy="3581400"/>
+          </a:xfrm>
+        </p:spPr>
+        <p:txBody>
+          <a:bodyPr/>
+          <a:lstStyle/>
+          <a:p>
+            <a:r>
+              <a:rPr lang="en-IN" dirty="0"/>
+              <a:t>Raw data received in S3 is pushed into AWS DynamoDB.</a:t>
+            </a:r>
+          </a:p>
+          <a:p>
+            <a:r>
+              <a:rPr lang="en-IN" dirty="0"/>
+              <a:t>S3event invokes AWS Lambda which does the data parsing before it is rested in DynamoDB.</a:t>
+            </a:r>
+          </a:p>
+          <a:p>
+            <a:r>
+              <a:rPr lang="en-IN" dirty="0"/>
+              <a:t>Three tables – Player, Matches, Deliveries</a:t>
+            </a:r>
+          </a:p>
+          <a:p>
+            <a:r>
+              <a:rPr lang="en-IN" dirty="0"/>
+              <a:t>Data in DynamoDB acts a source of truth for all the further operations.</a:t>
+            </a:r>
+          </a:p>
+        </p:txBody>
+      </p:sp>
+    </p:spTree>
+    <p:extLst>
+      <p:ext uri="{BB962C8B-B14F-4D97-AF65-F5344CB8AC3E}">
+        <p14:creationId xmlns:p14="http://schemas.microsoft.com/office/powerpoint/2010/main" val="1709835958"/>
+      </p:ext>
+    </p:extLst>
+  </p:cSld>
+  <p:clrMapOvr>
+    <a:masterClrMapping/>
+  </p:clrMapOvr>
+</p:sld>
+</file>
+
+<file path=ppt/slides/slide8.xml><?xml version="1.0" encoding="utf-8"?>
+<p:sld xmlns:a="http://schemas.openxmlformats.org/drawingml/2006/main" xmlns:r="http://schemas.openxmlformats.org/officeDocument/2006/relationships" xmlns:p="http://schemas.openxmlformats.org/presentationml/2006/main">
+  <p:cSld>
+    <p:spTree>
+      <p:nvGrpSpPr>
+        <p:cNvPr id="1" name=""/>
+        <p:cNvGrpSpPr/>
+        <p:nvPr/>
+      </p:nvGrpSpPr>
+      <p:grpSpPr>
+        <a:xfrm>
+          <a:off x="0" y="0"/>
+          <a:ext cx="0" cy="0"/>
+          <a:chOff x="0" y="0"/>
+          <a:chExt cx="0" cy="0"/>
+        </a:xfrm>
+      </p:grpSpPr>
+      <p:sp>
+        <p:nvSpPr>
+          <p:cNvPr id="2" name="Title 1">
+            <a:extLst>
+              <a:ext uri="{FF2B5EF4-FFF2-40B4-BE49-F238E27FC236}">
+                <a16:creationId xmlns:a16="http://schemas.microsoft.com/office/drawing/2014/main" id="{167CCAD3-B4E2-44CB-8570-E1C9AB1DA20A}"/>
+              </a:ext>
+            </a:extLst>
+          </p:cNvPr>
+          <p:cNvSpPr>
+            <a:spLocks noGrp="1"/>
+          </p:cNvSpPr>
+          <p:nvPr>
+            <p:ph type="title"/>
+          </p:nvPr>
+        </p:nvSpPr>
+        <p:spPr/>
+        <p:txBody>
+          <a:bodyPr/>
+          <a:lstStyle/>
+          <a:p>
+            <a:pPr algn="ctr"/>
+            <a:r>
+              <a:rPr lang="en-IN" dirty="0"/>
+              <a:t>TRANSFORM</a:t>
+            </a:r>
+          </a:p>
+        </p:txBody>
+      </p:sp>
+      <p:sp>
+        <p:nvSpPr>
+          <p:cNvPr id="3" name="Content Placeholder 2">
+            <a:extLst>
+              <a:ext uri="{FF2B5EF4-FFF2-40B4-BE49-F238E27FC236}">
+                <a16:creationId xmlns:a16="http://schemas.microsoft.com/office/drawing/2014/main" id="{B1E2B426-AF13-4CD0-B4BE-01CF73418778}"/>
+              </a:ext>
+            </a:extLst>
+          </p:cNvPr>
+          <p:cNvSpPr>
+            <a:spLocks noGrp="1"/>
+          </p:cNvSpPr>
+          <p:nvPr>
+            <p:ph idx="1"/>
+          </p:nvPr>
+        </p:nvSpPr>
+        <p:spPr/>
+        <p:txBody>
+          <a:bodyPr/>
+          <a:lstStyle/>
+          <a:p>
+            <a:r>
+              <a:rPr lang="en-IN" dirty="0"/>
+              <a:t>All the semi parsed data should be transformed into a meaningful entity.</a:t>
+            </a:r>
+          </a:p>
+          <a:p>
+            <a:r>
+              <a:rPr lang="en-IN" dirty="0"/>
+              <a:t>Triggers on </a:t>
+            </a:r>
+            <a:r>
+              <a:rPr lang="en-IN" dirty="0" err="1"/>
+              <a:t>DynamoDb</a:t>
+            </a:r>
+            <a:r>
+              <a:rPr lang="en-IN" dirty="0"/>
+              <a:t> would invoke AWS Lambda whenever a new entry is added into </a:t>
+            </a:r>
+            <a:r>
+              <a:rPr lang="en-IN" dirty="0" err="1"/>
+              <a:t>DynamoDb</a:t>
+            </a:r>
+            <a:r>
+              <a:rPr lang="en-IN" dirty="0"/>
+              <a:t>.</a:t>
+            </a:r>
+          </a:p>
+          <a:p>
+            <a:r>
+              <a:rPr lang="en-IN" dirty="0"/>
+              <a:t>AWS Lambda tunes the data into a meaningful patterns  which are further loaded into </a:t>
+            </a:r>
+            <a:r>
+              <a:rPr lang="en-IN" dirty="0" err="1"/>
+              <a:t>elasticsearch</a:t>
+            </a:r>
+            <a:r>
+              <a:rPr lang="en-IN" dirty="0"/>
+              <a:t> cluster.</a:t>
+            </a:r>
+          </a:p>
+          <a:p>
+            <a:r>
+              <a:rPr lang="en-IN" dirty="0"/>
+              <a:t>Lambdas would fetch additional geo data from Google API</a:t>
+            </a:r>
+          </a:p>
+          <a:p>
+            <a:r>
+              <a:rPr lang="en-IN" dirty="0"/>
+              <a:t>Lambdas used Redis for a quick key-value mappings.</a:t>
+            </a:r>
+          </a:p>
+        </p:txBody>
+      </p:sp>
+    </p:spTree>
+    <p:extLst>
+      <p:ext uri="{BB962C8B-B14F-4D97-AF65-F5344CB8AC3E}">
+        <p14:creationId xmlns:p14="http://schemas.microsoft.com/office/powerpoint/2010/main" val="551207707"/>
+      </p:ext>
+    </p:extLst>
+  </p:cSld>
+  <p:clrMapOvr>
+    <a:masterClrMapping/>
+  </p:clrMapOvr>
+</p:sld>
+</file>
+
+<file path=ppt/slides/slide9.xml><?xml version="1.0" encoding="utf-8"?>
+<p:sld xmlns:a="http://schemas.openxmlformats.org/drawingml/2006/main" xmlns:r="http://schemas.openxmlformats.org/officeDocument/2006/relationships" xmlns:p="http://schemas.openxmlformats.org/presentationml/2006/main">
+  <p:cSld>
+    <p:spTree>
+      <p:nvGrpSpPr>
+        <p:cNvPr id="1" name=""/>
+        <p:cNvGrpSpPr/>
+        <p:nvPr/>
+      </p:nvGrpSpPr>
+      <p:grpSpPr>
+        <a:xfrm>
+          <a:off x="0" y="0"/>
+          <a:ext cx="0" cy="0"/>
+          <a:chOff x="0" y="0"/>
+          <a:chExt cx="0" cy="0"/>
+        </a:xfrm>
+      </p:grpSpPr>
+      <p:sp>
+        <p:nvSpPr>
+          <p:cNvPr id="2" name="Title 1">
+            <a:extLst>
+              <a:ext uri="{FF2B5EF4-FFF2-40B4-BE49-F238E27FC236}">
+                <a16:creationId xmlns:a16="http://schemas.microsoft.com/office/drawing/2014/main" id="{1DAB1538-C908-49EA-9826-BE02D3A50CEF}"/>
+              </a:ext>
+            </a:extLst>
+          </p:cNvPr>
+          <p:cNvSpPr>
+            <a:spLocks noGrp="1"/>
+          </p:cNvSpPr>
+          <p:nvPr>
+            <p:ph type="title"/>
+          </p:nvPr>
+        </p:nvSpPr>
+        <p:spPr/>
+        <p:txBody>
+          <a:bodyPr/>
+          <a:lstStyle/>
+          <a:p>
+            <a:pPr algn="ctr"/>
+            <a:r>
+              <a:rPr lang="en-IN" dirty="0"/>
+              <a:t>LOAD</a:t>
+            </a:r>
+          </a:p>
+        </p:txBody>
+      </p:sp>
+      <p:sp>
+        <p:nvSpPr>
+          <p:cNvPr id="3" name="Content Placeholder 2">
+            <a:extLst>
+              <a:ext uri="{FF2B5EF4-FFF2-40B4-BE49-F238E27FC236}">
+                <a16:creationId xmlns:a16="http://schemas.microsoft.com/office/drawing/2014/main" id="{53C25CD0-9231-4200-A029-D0EA02160C9C}"/>
+              </a:ext>
+            </a:extLst>
+          </p:cNvPr>
+          <p:cNvSpPr>
+            <a:spLocks noGrp="1"/>
+          </p:cNvSpPr>
+          <p:nvPr>
+            <p:ph idx="1"/>
+          </p:nvPr>
+        </p:nvSpPr>
+        <p:spPr/>
+        <p:txBody>
+          <a:bodyPr/>
+          <a:lstStyle/>
+          <a:p>
+            <a:r>
+              <a:rPr lang="en-IN" dirty="0"/>
+              <a:t>Elasticsearch indexes all the incoming data from lambdas.</a:t>
+            </a:r>
+          </a:p>
+          <a:p>
+            <a:r>
+              <a:rPr lang="en-IN" dirty="0"/>
+              <a:t>Data on </a:t>
+            </a:r>
+            <a:r>
+              <a:rPr lang="en-IN" dirty="0" err="1"/>
+              <a:t>elasticsearch</a:t>
+            </a:r>
+            <a:r>
+              <a:rPr lang="en-IN" dirty="0"/>
+              <a:t> is split on the nodes which are part of the cluster.</a:t>
+            </a:r>
+          </a:p>
+          <a:p>
+            <a:r>
+              <a:rPr lang="en-IN" dirty="0"/>
+              <a:t>All the three formats of the data are stored in different indices.</a:t>
+            </a:r>
+          </a:p>
+          <a:p>
+            <a:endParaRPr lang="en-IN" dirty="0"/>
+          </a:p>
+        </p:txBody>
+      </p:sp>
+    </p:spTree>
+    <p:extLst>
+      <p:ext uri="{BB962C8B-B14F-4D97-AF65-F5344CB8AC3E}">
+        <p14:creationId xmlns:p14="http://schemas.microsoft.com/office/powerpoint/2010/main" val="2460120753"/>
       </p:ext>
     </p:extLst>
   </p:cSld>

--- a/Data Analysis & Visualisations of IPL.pptx
+++ b/Data Analysis & Visualisations of IPL.pptx
@@ -296,7 +296,7 @@
             <a:fld id="{87DE6118-2437-4B30-8E3C-4D2BE6020583}" type="datetimeFigureOut">
               <a:rPr lang="en-US" dirty="0"/>
               <a:pPr/>
-              <a:t>4/21/2020</a:t>
+              <a:t>4/22/2020</a:t>
             </a:fld>
             <a:endParaRPr lang="en-US" dirty="0"/>
           </a:p>
@@ -622,7 +622,7 @@
           <a:p>
             <a:fld id="{87DE6118-2437-4B30-8E3C-4D2BE6020583}" type="datetimeFigureOut">
               <a:rPr lang="en-US" dirty="0"/>
-              <a:t>4/21/2020</a:t>
+              <a:t>4/22/2020</a:t>
             </a:fld>
             <a:endParaRPr lang="en-US" dirty="0"/>
           </a:p>
@@ -797,7 +797,7 @@
           <a:p>
             <a:fld id="{87DE6118-2437-4B30-8E3C-4D2BE6020583}" type="datetimeFigureOut">
               <a:rPr lang="en-US" dirty="0"/>
-              <a:t>4/21/2020</a:t>
+              <a:t>4/22/2020</a:t>
             </a:fld>
             <a:endParaRPr lang="en-US" dirty="0"/>
           </a:p>
@@ -962,7 +962,7 @@
           <a:p>
             <a:fld id="{87DE6118-2437-4B30-8E3C-4D2BE6020583}" type="datetimeFigureOut">
               <a:rPr lang="en-US" dirty="0"/>
-              <a:t>4/21/2020</a:t>
+              <a:t>4/22/2020</a:t>
             </a:fld>
             <a:endParaRPr lang="en-US" dirty="0"/>
           </a:p>
@@ -1235,7 +1235,7 @@
             <a:fld id="{87DE6118-2437-4B30-8E3C-4D2BE6020583}" type="datetimeFigureOut">
               <a:rPr lang="en-US" dirty="0"/>
               <a:pPr/>
-              <a:t>4/21/2020</a:t>
+              <a:t>4/22/2020</a:t>
             </a:fld>
             <a:endParaRPr lang="en-US" dirty="0"/>
           </a:p>
@@ -1625,7 +1625,7 @@
           <a:p>
             <a:fld id="{87DE6118-2437-4B30-8E3C-4D2BE6020583}" type="datetimeFigureOut">
               <a:rPr lang="en-US" dirty="0"/>
-              <a:t>4/21/2020</a:t>
+              <a:t>4/22/2020</a:t>
             </a:fld>
             <a:endParaRPr lang="en-US" dirty="0"/>
           </a:p>
@@ -2097,7 +2097,7 @@
           <a:p>
             <a:fld id="{87DE6118-2437-4B30-8E3C-4D2BE6020583}" type="datetimeFigureOut">
               <a:rPr lang="en-US" dirty="0"/>
-              <a:t>4/21/2020</a:t>
+              <a:t>4/22/2020</a:t>
             </a:fld>
             <a:endParaRPr lang="en-US" dirty="0"/>
           </a:p>
@@ -2210,7 +2210,7 @@
           <a:p>
             <a:fld id="{87DE6118-2437-4B30-8E3C-4D2BE6020583}" type="datetimeFigureOut">
               <a:rPr lang="en-US" dirty="0"/>
-              <a:t>4/21/2020</a:t>
+              <a:t>4/22/2020</a:t>
             </a:fld>
             <a:endParaRPr lang="en-US" dirty="0"/>
           </a:p>
@@ -2300,7 +2300,7 @@
           <a:p>
             <a:fld id="{87DE6118-2437-4B30-8E3C-4D2BE6020583}" type="datetimeFigureOut">
               <a:rPr lang="en-US" dirty="0"/>
-              <a:t>4/21/2020</a:t>
+              <a:t>4/22/2020</a:t>
             </a:fld>
             <a:endParaRPr lang="en-US" dirty="0"/>
           </a:p>
@@ -2642,7 +2642,7 @@
             <a:fld id="{87DE6118-2437-4B30-8E3C-4D2BE6020583}" type="datetimeFigureOut">
               <a:rPr lang="en-US" dirty="0"/>
               <a:pPr/>
-              <a:t>4/21/2020</a:t>
+              <a:t>4/22/2020</a:t>
             </a:fld>
             <a:endParaRPr lang="en-US" dirty="0"/>
           </a:p>
@@ -3027,7 +3027,7 @@
             <a:fld id="{87DE6118-2437-4B30-8E3C-4D2BE6020583}" type="datetimeFigureOut">
               <a:rPr lang="en-US" dirty="0"/>
               <a:pPr/>
-              <a:t>4/21/2020</a:t>
+              <a:t>4/22/2020</a:t>
             </a:fld>
             <a:endParaRPr lang="en-US" dirty="0"/>
           </a:p>
@@ -3302,7 +3302,7 @@
             <a:fld id="{87DE6118-2437-4B30-8E3C-4D2BE6020583}" type="datetimeFigureOut">
               <a:rPr lang="en-US" dirty="0"/>
               <a:pPr/>
-              <a:t>4/21/2020</a:t>
+              <a:t>4/22/2020</a:t>
             </a:fld>
             <a:endParaRPr lang="en-US" dirty="0"/>
           </a:p>
@@ -4256,41 +4256,6 @@
           </a:p>
         </p:txBody>
       </p:sp>
-      <p:sp>
-        <p:nvSpPr>
-          <p:cNvPr id="2" name="Title 1">
-            <a:extLst>
-              <a:ext uri="{FF2B5EF4-FFF2-40B4-BE49-F238E27FC236}">
-                <a16:creationId xmlns:a16="http://schemas.microsoft.com/office/drawing/2014/main" id="{07340E5D-F01F-4CF4-A596-F77969CFE293}"/>
-              </a:ext>
-            </a:extLst>
-          </p:cNvPr>
-          <p:cNvSpPr>
-            <a:spLocks noGrp="1"/>
-          </p:cNvSpPr>
-          <p:nvPr>
-            <p:ph type="title"/>
-          </p:nvPr>
-        </p:nvSpPr>
-        <p:spPr>
-          <a:xfrm>
-            <a:off x="8471424" y="1110882"/>
-            <a:ext cx="3053039" cy="1060817"/>
-          </a:xfrm>
-        </p:spPr>
-        <p:txBody>
-          <a:bodyPr anchor="b">
-            <a:normAutofit/>
-          </a:bodyPr>
-          <a:lstStyle/>
-          <a:p>
-            <a:r>
-              <a:rPr lang="en-IN" sz="2800" dirty="0"/>
-              <a:t>ELASTICSEARCH</a:t>
-            </a:r>
-          </a:p>
-        </p:txBody>
-      </p:sp>
       <p:pic>
         <p:nvPicPr>
           <p:cNvPr id="5" name="Content Placeholder 4">
@@ -4339,8 +4304,8 @@
         </p:nvSpPr>
         <p:spPr>
           <a:xfrm>
-            <a:off x="8471423" y="2286000"/>
-            <a:ext cx="3053039" cy="3931920"/>
+            <a:off x="8387533" y="2315362"/>
+            <a:ext cx="3608724" cy="2827090"/>
           </a:xfrm>
         </p:spPr>
         <p:txBody>
@@ -4348,6 +4313,41 @@
             <a:normAutofit/>
           </a:bodyPr>
           <a:lstStyle/>
+          <a:p>
+            <a:r>
+              <a:rPr lang="en-US" sz="1600" dirty="0"/>
+              <a:t>Two node cluster</a:t>
+            </a:r>
+          </a:p>
+          <a:p>
+            <a:r>
+              <a:rPr lang="en-US" sz="1600" dirty="0"/>
+              <a:t>Served out via Load Balancer</a:t>
+            </a:r>
+          </a:p>
+          <a:p>
+            <a:r>
+              <a:rPr lang="en-US" sz="1600" dirty="0"/>
+              <a:t>Load Balancer endpoint would be the face of the </a:t>
+            </a:r>
+            <a:r>
+              <a:rPr lang="en-US" sz="1600" dirty="0" err="1"/>
+              <a:t>elasticsearch</a:t>
+            </a:r>
+            <a:endParaRPr lang="en-US" sz="1600" dirty="0"/>
+          </a:p>
+          <a:p>
+            <a:r>
+              <a:rPr lang="en-US" sz="1600" dirty="0"/>
+              <a:t>Separate indices for all three types of data sources</a:t>
+            </a:r>
+          </a:p>
+          <a:p>
+            <a:pPr marL="0" indent="0">
+              <a:buNone/>
+            </a:pPr>
+            <a:endParaRPr lang="en-US" sz="1600" dirty="0"/>
+          </a:p>
           <a:p>
             <a:endParaRPr lang="en-US" sz="1600" dirty="0"/>
           </a:p>
@@ -4526,41 +4526,6 @@
           </a:p>
         </p:txBody>
       </p:sp>
-      <p:sp>
-        <p:nvSpPr>
-          <p:cNvPr id="2" name="Title 1">
-            <a:extLst>
-              <a:ext uri="{FF2B5EF4-FFF2-40B4-BE49-F238E27FC236}">
-                <a16:creationId xmlns:a16="http://schemas.microsoft.com/office/drawing/2014/main" id="{37889B0F-526E-487B-920C-E1E6A2891365}"/>
-              </a:ext>
-            </a:extLst>
-          </p:cNvPr>
-          <p:cNvSpPr>
-            <a:spLocks noGrp="1"/>
-          </p:cNvSpPr>
-          <p:nvPr>
-            <p:ph type="title"/>
-          </p:nvPr>
-        </p:nvSpPr>
-        <p:spPr>
-          <a:xfrm>
-            <a:off x="8471424" y="1110882"/>
-            <a:ext cx="3053039" cy="1060817"/>
-          </a:xfrm>
-        </p:spPr>
-        <p:txBody>
-          <a:bodyPr anchor="b">
-            <a:normAutofit/>
-          </a:bodyPr>
-          <a:lstStyle/>
-          <a:p>
-            <a:r>
-              <a:rPr lang="en-IN" sz="2800"/>
-              <a:t>KIBANA</a:t>
-            </a:r>
-          </a:p>
-        </p:txBody>
-      </p:sp>
       <p:pic>
         <p:nvPicPr>
           <p:cNvPr id="5" name="Content Placeholder 4">
@@ -4609,7 +4574,7 @@
         </p:nvSpPr>
         <p:spPr>
           <a:xfrm>
-            <a:off x="8471423" y="2286000"/>
+            <a:off x="8454645" y="1296099"/>
             <a:ext cx="3053039" cy="3931920"/>
           </a:xfrm>
         </p:spPr>
@@ -4619,7 +4584,28 @@
           </a:bodyPr>
           <a:lstStyle/>
           <a:p>
-            <a:endParaRPr lang="en-US" sz="1600" dirty="0"/>
+            <a:r>
+              <a:rPr lang="en-US" sz="1600" dirty="0"/>
+              <a:t>Face of the project</a:t>
+            </a:r>
+          </a:p>
+          <a:p>
+            <a:r>
+              <a:rPr lang="en-US" sz="1600" dirty="0"/>
+              <a:t>Dashboards are generated separately for each index.</a:t>
+            </a:r>
+          </a:p>
+          <a:p>
+            <a:r>
+              <a:rPr lang="en-US" sz="1600" dirty="0"/>
+              <a:t>Visualizations such as Geo Tagging, Heatmaps, Custom Metrics, Pie Charts, Bar Graphs</a:t>
+            </a:r>
+          </a:p>
+          <a:p>
+            <a:r>
+              <a:rPr lang="en-US" sz="1600" dirty="0"/>
+              <a:t>Filters applied on a visualization is applied across the dashboard</a:t>
+            </a:r>
           </a:p>
         </p:txBody>
       </p:sp>
@@ -4967,41 +4953,6 @@
           </a:p>
         </p:txBody>
       </p:sp>
-      <p:sp>
-        <p:nvSpPr>
-          <p:cNvPr id="2" name="Title 1">
-            <a:extLst>
-              <a:ext uri="{FF2B5EF4-FFF2-40B4-BE49-F238E27FC236}">
-                <a16:creationId xmlns:a16="http://schemas.microsoft.com/office/drawing/2014/main" id="{8085EB40-1FBE-4AF4-B067-AB786CC5AAF6}"/>
-              </a:ext>
-            </a:extLst>
-          </p:cNvPr>
-          <p:cNvSpPr>
-            <a:spLocks noGrp="1"/>
-          </p:cNvSpPr>
-          <p:nvPr>
-            <p:ph type="title"/>
-          </p:nvPr>
-        </p:nvSpPr>
-        <p:spPr>
-          <a:xfrm>
-            <a:off x="8471424" y="1110882"/>
-            <a:ext cx="3053039" cy="1060817"/>
-          </a:xfrm>
-        </p:spPr>
-        <p:txBody>
-          <a:bodyPr anchor="b">
-            <a:normAutofit/>
-          </a:bodyPr>
-          <a:lstStyle/>
-          <a:p>
-            <a:r>
-              <a:rPr lang="en-IN" sz="2800"/>
-              <a:t>NGINX</a:t>
-            </a:r>
-          </a:p>
-        </p:txBody>
-      </p:sp>
       <p:pic>
         <p:nvPicPr>
           <p:cNvPr id="5" name="Content Placeholder 4">
@@ -5060,7 +5011,30 @@
           </a:bodyPr>
           <a:lstStyle/>
           <a:p>
-            <a:endParaRPr lang="en-US" sz="1600"/>
+            <a:r>
+              <a:rPr lang="en-US" sz="1600" dirty="0"/>
+              <a:t>Port Forwarding</a:t>
+            </a:r>
+          </a:p>
+          <a:p>
+            <a:r>
+              <a:rPr lang="en-US" sz="1600" dirty="0"/>
+              <a:t>Forwards request received on 80 </a:t>
+            </a:r>
+            <a:r>
+              <a:rPr lang="en-US" sz="1600"/>
+              <a:t>to the Kibana’s </a:t>
+            </a:r>
+            <a:r>
+              <a:rPr lang="en-US" sz="1600" dirty="0"/>
+              <a:t>listening port</a:t>
+            </a:r>
+          </a:p>
+          <a:p>
+            <a:r>
+              <a:rPr lang="en-US" sz="1600" dirty="0"/>
+              <a:t>Making Kibana as face of the application</a:t>
+            </a:r>
           </a:p>
         </p:txBody>
       </p:sp>
@@ -6383,31 +6357,6 @@
       </p:sp>
       <p:sp>
         <p:nvSpPr>
-          <p:cNvPr id="65" name="Title 64">
-            <a:extLst>
-              <a:ext uri="{FF2B5EF4-FFF2-40B4-BE49-F238E27FC236}">
-                <a16:creationId xmlns:a16="http://schemas.microsoft.com/office/drawing/2014/main" id="{317052C1-EF15-49C3-8F75-D203D8721095}"/>
-              </a:ext>
-            </a:extLst>
-          </p:cNvPr>
-          <p:cNvSpPr>
-            <a:spLocks noGrp="1"/>
-          </p:cNvSpPr>
-          <p:nvPr>
-            <p:ph type="title"/>
-          </p:nvPr>
-        </p:nvSpPr>
-        <p:spPr/>
-        <p:txBody>
-          <a:bodyPr/>
-          <a:lstStyle/>
-          <a:p>
-            <a:endParaRPr lang="en-IN"/>
-          </a:p>
-        </p:txBody>
-      </p:sp>
-      <p:sp>
-        <p:nvSpPr>
           <p:cNvPr id="66" name="Title 1">
             <a:extLst>
               <a:ext uri="{FF2B5EF4-FFF2-40B4-BE49-F238E27FC236}">
@@ -6422,7 +6371,7 @@
         </p:nvSpPr>
         <p:spPr>
           <a:xfrm>
-            <a:off x="1524000" y="838200"/>
+            <a:off x="1038823" y="239988"/>
             <a:ext cx="9601200" cy="1485900"/>
           </a:xfrm>
           <a:prstGeom prst="rect">
@@ -6455,10 +6404,9 @@
           <a:p>
             <a:pPr algn="ctr"/>
             <a:r>
-              <a:rPr lang="en-IN"/>
-              <a:t>MOTIVATION</a:t>
-            </a:r>
-            <a:endParaRPr lang="en-IN" dirty="0"/>
+              <a:rPr lang="en-IN" dirty="0"/>
+              <a:t>ARCHITECTURE</a:t>
+            </a:r>
           </a:p>
         </p:txBody>
       </p:sp>
@@ -7078,7 +7026,7 @@
             </a:pPr>
             <a:r>
               <a:rPr lang="en-IN" i="0" dirty="0"/>
-              <a:t>Scrapping popular cricket websites</a:t>
+              <a:t>Scrapping popular cricketing websites</a:t>
             </a:r>
           </a:p>
           <a:p>
@@ -7232,7 +7180,7 @@
           <a:p>
             <a:r>
               <a:rPr lang="en-IN" dirty="0"/>
-              <a:t>S3event invokes AWS Lambda which does the data parsing before it is rested in DynamoDB.</a:t>
+              <a:t>S3 event invokes AWS Lambda which does the data parsing before it is rested in DynamoDB.</a:t>
             </a:r>
           </a:p>
           <a:p>
@@ -7331,7 +7279,7 @@
           <a:p>
             <a:r>
               <a:rPr lang="en-IN" dirty="0"/>
-              <a:t>All the semi parsed data should be transformed into a meaningful entity.</a:t>
+              <a:t>All the semi parsed data is transformed into a meaningful entity  - JSON.</a:t>
             </a:r>
           </a:p>
           <a:p>
@@ -7359,7 +7307,7 @@
           <a:p>
             <a:r>
               <a:rPr lang="en-IN" dirty="0"/>
-              <a:t>AWS Lambda tunes the data into a meaningful patterns  which are further loaded into </a:t>
+              <a:t>AWS Lambda transforms the data into a meaningful patterns, which are further loaded into </a:t>
             </a:r>
             <a:r>
               <a:rPr lang="en-IN" dirty="0" err="1"/>
@@ -7373,13 +7321,13 @@
           <a:p>
             <a:r>
               <a:rPr lang="en-IN" dirty="0"/>
-              <a:t>Lambdas would fetch additional geo data from Google API</a:t>
+              <a:t>AWS Lambda would fetch additional geo data through Google API</a:t>
             </a:r>
           </a:p>
           <a:p>
             <a:r>
               <a:rPr lang="en-IN" dirty="0"/>
-              <a:t>Lambdas used Redis for a quick key-value mappings.</a:t>
+              <a:t>AWS Lambda uses Redis for a quick key-value mapping lookup.</a:t>
             </a:r>
           </a:p>
         </p:txBody>
@@ -7480,13 +7428,43 @@
             </a:r>
             <a:r>
               <a:rPr lang="en-IN" dirty="0"/>
-              <a:t> is split on the nodes which are part of the cluster.</a:t>
+              <a:t> is split on the nodes in the cluster.</a:t>
             </a:r>
           </a:p>
           <a:p>
             <a:r>
               <a:rPr lang="en-IN" dirty="0"/>
               <a:t>All the three formats of the data are stored in different indices.</a:t>
+            </a:r>
+          </a:p>
+          <a:p>
+            <a:pPr marL="1044702" lvl="1" indent="-514350">
+              <a:buFont typeface="+mj-lt"/>
+              <a:buAutoNum type="romanLcPeriod"/>
+            </a:pPr>
+            <a:r>
+              <a:rPr lang="en-IN" i="0" dirty="0"/>
+              <a:t>matches</a:t>
+            </a:r>
+          </a:p>
+          <a:p>
+            <a:pPr marL="1044702" lvl="1" indent="-514350">
+              <a:buFont typeface="+mj-lt"/>
+              <a:buAutoNum type="romanLcPeriod"/>
+            </a:pPr>
+            <a:r>
+              <a:rPr lang="en-IN" i="0" dirty="0"/>
+              <a:t>players</a:t>
+            </a:r>
+          </a:p>
+          <a:p>
+            <a:pPr marL="1044702" lvl="1" indent="-514350">
+              <a:buFont typeface="+mj-lt"/>
+              <a:buAutoNum type="romanLcPeriod"/>
+            </a:pPr>
+            <a:r>
+              <a:rPr lang="en-IN" i="0" dirty="0"/>
+              <a:t>deliveries</a:t>
             </a:r>
           </a:p>
           <a:p>

--- a/Data Analysis & Visualisations of IPL.pptx
+++ b/Data Analysis & Visualisations of IPL.pptx
@@ -17,9 +17,10 @@
     <p:sldId id="265" r:id="rId11"/>
     <p:sldId id="266" r:id="rId12"/>
     <p:sldId id="267" r:id="rId13"/>
-    <p:sldId id="268" r:id="rId14"/>
-    <p:sldId id="269" r:id="rId15"/>
-    <p:sldId id="270" r:id="rId16"/>
+    <p:sldId id="271" r:id="rId14"/>
+    <p:sldId id="268" r:id="rId15"/>
+    <p:sldId id="269" r:id="rId16"/>
+    <p:sldId id="270" r:id="rId17"/>
   </p:sldIdLst>
   <p:sldSz cx="12192000" cy="6858000"/>
   <p:notesSz cx="6858000" cy="9144000"/>
@@ -4730,44 +4731,251 @@
             <p:ph type="title"/>
           </p:nvPr>
         </p:nvSpPr>
-        <p:spPr/>
+        <p:spPr>
+          <a:xfrm>
+            <a:off x="1135406" y="213846"/>
+            <a:ext cx="9601200" cy="1485900"/>
+          </a:xfrm>
+        </p:spPr>
         <p:txBody>
           <a:bodyPr/>
           <a:lstStyle/>
           <a:p>
             <a:pPr algn="ctr"/>
             <a:r>
-              <a:rPr lang="en-IN" dirty="0"/>
-              <a:t>DASHBOARDS</a:t>
-            </a:r>
-          </a:p>
-        </p:txBody>
-      </p:sp>
-      <p:sp>
-        <p:nvSpPr>
-          <p:cNvPr id="3" name="Content Placeholder 2">
+              <a:rPr lang="en-IN" sz="3600" dirty="0"/>
+              <a:t>DELIVERIES DASHBOARD</a:t>
+            </a:r>
+            <a:endParaRPr lang="en-IN" dirty="0"/>
+          </a:p>
+        </p:txBody>
+      </p:sp>
+      <p:pic>
+        <p:nvPicPr>
+          <p:cNvPr id="5" name="Picture 4">
             <a:extLst>
               <a:ext uri="{FF2B5EF4-FFF2-40B4-BE49-F238E27FC236}">
-                <a16:creationId xmlns:a16="http://schemas.microsoft.com/office/drawing/2014/main" id="{4EB840B6-9A37-4872-9838-88C3B1E7623F}"/>
+                <a16:creationId xmlns:a16="http://schemas.microsoft.com/office/drawing/2014/main" id="{89012F09-A5E0-412D-AA9C-B5EE6CFE420E}"/>
               </a:ext>
             </a:extLst>
           </p:cNvPr>
-          <p:cNvSpPr>
-            <a:spLocks noGrp="1"/>
-          </p:cNvSpPr>
+          <p:cNvPicPr>
+            <a:picLocks noChangeAspect="1"/>
+          </p:cNvPicPr>
+          <p:nvPr/>
+        </p:nvPicPr>
+        <p:blipFill>
+          <a:blip r:embed="rId2"/>
+          <a:stretch>
+            <a:fillRect/>
+          </a:stretch>
+        </p:blipFill>
+        <p:spPr>
+          <a:xfrm>
+            <a:off x="6123164" y="4341682"/>
+            <a:ext cx="4593167" cy="2066925"/>
+          </a:xfrm>
+          <a:prstGeom prst="rect">
+            <a:avLst/>
+          </a:prstGeom>
+        </p:spPr>
+      </p:pic>
+      <p:pic>
+        <p:nvPicPr>
+          <p:cNvPr id="9" name="Picture 8">
+            <a:extLst>
+              <a:ext uri="{FF2B5EF4-FFF2-40B4-BE49-F238E27FC236}">
+                <a16:creationId xmlns:a16="http://schemas.microsoft.com/office/drawing/2014/main" id="{C8347C3C-2C60-487A-BE15-EB683A4D7E23}"/>
+              </a:ext>
+            </a:extLst>
+          </p:cNvPr>
+          <p:cNvPicPr>
+            <a:picLocks noChangeAspect="1"/>
+          </p:cNvPicPr>
+          <p:nvPr/>
+        </p:nvPicPr>
+        <p:blipFill>
+          <a:blip r:embed="rId3"/>
+          <a:stretch>
+            <a:fillRect/>
+          </a:stretch>
+        </p:blipFill>
+        <p:spPr>
+          <a:xfrm>
+            <a:off x="10153650" y="990600"/>
+            <a:ext cx="1966918" cy="5772150"/>
+          </a:xfrm>
+          <a:prstGeom prst="rect">
+            <a:avLst/>
+          </a:prstGeom>
+        </p:spPr>
+      </p:pic>
+      <p:pic>
+        <p:nvPicPr>
+          <p:cNvPr id="10" name="Picture 9">
+            <a:extLst>
+              <a:ext uri="{FF2B5EF4-FFF2-40B4-BE49-F238E27FC236}">
+                <a16:creationId xmlns:a16="http://schemas.microsoft.com/office/drawing/2014/main" id="{10C9D1EE-2413-4EB5-89C1-9960145CE7A1}"/>
+              </a:ext>
+            </a:extLst>
+          </p:cNvPr>
+          <p:cNvPicPr>
+            <a:picLocks noChangeAspect="1"/>
+          </p:cNvPicPr>
+          <p:nvPr/>
+        </p:nvPicPr>
+        <p:blipFill>
+          <a:blip r:embed="rId4"/>
+          <a:stretch>
+            <a:fillRect/>
+          </a:stretch>
+        </p:blipFill>
+        <p:spPr>
+          <a:xfrm>
+            <a:off x="853624" y="3955181"/>
+            <a:ext cx="5404564" cy="2453426"/>
+          </a:xfrm>
+          <a:prstGeom prst="rect">
+            <a:avLst/>
+          </a:prstGeom>
+        </p:spPr>
+      </p:pic>
+      <p:pic>
+        <p:nvPicPr>
+          <p:cNvPr id="6" name="Picture 5">
+            <a:extLst>
+              <a:ext uri="{FF2B5EF4-FFF2-40B4-BE49-F238E27FC236}">
+                <a16:creationId xmlns:a16="http://schemas.microsoft.com/office/drawing/2014/main" id="{AA7C7DF0-A919-46BE-AB2E-55112BE5DA02}"/>
+              </a:ext>
+            </a:extLst>
+          </p:cNvPr>
+          <p:cNvPicPr>
+            <a:picLocks noChangeAspect="1"/>
+          </p:cNvPicPr>
+          <p:nvPr/>
+        </p:nvPicPr>
+        <p:blipFill>
+          <a:blip r:embed="rId5"/>
+          <a:stretch>
+            <a:fillRect/>
+          </a:stretch>
+        </p:blipFill>
+        <p:spPr>
+          <a:xfrm rot="646405">
+            <a:off x="831857" y="1490467"/>
+            <a:ext cx="6262078" cy="2838450"/>
+          </a:xfrm>
+          <a:prstGeom prst="rect">
+            <a:avLst/>
+          </a:prstGeom>
+        </p:spPr>
+      </p:pic>
+      <p:sp>
+        <p:nvSpPr>
+          <p:cNvPr id="11" name="Rectangle 10">
+            <a:extLst>
+              <a:ext uri="{FF2B5EF4-FFF2-40B4-BE49-F238E27FC236}">
+                <a16:creationId xmlns:a16="http://schemas.microsoft.com/office/drawing/2014/main" id="{D14807E2-B75B-4692-9B73-924DA61FB499}"/>
+              </a:ext>
+            </a:extLst>
+          </p:cNvPr>
+          <p:cNvSpPr/>
+          <p:nvPr/>
+        </p:nvSpPr>
+        <p:spPr>
+          <a:xfrm>
+            <a:off x="2309768" y="6476638"/>
+            <a:ext cx="6985233" cy="369332"/>
+          </a:xfrm>
+          <a:prstGeom prst="rect">
+            <a:avLst/>
+          </a:prstGeom>
+        </p:spPr>
+        <p:txBody>
+          <a:bodyPr wrap="square">
+            <a:spAutoFit/>
+          </a:bodyPr>
+          <a:lstStyle/>
+          <a:p>
+            <a:pPr algn="ctr"/>
+            <a:r>
+              <a:rPr lang="en-IN" b="1" dirty="0">
+                <a:hlinkClick r:id="rId6">
+                  <a:extLst>
+                    <a:ext uri="{A12FA001-AC4F-418D-AE19-62706E023703}">
+                      <ahyp:hlinkClr xmlns:ahyp="http://schemas.microsoft.com/office/drawing/2018/hyperlinkcolor" val="tx"/>
+                    </a:ext>
+                  </a:extLst>
+                </a:hlinkClick>
+              </a:rPr>
+              <a:t>http://bdaipl.tech/</a:t>
+            </a:r>
+            <a:endParaRPr lang="en-IN" b="1" dirty="0"/>
+          </a:p>
+        </p:txBody>
+      </p:sp>
+      <p:pic>
+        <p:nvPicPr>
+          <p:cNvPr id="7" name="Picture 6">
+            <a:extLst>
+              <a:ext uri="{FF2B5EF4-FFF2-40B4-BE49-F238E27FC236}">
+                <a16:creationId xmlns:a16="http://schemas.microsoft.com/office/drawing/2014/main" id="{2B4BB828-A8FF-439C-9029-28AF78A91C3B}"/>
+              </a:ext>
+            </a:extLst>
+          </p:cNvPr>
+          <p:cNvPicPr>
+            <a:picLocks noChangeAspect="1"/>
+          </p:cNvPicPr>
+          <p:nvPr/>
+        </p:nvPicPr>
+        <p:blipFill>
+          <a:blip r:embed="rId7"/>
+          <a:stretch>
+            <a:fillRect/>
+          </a:stretch>
+        </p:blipFill>
+        <p:spPr>
+          <a:xfrm rot="20192451">
+            <a:off x="6551164" y="1411615"/>
+            <a:ext cx="4013298" cy="1766888"/>
+          </a:xfrm>
+          <a:prstGeom prst="rect">
+            <a:avLst/>
+          </a:prstGeom>
+        </p:spPr>
+      </p:pic>
+      <p:pic>
+        <p:nvPicPr>
+          <p:cNvPr id="4" name="Content Placeholder 3">
+            <a:extLst>
+              <a:ext uri="{FF2B5EF4-FFF2-40B4-BE49-F238E27FC236}">
+                <a16:creationId xmlns:a16="http://schemas.microsoft.com/office/drawing/2014/main" id="{56110CD0-DED2-4CBC-8A82-9C35E5594310}"/>
+              </a:ext>
+            </a:extLst>
+          </p:cNvPr>
+          <p:cNvPicPr>
+            <a:picLocks noGrp="1" noChangeAspect="1"/>
+          </p:cNvPicPr>
           <p:nvPr>
             <p:ph idx="1"/>
           </p:nvPr>
-        </p:nvSpPr>
-        <p:spPr/>
-        <p:txBody>
-          <a:bodyPr/>
-          <a:lstStyle/>
-          <a:p>
-            <a:endParaRPr lang="en-IN"/>
-          </a:p>
-        </p:txBody>
-      </p:sp>
+        </p:nvPicPr>
+        <p:blipFill>
+          <a:blip r:embed="rId8"/>
+          <a:stretch>
+            <a:fillRect/>
+          </a:stretch>
+        </p:blipFill>
+        <p:spPr>
+          <a:xfrm>
+            <a:off x="7517218" y="3274810"/>
+            <a:ext cx="2600821" cy="1143000"/>
+          </a:xfrm>
+          <a:prstGeom prst="rect">
+            <a:avLst/>
+          </a:prstGeom>
+        </p:spPr>
+      </p:pic>
     </p:spTree>
     <p:extLst>
       <p:ext uri="{BB962C8B-B14F-4D97-AF65-F5344CB8AC3E}">
@@ -4798,6 +5006,247 @@
           <a:chExt cx="0" cy="0"/>
         </a:xfrm>
       </p:grpSpPr>
+      <p:pic>
+        <p:nvPicPr>
+          <p:cNvPr id="10" name="Picture 9">
+            <a:extLst>
+              <a:ext uri="{FF2B5EF4-FFF2-40B4-BE49-F238E27FC236}">
+                <a16:creationId xmlns:a16="http://schemas.microsoft.com/office/drawing/2014/main" id="{3481ACD3-3CE8-4C73-9463-5163A50F888E}"/>
+              </a:ext>
+            </a:extLst>
+          </p:cNvPr>
+          <p:cNvPicPr>
+            <a:picLocks noChangeAspect="1"/>
+          </p:cNvPicPr>
+          <p:nvPr/>
+        </p:nvPicPr>
+        <p:blipFill>
+          <a:blip r:embed="rId2"/>
+          <a:stretch>
+            <a:fillRect/>
+          </a:stretch>
+        </p:blipFill>
+        <p:spPr>
+          <a:xfrm>
+            <a:off x="7984172" y="5405301"/>
+            <a:ext cx="3790950" cy="1843224"/>
+          </a:xfrm>
+          <a:prstGeom prst="rect">
+            <a:avLst/>
+          </a:prstGeom>
+        </p:spPr>
+      </p:pic>
+      <p:pic>
+        <p:nvPicPr>
+          <p:cNvPr id="6" name="Picture 5">
+            <a:extLst>
+              <a:ext uri="{FF2B5EF4-FFF2-40B4-BE49-F238E27FC236}">
+                <a16:creationId xmlns:a16="http://schemas.microsoft.com/office/drawing/2014/main" id="{307B555B-AAFB-470F-9474-E1A5A245F84F}"/>
+              </a:ext>
+            </a:extLst>
+          </p:cNvPr>
+          <p:cNvPicPr>
+            <a:picLocks noChangeAspect="1"/>
+          </p:cNvPicPr>
+          <p:nvPr/>
+        </p:nvPicPr>
+        <p:blipFill>
+          <a:blip r:embed="rId3"/>
+          <a:stretch>
+            <a:fillRect/>
+          </a:stretch>
+        </p:blipFill>
+        <p:spPr>
+          <a:xfrm>
+            <a:off x="1585912" y="1352550"/>
+            <a:ext cx="9020175" cy="4152900"/>
+          </a:xfrm>
+          <a:prstGeom prst="rect">
+            <a:avLst/>
+          </a:prstGeom>
+        </p:spPr>
+      </p:pic>
+      <p:sp>
+        <p:nvSpPr>
+          <p:cNvPr id="2" name="Title 1">
+            <a:extLst>
+              <a:ext uri="{FF2B5EF4-FFF2-40B4-BE49-F238E27FC236}">
+                <a16:creationId xmlns:a16="http://schemas.microsoft.com/office/drawing/2014/main" id="{221457BB-8345-43F7-9B39-CE3508B4A3F9}"/>
+              </a:ext>
+            </a:extLst>
+          </p:cNvPr>
+          <p:cNvSpPr>
+            <a:spLocks noGrp="1"/>
+          </p:cNvSpPr>
+          <p:nvPr>
+            <p:ph type="title"/>
+          </p:nvPr>
+        </p:nvSpPr>
+        <p:spPr/>
+        <p:txBody>
+          <a:bodyPr/>
+          <a:lstStyle/>
+          <a:p>
+            <a:pPr algn="ctr"/>
+            <a:r>
+              <a:rPr lang="en-IN" dirty="0"/>
+              <a:t>PLAYERS DASHBOARD</a:t>
+            </a:r>
+          </a:p>
+        </p:txBody>
+      </p:sp>
+      <p:pic>
+        <p:nvPicPr>
+          <p:cNvPr id="4" name="Content Placeholder 3">
+            <a:extLst>
+              <a:ext uri="{FF2B5EF4-FFF2-40B4-BE49-F238E27FC236}">
+                <a16:creationId xmlns:a16="http://schemas.microsoft.com/office/drawing/2014/main" id="{31DF56C3-C3BF-41EA-A8B8-B45E1A6B8B9C}"/>
+              </a:ext>
+            </a:extLst>
+          </p:cNvPr>
+          <p:cNvPicPr>
+            <a:picLocks noGrp="1" noChangeAspect="1"/>
+          </p:cNvPicPr>
+          <p:nvPr>
+            <p:ph idx="1"/>
+          </p:nvPr>
+        </p:nvPicPr>
+        <p:blipFill>
+          <a:blip r:embed="rId4"/>
+          <a:stretch>
+            <a:fillRect/>
+          </a:stretch>
+        </p:blipFill>
+        <p:spPr>
+          <a:xfrm rot="20746287">
+            <a:off x="9983522" y="1104901"/>
+            <a:ext cx="1673756" cy="3581400"/>
+          </a:xfrm>
+          <a:prstGeom prst="rect">
+            <a:avLst/>
+          </a:prstGeom>
+        </p:spPr>
+      </p:pic>
+      <p:pic>
+        <p:nvPicPr>
+          <p:cNvPr id="5" name="Picture 4">
+            <a:extLst>
+              <a:ext uri="{FF2B5EF4-FFF2-40B4-BE49-F238E27FC236}">
+                <a16:creationId xmlns:a16="http://schemas.microsoft.com/office/drawing/2014/main" id="{19D568F7-894A-4F6E-90B2-3C72C3717A7C}"/>
+              </a:ext>
+            </a:extLst>
+          </p:cNvPr>
+          <p:cNvPicPr>
+            <a:picLocks noChangeAspect="1"/>
+          </p:cNvPicPr>
+          <p:nvPr/>
+        </p:nvPicPr>
+        <p:blipFill>
+          <a:blip r:embed="rId5"/>
+          <a:stretch>
+            <a:fillRect/>
+          </a:stretch>
+        </p:blipFill>
+        <p:spPr>
+          <a:xfrm rot="854165">
+            <a:off x="1371600" y="1119188"/>
+            <a:ext cx="1844179" cy="3882928"/>
+          </a:xfrm>
+          <a:prstGeom prst="rect">
+            <a:avLst/>
+          </a:prstGeom>
+        </p:spPr>
+      </p:pic>
+      <p:pic>
+        <p:nvPicPr>
+          <p:cNvPr id="7" name="Picture 6">
+            <a:extLst>
+              <a:ext uri="{FF2B5EF4-FFF2-40B4-BE49-F238E27FC236}">
+                <a16:creationId xmlns:a16="http://schemas.microsoft.com/office/drawing/2014/main" id="{129678AE-B654-4B7A-B4DE-487D966B098D}"/>
+              </a:ext>
+            </a:extLst>
+          </p:cNvPr>
+          <p:cNvPicPr>
+            <a:picLocks noChangeAspect="1"/>
+          </p:cNvPicPr>
+          <p:nvPr/>
+        </p:nvPicPr>
+        <p:blipFill>
+          <a:blip r:embed="rId6"/>
+          <a:stretch>
+            <a:fillRect/>
+          </a:stretch>
+        </p:blipFill>
+        <p:spPr>
+          <a:xfrm>
+            <a:off x="893128" y="4773966"/>
+            <a:ext cx="4783772" cy="2124075"/>
+          </a:xfrm>
+          <a:prstGeom prst="rect">
+            <a:avLst/>
+          </a:prstGeom>
+        </p:spPr>
+      </p:pic>
+      <p:pic>
+        <p:nvPicPr>
+          <p:cNvPr id="9" name="Picture 8">
+            <a:extLst>
+              <a:ext uri="{FF2B5EF4-FFF2-40B4-BE49-F238E27FC236}">
+                <a16:creationId xmlns:a16="http://schemas.microsoft.com/office/drawing/2014/main" id="{ED9F035E-4692-4A04-A7E1-2393FB3CBD84}"/>
+              </a:ext>
+            </a:extLst>
+          </p:cNvPr>
+          <p:cNvPicPr>
+            <a:picLocks noChangeAspect="1"/>
+          </p:cNvPicPr>
+          <p:nvPr/>
+        </p:nvPicPr>
+        <p:blipFill>
+          <a:blip r:embed="rId7"/>
+          <a:stretch>
+            <a:fillRect/>
+          </a:stretch>
+        </p:blipFill>
+        <p:spPr>
+          <a:xfrm>
+            <a:off x="5972175" y="3843201"/>
+            <a:ext cx="1811602" cy="2016987"/>
+          </a:xfrm>
+          <a:prstGeom prst="rect">
+            <a:avLst/>
+          </a:prstGeom>
+        </p:spPr>
+      </p:pic>
+    </p:spTree>
+    <p:extLst>
+      <p:ext uri="{BB962C8B-B14F-4D97-AF65-F5344CB8AC3E}">
+        <p14:creationId xmlns:p14="http://schemas.microsoft.com/office/powerpoint/2010/main" val="729848218"/>
+      </p:ext>
+    </p:extLst>
+  </p:cSld>
+  <p:clrMapOvr>
+    <a:masterClrMapping/>
+  </p:clrMapOvr>
+</p:sld>
+</file>
+
+<file path=ppt/slides/slide14.xml><?xml version="1.0" encoding="utf-8"?>
+<p:sld xmlns:a="http://schemas.openxmlformats.org/drawingml/2006/main" xmlns:r="http://schemas.openxmlformats.org/officeDocument/2006/relationships" xmlns:p="http://schemas.openxmlformats.org/presentationml/2006/main">
+  <p:cSld>
+    <p:spTree>
+      <p:nvGrpSpPr>
+        <p:cNvPr id="1" name=""/>
+        <p:cNvGrpSpPr/>
+        <p:nvPr/>
+      </p:nvGrpSpPr>
+      <p:grpSpPr>
+        <a:xfrm>
+          <a:off x="0" y="0"/>
+          <a:ext cx="0" cy="0"/>
+          <a:chOff x="0" y="0"/>
+          <a:chExt cx="0" cy="0"/>
+        </a:xfrm>
+      </p:grpSpPr>
       <p:sp>
         <p:nvSpPr>
           <p:cNvPr id="2" name="Title 1">
@@ -4868,7 +5317,7 @@
 </p:sld>
 </file>
 
-<file path=ppt/slides/slide14.xml><?xml version="1.0" encoding="utf-8"?>
+<file path=ppt/slides/slide15.xml><?xml version="1.0" encoding="utf-8"?>
 <p:sld xmlns:a="http://schemas.openxmlformats.org/drawingml/2006/main" xmlns:r="http://schemas.openxmlformats.org/officeDocument/2006/relationships" xmlns:p="http://schemas.openxmlformats.org/presentationml/2006/main">
   <p:cSld>
     <p:bg>
@@ -5019,15 +5468,7 @@
           <a:p>
             <a:r>
               <a:rPr lang="en-US" sz="1600" dirty="0"/>
-              <a:t>Forwards request received on 80 </a:t>
-            </a:r>
-            <a:r>
-              <a:rPr lang="en-US" sz="1600"/>
-              <a:t>to the Kibana’s </a:t>
-            </a:r>
-            <a:r>
-              <a:rPr lang="en-US" sz="1600" dirty="0"/>
-              <a:t>listening port</a:t>
+              <a:t>Forwards request received on 80 to the Kibana’s listening port</a:t>
             </a:r>
           </a:p>
           <a:p>
@@ -5126,7 +5567,7 @@
 </p:sld>
 </file>
 
-<file path=ppt/slides/slide15.xml><?xml version="1.0" encoding="utf-8"?>
+<file path=ppt/slides/slide16.xml><?xml version="1.0" encoding="utf-8"?>
 <p:sld xmlns:a="http://schemas.openxmlformats.org/drawingml/2006/main" xmlns:r="http://schemas.openxmlformats.org/officeDocument/2006/relationships" xmlns:p="http://schemas.openxmlformats.org/presentationml/2006/main">
   <p:cSld>
     <p:bg>

--- a/Data Analysis & Visualisations of IPL.pptx
+++ b/Data Analysis & Visualisations of IPL.pptx
@@ -5008,10 +5008,10 @@
       </p:grpSpPr>
       <p:pic>
         <p:nvPicPr>
-          <p:cNvPr id="10" name="Picture 9">
-            <a:extLst>
-              <a:ext uri="{FF2B5EF4-FFF2-40B4-BE49-F238E27FC236}">
-                <a16:creationId xmlns:a16="http://schemas.microsoft.com/office/drawing/2014/main" id="{3481ACD3-3CE8-4C73-9463-5163A50F888E}"/>
+          <p:cNvPr id="6" name="Picture 5">
+            <a:extLst>
+              <a:ext uri="{FF2B5EF4-FFF2-40B4-BE49-F238E27FC236}">
+                <a16:creationId xmlns:a16="http://schemas.microsoft.com/office/drawing/2014/main" id="{307B555B-AAFB-470F-9474-E1A5A245F84F}"/>
               </a:ext>
             </a:extLst>
           </p:cNvPr>
@@ -5028,27 +5028,58 @@
         </p:blipFill>
         <p:spPr>
           <a:xfrm>
-            <a:off x="7984172" y="5405301"/>
-            <a:ext cx="3790950" cy="1843224"/>
+            <a:off x="1585912" y="1352550"/>
+            <a:ext cx="9020175" cy="4152900"/>
           </a:xfrm>
           <a:prstGeom prst="rect">
             <a:avLst/>
           </a:prstGeom>
         </p:spPr>
       </p:pic>
+      <p:sp>
+        <p:nvSpPr>
+          <p:cNvPr id="2" name="Title 1">
+            <a:extLst>
+              <a:ext uri="{FF2B5EF4-FFF2-40B4-BE49-F238E27FC236}">
+                <a16:creationId xmlns:a16="http://schemas.microsoft.com/office/drawing/2014/main" id="{221457BB-8345-43F7-9B39-CE3508B4A3F9}"/>
+              </a:ext>
+            </a:extLst>
+          </p:cNvPr>
+          <p:cNvSpPr>
+            <a:spLocks noGrp="1"/>
+          </p:cNvSpPr>
+          <p:nvPr>
+            <p:ph type="title"/>
+          </p:nvPr>
+        </p:nvSpPr>
+        <p:spPr/>
+        <p:txBody>
+          <a:bodyPr/>
+          <a:lstStyle/>
+          <a:p>
+            <a:pPr algn="ctr"/>
+            <a:r>
+              <a:rPr lang="en-IN" dirty="0"/>
+              <a:t>PLAYERS DASHBOARD</a:t>
+            </a:r>
+          </a:p>
+        </p:txBody>
+      </p:sp>
       <p:pic>
         <p:nvPicPr>
-          <p:cNvPr id="6" name="Picture 5">
-            <a:extLst>
-              <a:ext uri="{FF2B5EF4-FFF2-40B4-BE49-F238E27FC236}">
-                <a16:creationId xmlns:a16="http://schemas.microsoft.com/office/drawing/2014/main" id="{307B555B-AAFB-470F-9474-E1A5A245F84F}"/>
+          <p:cNvPr id="4" name="Content Placeholder 3">
+            <a:extLst>
+              <a:ext uri="{FF2B5EF4-FFF2-40B4-BE49-F238E27FC236}">
+                <a16:creationId xmlns:a16="http://schemas.microsoft.com/office/drawing/2014/main" id="{31DF56C3-C3BF-41EA-A8B8-B45E1A6B8B9C}"/>
               </a:ext>
             </a:extLst>
           </p:cNvPr>
           <p:cNvPicPr>
-            <a:picLocks noChangeAspect="1"/>
+            <a:picLocks noGrp="1" noChangeAspect="1"/>
           </p:cNvPicPr>
-          <p:nvPr/>
+          <p:nvPr>
+            <p:ph idx="1"/>
+          </p:nvPr>
         </p:nvPicPr>
         <p:blipFill>
           <a:blip r:embed="rId3"/>
@@ -5057,59 +5088,28 @@
           </a:stretch>
         </p:blipFill>
         <p:spPr>
-          <a:xfrm>
-            <a:off x="1585912" y="1352550"/>
-            <a:ext cx="9020175" cy="4152900"/>
+          <a:xfrm rot="20746287">
+            <a:off x="9983522" y="1104901"/>
+            <a:ext cx="1673756" cy="3581400"/>
           </a:xfrm>
           <a:prstGeom prst="rect">
             <a:avLst/>
           </a:prstGeom>
         </p:spPr>
       </p:pic>
-      <p:sp>
-        <p:nvSpPr>
-          <p:cNvPr id="2" name="Title 1">
-            <a:extLst>
-              <a:ext uri="{FF2B5EF4-FFF2-40B4-BE49-F238E27FC236}">
-                <a16:creationId xmlns:a16="http://schemas.microsoft.com/office/drawing/2014/main" id="{221457BB-8345-43F7-9B39-CE3508B4A3F9}"/>
-              </a:ext>
-            </a:extLst>
-          </p:cNvPr>
-          <p:cNvSpPr>
-            <a:spLocks noGrp="1"/>
-          </p:cNvSpPr>
-          <p:nvPr>
-            <p:ph type="title"/>
-          </p:nvPr>
-        </p:nvSpPr>
-        <p:spPr/>
-        <p:txBody>
-          <a:bodyPr/>
-          <a:lstStyle/>
-          <a:p>
-            <a:pPr algn="ctr"/>
-            <a:r>
-              <a:rPr lang="en-IN" dirty="0"/>
-              <a:t>PLAYERS DASHBOARD</a:t>
-            </a:r>
-          </a:p>
-        </p:txBody>
-      </p:sp>
       <p:pic>
         <p:nvPicPr>
-          <p:cNvPr id="4" name="Content Placeholder 3">
-            <a:extLst>
-              <a:ext uri="{FF2B5EF4-FFF2-40B4-BE49-F238E27FC236}">
-                <a16:creationId xmlns:a16="http://schemas.microsoft.com/office/drawing/2014/main" id="{31DF56C3-C3BF-41EA-A8B8-B45E1A6B8B9C}"/>
+          <p:cNvPr id="5" name="Picture 4">
+            <a:extLst>
+              <a:ext uri="{FF2B5EF4-FFF2-40B4-BE49-F238E27FC236}">
+                <a16:creationId xmlns:a16="http://schemas.microsoft.com/office/drawing/2014/main" id="{19D568F7-894A-4F6E-90B2-3C72C3717A7C}"/>
               </a:ext>
             </a:extLst>
           </p:cNvPr>
           <p:cNvPicPr>
-            <a:picLocks noGrp="1" noChangeAspect="1"/>
+            <a:picLocks noChangeAspect="1"/>
           </p:cNvPicPr>
-          <p:nvPr>
-            <p:ph idx="1"/>
-          </p:nvPr>
+          <p:nvPr/>
         </p:nvPicPr>
         <p:blipFill>
           <a:blip r:embed="rId4"/>
@@ -5118,9 +5118,9 @@
           </a:stretch>
         </p:blipFill>
         <p:spPr>
-          <a:xfrm rot="20746287">
-            <a:off x="9983522" y="1104901"/>
-            <a:ext cx="1673756" cy="3581400"/>
+          <a:xfrm rot="854165">
+            <a:off x="1371600" y="1119188"/>
+            <a:ext cx="1844179" cy="3882928"/>
           </a:xfrm>
           <a:prstGeom prst="rect">
             <a:avLst/>
@@ -5129,10 +5129,10 @@
       </p:pic>
       <p:pic>
         <p:nvPicPr>
-          <p:cNvPr id="5" name="Picture 4">
-            <a:extLst>
-              <a:ext uri="{FF2B5EF4-FFF2-40B4-BE49-F238E27FC236}">
-                <a16:creationId xmlns:a16="http://schemas.microsoft.com/office/drawing/2014/main" id="{19D568F7-894A-4F6E-90B2-3C72C3717A7C}"/>
+          <p:cNvPr id="7" name="Picture 6">
+            <a:extLst>
+              <a:ext uri="{FF2B5EF4-FFF2-40B4-BE49-F238E27FC236}">
+                <a16:creationId xmlns:a16="http://schemas.microsoft.com/office/drawing/2014/main" id="{129678AE-B654-4B7A-B4DE-487D966B098D}"/>
               </a:ext>
             </a:extLst>
           </p:cNvPr>
@@ -5148,9 +5148,9 @@
           </a:stretch>
         </p:blipFill>
         <p:spPr>
-          <a:xfrm rot="854165">
-            <a:off x="1371600" y="1119188"/>
-            <a:ext cx="1844179" cy="3882928"/>
+          <a:xfrm>
+            <a:off x="893128" y="4773966"/>
+            <a:ext cx="4783772" cy="2124075"/>
           </a:xfrm>
           <a:prstGeom prst="rect">
             <a:avLst/>
@@ -5159,10 +5159,10 @@
       </p:pic>
       <p:pic>
         <p:nvPicPr>
-          <p:cNvPr id="7" name="Picture 6">
-            <a:extLst>
-              <a:ext uri="{FF2B5EF4-FFF2-40B4-BE49-F238E27FC236}">
-                <a16:creationId xmlns:a16="http://schemas.microsoft.com/office/drawing/2014/main" id="{129678AE-B654-4B7A-B4DE-487D966B098D}"/>
+          <p:cNvPr id="9" name="Picture 8">
+            <a:extLst>
+              <a:ext uri="{FF2B5EF4-FFF2-40B4-BE49-F238E27FC236}">
+                <a16:creationId xmlns:a16="http://schemas.microsoft.com/office/drawing/2014/main" id="{ED9F035E-4692-4A04-A7E1-2393FB3CBD84}"/>
               </a:ext>
             </a:extLst>
           </p:cNvPr>
@@ -5179,8 +5179,8 @@
         </p:blipFill>
         <p:spPr>
           <a:xfrm>
-            <a:off x="893128" y="4773966"/>
-            <a:ext cx="4783772" cy="2124075"/>
+            <a:off x="3052107" y="3272893"/>
+            <a:ext cx="1811602" cy="2016987"/>
           </a:xfrm>
           <a:prstGeom prst="rect">
             <a:avLst/>
@@ -5189,10 +5189,10 @@
       </p:pic>
       <p:pic>
         <p:nvPicPr>
-          <p:cNvPr id="9" name="Picture 8">
-            <a:extLst>
-              <a:ext uri="{FF2B5EF4-FFF2-40B4-BE49-F238E27FC236}">
-                <a16:creationId xmlns:a16="http://schemas.microsoft.com/office/drawing/2014/main" id="{ED9F035E-4692-4A04-A7E1-2393FB3CBD84}"/>
+          <p:cNvPr id="11" name="Picture 10">
+            <a:extLst>
+              <a:ext uri="{FF2B5EF4-FFF2-40B4-BE49-F238E27FC236}">
+                <a16:creationId xmlns:a16="http://schemas.microsoft.com/office/drawing/2014/main" id="{F636A34D-9CDB-4B3F-A994-7C08E1203E61}"/>
               </a:ext>
             </a:extLst>
           </p:cNvPr>
@@ -5209,8 +5209,38 @@
         </p:blipFill>
         <p:spPr>
           <a:xfrm>
-            <a:off x="5972175" y="3843201"/>
-            <a:ext cx="1811602" cy="2016987"/>
+            <a:off x="5657850" y="3640863"/>
+            <a:ext cx="4743450" cy="2686050"/>
+          </a:xfrm>
+          <a:prstGeom prst="rect">
+            <a:avLst/>
+          </a:prstGeom>
+        </p:spPr>
+      </p:pic>
+      <p:pic>
+        <p:nvPicPr>
+          <p:cNvPr id="10" name="Picture 9">
+            <a:extLst>
+              <a:ext uri="{FF2B5EF4-FFF2-40B4-BE49-F238E27FC236}">
+                <a16:creationId xmlns:a16="http://schemas.microsoft.com/office/drawing/2014/main" id="{3481ACD3-3CE8-4C73-9463-5163A50F888E}"/>
+              </a:ext>
+            </a:extLst>
+          </p:cNvPr>
+          <p:cNvPicPr>
+            <a:picLocks noChangeAspect="1"/>
+          </p:cNvPicPr>
+          <p:nvPr/>
+        </p:nvPicPr>
+        <p:blipFill>
+          <a:blip r:embed="rId8"/>
+          <a:stretch>
+            <a:fillRect/>
+          </a:stretch>
+        </p:blipFill>
+        <p:spPr>
+          <a:xfrm>
+            <a:off x="7984172" y="5405301"/>
+            <a:ext cx="3790950" cy="1843224"/>
           </a:xfrm>
           <a:prstGeom prst="rect">
             <a:avLst/>
@@ -5231,343 +5261,6 @@
 </file>
 
 <file path=ppt/slides/slide14.xml><?xml version="1.0" encoding="utf-8"?>
-<p:sld xmlns:a="http://schemas.openxmlformats.org/drawingml/2006/main" xmlns:r="http://schemas.openxmlformats.org/officeDocument/2006/relationships" xmlns:p="http://schemas.openxmlformats.org/presentationml/2006/main">
-  <p:cSld>
-    <p:spTree>
-      <p:nvGrpSpPr>
-        <p:cNvPr id="1" name=""/>
-        <p:cNvGrpSpPr/>
-        <p:nvPr/>
-      </p:nvGrpSpPr>
-      <p:grpSpPr>
-        <a:xfrm>
-          <a:off x="0" y="0"/>
-          <a:ext cx="0" cy="0"/>
-          <a:chOff x="0" y="0"/>
-          <a:chExt cx="0" cy="0"/>
-        </a:xfrm>
-      </p:grpSpPr>
-      <p:sp>
-        <p:nvSpPr>
-          <p:cNvPr id="2" name="Title 1">
-            <a:extLst>
-              <a:ext uri="{FF2B5EF4-FFF2-40B4-BE49-F238E27FC236}">
-                <a16:creationId xmlns:a16="http://schemas.microsoft.com/office/drawing/2014/main" id="{38166DE5-A3DA-48CD-9D18-968511FF513B}"/>
-              </a:ext>
-            </a:extLst>
-          </p:cNvPr>
-          <p:cNvSpPr>
-            <a:spLocks noGrp="1"/>
-          </p:cNvSpPr>
-          <p:nvPr>
-            <p:ph type="title"/>
-          </p:nvPr>
-        </p:nvSpPr>
-        <p:spPr/>
-        <p:txBody>
-          <a:bodyPr/>
-          <a:lstStyle/>
-          <a:p>
-            <a:r>
-              <a:rPr lang="en-IN" dirty="0" err="1"/>
-              <a:t>Cont</a:t>
-            </a:r>
-            <a:r>
-              <a:rPr lang="en-IN" dirty="0"/>
-              <a:t>…</a:t>
-            </a:r>
-          </a:p>
-        </p:txBody>
-      </p:sp>
-      <p:sp>
-        <p:nvSpPr>
-          <p:cNvPr id="3" name="Content Placeholder 2">
-            <a:extLst>
-              <a:ext uri="{FF2B5EF4-FFF2-40B4-BE49-F238E27FC236}">
-                <a16:creationId xmlns:a16="http://schemas.microsoft.com/office/drawing/2014/main" id="{AA92B398-3AAE-458E-82CD-0D50D92F073B}"/>
-              </a:ext>
-            </a:extLst>
-          </p:cNvPr>
-          <p:cNvSpPr>
-            <a:spLocks noGrp="1"/>
-          </p:cNvSpPr>
-          <p:nvPr>
-            <p:ph idx="1"/>
-          </p:nvPr>
-        </p:nvSpPr>
-        <p:spPr/>
-        <p:txBody>
-          <a:bodyPr/>
-          <a:lstStyle/>
-          <a:p>
-            <a:endParaRPr lang="en-IN"/>
-          </a:p>
-        </p:txBody>
-      </p:sp>
-    </p:spTree>
-    <p:extLst>
-      <p:ext uri="{BB962C8B-B14F-4D97-AF65-F5344CB8AC3E}">
-        <p14:creationId xmlns:p14="http://schemas.microsoft.com/office/powerpoint/2010/main" val="2021500579"/>
-      </p:ext>
-    </p:extLst>
-  </p:cSld>
-  <p:clrMapOvr>
-    <a:masterClrMapping/>
-  </p:clrMapOvr>
-</p:sld>
-</file>
-
-<file path=ppt/slides/slide15.xml><?xml version="1.0" encoding="utf-8"?>
-<p:sld xmlns:a="http://schemas.openxmlformats.org/drawingml/2006/main" xmlns:r="http://schemas.openxmlformats.org/officeDocument/2006/relationships" xmlns:p="http://schemas.openxmlformats.org/presentationml/2006/main">
-  <p:cSld>
-    <p:bg>
-      <p:bgPr>
-        <a:solidFill>
-          <a:schemeClr val="bg2"/>
-        </a:solidFill>
-        <a:effectLst/>
-      </p:bgPr>
-    </p:bg>
-    <p:spTree>
-      <p:nvGrpSpPr>
-        <p:cNvPr id="1" name=""/>
-        <p:cNvGrpSpPr/>
-        <p:nvPr/>
-      </p:nvGrpSpPr>
-      <p:grpSpPr>
-        <a:xfrm>
-          <a:off x="0" y="0"/>
-          <a:ext cx="0" cy="0"/>
-          <a:chOff x="0" y="0"/>
-          <a:chExt cx="0" cy="0"/>
-        </a:xfrm>
-      </p:grpSpPr>
-      <p:sp useBgFill="1">
-        <p:nvSpPr>
-          <p:cNvPr id="12" name="Rectangle 11">
-            <a:extLst>
-              <a:ext uri="{FF2B5EF4-FFF2-40B4-BE49-F238E27FC236}">
-                <a16:creationId xmlns:a16="http://schemas.microsoft.com/office/drawing/2014/main" id="{1D868099-6145-4BC0-A5EA-74BEF1776BA9}"/>
-              </a:ext>
-              <a:ext uri="{C183D7F6-B498-43B3-948B-1728B52AA6E4}">
-                <adec:decorative xmlns:adec="http://schemas.microsoft.com/office/drawing/2017/decorative" val="1"/>
-              </a:ext>
-            </a:extLst>
-          </p:cNvPr>
-          <p:cNvSpPr>
-            <a:spLocks noGrp="1" noRot="1" noChangeAspect="1" noMove="1" noResize="1" noEditPoints="1" noAdjustHandles="1" noChangeArrowheads="1" noChangeShapeType="1" noTextEdit="1"/>
-          </p:cNvSpPr>
-          <p:nvPr>
-            <p:extLst>
-              <p:ext uri="{386F3935-93C4-4BCD-93E2-E3B085C9AB24}">
-                <p16:designElem xmlns:p16="http://schemas.microsoft.com/office/powerpoint/2015/main" val="1"/>
-              </p:ext>
-            </p:extLst>
-          </p:nvPr>
-        </p:nvSpPr>
-        <p:spPr>
-          <a:xfrm>
-            <a:off x="0" y="0"/>
-            <a:ext cx="12192000" cy="6858000"/>
-          </a:xfrm>
-          <a:prstGeom prst="rect">
-            <a:avLst/>
-          </a:prstGeom>
-          <a:ln>
-            <a:noFill/>
-          </a:ln>
-        </p:spPr>
-        <p:style>
-          <a:lnRef idx="2">
-            <a:schemeClr val="accent1">
-              <a:shade val="50000"/>
-            </a:schemeClr>
-          </a:lnRef>
-          <a:fillRef idx="1">
-            <a:schemeClr val="accent1"/>
-          </a:fillRef>
-          <a:effectRef idx="0">
-            <a:schemeClr val="accent1"/>
-          </a:effectRef>
-          <a:fontRef idx="minor">
-            <a:schemeClr val="lt1"/>
-          </a:fontRef>
-        </p:style>
-        <p:txBody>
-          <a:bodyPr rtlCol="0" anchor="ctr"/>
-          <a:lstStyle/>
-          <a:p>
-            <a:pPr algn="ctr"/>
-            <a:endParaRPr lang="en-US"/>
-          </a:p>
-        </p:txBody>
-      </p:sp>
-      <p:pic>
-        <p:nvPicPr>
-          <p:cNvPr id="5" name="Content Placeholder 4">
-            <a:extLst>
-              <a:ext uri="{FF2B5EF4-FFF2-40B4-BE49-F238E27FC236}">
-                <a16:creationId xmlns:a16="http://schemas.microsoft.com/office/drawing/2014/main" id="{3E6092C9-E625-4F71-84E9-A1E854397AC3}"/>
-              </a:ext>
-            </a:extLst>
-          </p:cNvPr>
-          <p:cNvPicPr>
-            <a:picLocks noChangeAspect="1"/>
-          </p:cNvPicPr>
-          <p:nvPr/>
-        </p:nvPicPr>
-        <p:blipFill>
-          <a:blip r:embed="rId2"/>
-          <a:stretch>
-            <a:fillRect/>
-          </a:stretch>
-        </p:blipFill>
-        <p:spPr>
-          <a:xfrm>
-            <a:off x="634275" y="1827126"/>
-            <a:ext cx="6900380" cy="3203747"/>
-          </a:xfrm>
-          <a:prstGeom prst="rect">
-            <a:avLst/>
-          </a:prstGeom>
-        </p:spPr>
-      </p:pic>
-      <p:sp>
-        <p:nvSpPr>
-          <p:cNvPr id="9" name="Content Placeholder 8">
-            <a:extLst>
-              <a:ext uri="{FF2B5EF4-FFF2-40B4-BE49-F238E27FC236}">
-                <a16:creationId xmlns:a16="http://schemas.microsoft.com/office/drawing/2014/main" id="{C95F4683-CCC5-4075-9B2C-6E0889256647}"/>
-              </a:ext>
-            </a:extLst>
-          </p:cNvPr>
-          <p:cNvSpPr>
-            <a:spLocks noGrp="1"/>
-          </p:cNvSpPr>
-          <p:nvPr>
-            <p:ph idx="1"/>
-          </p:nvPr>
-        </p:nvSpPr>
-        <p:spPr>
-          <a:xfrm>
-            <a:off x="8471423" y="2286000"/>
-            <a:ext cx="3053039" cy="3931920"/>
-          </a:xfrm>
-        </p:spPr>
-        <p:txBody>
-          <a:bodyPr>
-            <a:normAutofit/>
-          </a:bodyPr>
-          <a:lstStyle/>
-          <a:p>
-            <a:r>
-              <a:rPr lang="en-US" sz="1600" dirty="0"/>
-              <a:t>Port Forwarding</a:t>
-            </a:r>
-          </a:p>
-          <a:p>
-            <a:r>
-              <a:rPr lang="en-US" sz="1600" dirty="0"/>
-              <a:t>Forwards request received on 80 to the Kibana’s listening port</a:t>
-            </a:r>
-          </a:p>
-          <a:p>
-            <a:r>
-              <a:rPr lang="en-US" sz="1600" dirty="0"/>
-              <a:t>Making Kibana as face of the application</a:t>
-            </a:r>
-          </a:p>
-        </p:txBody>
-      </p:sp>
-      <p:sp>
-        <p:nvSpPr>
-          <p:cNvPr id="14" name="Freeform 6">
-            <a:extLst>
-              <a:ext uri="{FF2B5EF4-FFF2-40B4-BE49-F238E27FC236}">
-                <a16:creationId xmlns:a16="http://schemas.microsoft.com/office/drawing/2014/main" id="{CC1026F7-DECB-49B4-A565-518BBA445471}"/>
-              </a:ext>
-              <a:ext uri="{C183D7F6-B498-43B3-948B-1728B52AA6E4}">
-                <adec:decorative xmlns:adec="http://schemas.microsoft.com/office/drawing/2017/decorative" val="1"/>
-              </a:ext>
-            </a:extLst>
-          </p:cNvPr>
-          <p:cNvSpPr>
-            <a:spLocks noGrp="1" noRot="1" noChangeAspect="1" noMove="1" noResize="1" noEditPoints="1" noAdjustHandles="1" noChangeArrowheads="1" noChangeShapeType="1" noTextEdit="1"/>
-          </p:cNvSpPr>
-          <p:nvPr>
-            <p:extLst>
-              <p:ext uri="{386F3935-93C4-4BCD-93E2-E3B085C9AB24}">
-                <p16:designElem xmlns:p16="http://schemas.microsoft.com/office/powerpoint/2015/main" val="1"/>
-              </p:ext>
-            </p:extLst>
-          </p:nvPr>
-        </p:nvSpPr>
-        <p:spPr bwMode="auto">
-          <a:xfrm flipH="1" flipV="1">
-            <a:off x="7983434" y="640080"/>
-            <a:ext cx="2296028" cy="3674981"/>
-          </a:xfrm>
-          <a:custGeom>
-            <a:avLst/>
-            <a:gdLst/>
-            <a:ahLst/>
-            <a:cxnLst/>
-            <a:rect l="l" t="t" r="r" b="b"/>
-            <a:pathLst>
-              <a:path w="10002" h="10000">
-                <a:moveTo>
-                  <a:pt x="8763" y="0"/>
-                </a:moveTo>
-                <a:lnTo>
-                  <a:pt x="10002" y="0"/>
-                </a:lnTo>
-                <a:lnTo>
-                  <a:pt x="10002" y="10000"/>
-                </a:lnTo>
-                <a:lnTo>
-                  <a:pt x="2" y="10000"/>
-                </a:lnTo>
-                <a:cubicBezTo>
-                  <a:pt x="-2" y="9698"/>
-                  <a:pt x="4" y="9427"/>
-                  <a:pt x="0" y="9125"/>
-                </a:cubicBezTo>
-                <a:lnTo>
-                  <a:pt x="8763" y="9128"/>
-                </a:lnTo>
-                <a:lnTo>
-                  <a:pt x="8763" y="0"/>
-                </a:lnTo>
-                <a:close/>
-              </a:path>
-            </a:pathLst>
-          </a:custGeom>
-          <a:solidFill>
-            <a:schemeClr val="tx2"/>
-          </a:solidFill>
-          <a:ln w="0">
-            <a:noFill/>
-            <a:prstDash val="solid"/>
-            <a:round/>
-            <a:headEnd/>
-            <a:tailEnd/>
-          </a:ln>
-        </p:spPr>
-      </p:sp>
-    </p:spTree>
-    <p:extLst>
-      <p:ext uri="{BB962C8B-B14F-4D97-AF65-F5344CB8AC3E}">
-        <p14:creationId xmlns:p14="http://schemas.microsoft.com/office/powerpoint/2010/main" val="2574331402"/>
-      </p:ext>
-    </p:extLst>
-  </p:cSld>
-  <p:clrMapOvr>
-    <a:masterClrMapping/>
-  </p:clrMapOvr>
-</p:sld>
-</file>
-
-<file path=ppt/slides/slide16.xml><?xml version="1.0" encoding="utf-8"?>
 <p:sld xmlns:a="http://schemas.openxmlformats.org/drawingml/2006/main" xmlns:r="http://schemas.openxmlformats.org/officeDocument/2006/relationships" xmlns:p="http://schemas.openxmlformats.org/presentationml/2006/main">
   <p:cSld>
     <p:bg>
@@ -5594,10 +5287,10 @@
       </p:grpSpPr>
       <p:grpSp>
         <p:nvGrpSpPr>
-          <p:cNvPr id="12" name="Group 11">
-            <a:extLst>
-              <a:ext uri="{FF2B5EF4-FFF2-40B4-BE49-F238E27FC236}">
-                <a16:creationId xmlns:a16="http://schemas.microsoft.com/office/drawing/2014/main" id="{449BC34D-9C23-4D6D-8213-1F471AF85B3F}"/>
+          <p:cNvPr id="13" name="Group 12">
+            <a:extLst>
+              <a:ext uri="{FF2B5EF4-FFF2-40B4-BE49-F238E27FC236}">
+                <a16:creationId xmlns:a16="http://schemas.microsoft.com/office/drawing/2014/main" id="{127CAEB6-2762-403E-98B1-8B96D27C6302}"/>
               </a:ext>
               <a:ext uri="{C183D7F6-B498-43B3-948B-1728B52AA6E4}">
                 <adec:decorative xmlns:adec="http://schemas.microsoft.com/office/drawing/2017/decorative" val="1"/>
@@ -5625,10 +5318,10 @@
         </p:grpSpPr>
         <p:sp>
           <p:nvSpPr>
-            <p:cNvPr id="13" name="Freeform 6">
+            <p:cNvPr id="14" name="Freeform 6">
               <a:extLst>
                 <a:ext uri="{FF2B5EF4-FFF2-40B4-BE49-F238E27FC236}">
-                  <a16:creationId xmlns:a16="http://schemas.microsoft.com/office/drawing/2014/main" id="{FA0F5D6C-5025-4D7E-82DD-C2C6FDA1E759}"/>
+                  <a16:creationId xmlns:a16="http://schemas.microsoft.com/office/drawing/2014/main" id="{B93A55BE-E875-414E-8964-9F4BD06F988D}"/>
                 </a:ext>
                 <a:ext uri="{C183D7F6-B498-43B3-948B-1728B52AA6E4}">
                   <adec:decorative xmlns:adec="http://schemas.microsoft.com/office/drawing/2017/decorative" val="1"/>
@@ -5696,10 +5389,10 @@
         </p:sp>
         <p:sp>
           <p:nvSpPr>
-            <p:cNvPr id="14" name="Freeform 6">
+            <p:cNvPr id="15" name="Freeform 6">
               <a:extLst>
                 <a:ext uri="{FF2B5EF4-FFF2-40B4-BE49-F238E27FC236}">
-                  <a16:creationId xmlns:a16="http://schemas.microsoft.com/office/drawing/2014/main" id="{E2AF2C17-4AB4-4402-B84B-129EF95D161C}"/>
+                  <a16:creationId xmlns:a16="http://schemas.microsoft.com/office/drawing/2014/main" id="{CA1FECA8-74A7-4D1C-9D1E-6EDE1F9619A1}"/>
                 </a:ext>
                 <a:ext uri="{C183D7F6-B498-43B3-948B-1728B52AA6E4}">
                   <adec:decorative xmlns:adec="http://schemas.microsoft.com/office/drawing/2017/decorative" val="1"/>
@@ -5770,10 +5463,10 @@
       </p:grpSp>
       <p:sp useBgFill="1">
         <p:nvSpPr>
-          <p:cNvPr id="16" name="Rectangle 15">
-            <a:extLst>
-              <a:ext uri="{FF2B5EF4-FFF2-40B4-BE49-F238E27FC236}">
-                <a16:creationId xmlns:a16="http://schemas.microsoft.com/office/drawing/2014/main" id="{1F9A0C1C-8ABC-401B-8FE9-AC9327C4C587}"/>
+          <p:cNvPr id="17" name="Rectangle 16">
+            <a:extLst>
+              <a:ext uri="{FF2B5EF4-FFF2-40B4-BE49-F238E27FC236}">
+                <a16:creationId xmlns:a16="http://schemas.microsoft.com/office/drawing/2014/main" id="{D9D9D0AB-1E2F-44A8-B9C6-FA4098301883}"/>
               </a:ext>
               <a:ext uri="{C183D7F6-B498-43B3-948B-1728B52AA6E4}">
                 <adec:decorative xmlns:adec="http://schemas.microsoft.com/office/drawing/2017/decorative" val="1"/>
@@ -5809,8 +5502,8 @@
               <a:shade val="50000"/>
             </a:schemeClr>
           </a:lnRef>
-          <a:fillRef idx="1001">
-            <a:schemeClr val="lt2"/>
+          <a:fillRef idx="1">
+            <a:schemeClr val="accent1"/>
           </a:fillRef>
           <a:effectRef idx="0">
             <a:schemeClr val="accent1"/>
@@ -5833,7 +5526,7 @@
           <p:cNvPr id="2" name="Title 1">
             <a:extLst>
               <a:ext uri="{FF2B5EF4-FFF2-40B4-BE49-F238E27FC236}">
-                <a16:creationId xmlns:a16="http://schemas.microsoft.com/office/drawing/2014/main" id="{F3735DDB-B53E-4E50-A5FB-C548B8ED3623}"/>
+                <a16:creationId xmlns:a16="http://schemas.microsoft.com/office/drawing/2014/main" id="{38166DE5-A3DA-48CD-9D18-968511FF513B}"/>
               </a:ext>
             </a:extLst>
           </p:cNvPr>
@@ -5846,8 +5539,8 @@
         </p:nvSpPr>
         <p:spPr>
           <a:xfrm>
-            <a:off x="8154186" y="634028"/>
-            <a:ext cx="3355942" cy="3732835"/>
+            <a:off x="4735286" y="4332575"/>
+            <a:ext cx="6667283" cy="1284453"/>
           </a:xfrm>
         </p:spPr>
         <p:txBody>
@@ -5857,66 +5550,137 @@
           <a:lstStyle/>
           <a:p>
             <a:pPr algn="ctr"/>
-            <a:br>
-              <a:rPr lang="en-US" sz="2400" cap="all" dirty="0"/>
-            </a:br>
-            <a:endParaRPr lang="en-US" sz="2400" cap="all" dirty="0"/>
-          </a:p>
-        </p:txBody>
-      </p:sp>
-      <p:sp>
-        <p:nvSpPr>
-          <p:cNvPr id="3" name="Content Placeholder 2">
-            <a:extLst>
-              <a:ext uri="{FF2B5EF4-FFF2-40B4-BE49-F238E27FC236}">
-                <a16:creationId xmlns:a16="http://schemas.microsoft.com/office/drawing/2014/main" id="{C96BB18A-A9BF-4AE7-BAC2-776053190F93}"/>
-              </a:ext>
-            </a:extLst>
-          </p:cNvPr>
-          <p:cNvSpPr>
-            <a:spLocks noGrp="1"/>
-          </p:cNvSpPr>
+            <a:r>
+              <a:rPr lang="en-US" sz="4800" cap="all"/>
+              <a:t>MATCHES DASHBOARD</a:t>
+            </a:r>
+          </a:p>
+        </p:txBody>
+      </p:sp>
+      <p:pic>
+        <p:nvPicPr>
+          <p:cNvPr id="4" name="Content Placeholder 3" descr="A close up of a map&#10;&#10;Description automatically generated">
+            <a:extLst>
+              <a:ext uri="{FF2B5EF4-FFF2-40B4-BE49-F238E27FC236}">
+                <a16:creationId xmlns:a16="http://schemas.microsoft.com/office/drawing/2014/main" id="{F6D45B24-0DF2-400B-959B-C5DAAB2A043E}"/>
+              </a:ext>
+            </a:extLst>
+          </p:cNvPr>
+          <p:cNvPicPr>
+            <a:picLocks noGrp="1" noChangeAspect="1"/>
+          </p:cNvPicPr>
           <p:nvPr>
             <p:ph idx="1"/>
           </p:nvPr>
-        </p:nvSpPr>
-        <p:spPr>
-          <a:xfrm>
-            <a:off x="8186895" y="2531672"/>
-            <a:ext cx="3355942" cy="1794656"/>
-          </a:xfrm>
-        </p:spPr>
-        <p:txBody>
-          <a:bodyPr vert="horz" lIns="91440" tIns="45720" rIns="91440" bIns="45720" rtlCol="0">
-            <a:normAutofit/>
-          </a:bodyPr>
-          <a:lstStyle/>
-          <a:p>
-            <a:pPr marL="0" indent="0" algn="ctr">
-              <a:lnSpc>
-                <a:spcPct val="112000"/>
-              </a:lnSpc>
-              <a:spcBef>
-                <a:spcPts val="0"/>
-              </a:spcBef>
-              <a:spcAft>
-                <a:spcPts val="600"/>
-              </a:spcAft>
-              <a:buNone/>
-            </a:pPr>
-            <a:r>
-              <a:rPr lang="en-US" sz="6000" b="1" dirty="0"/>
-              <a:t>THANKS</a:t>
-            </a:r>
-          </a:p>
-        </p:txBody>
-      </p:sp>
-      <p:sp>
-        <p:nvSpPr>
-          <p:cNvPr id="18" name="Freeform 6">
-            <a:extLst>
-              <a:ext uri="{FF2B5EF4-FFF2-40B4-BE49-F238E27FC236}">
-                <a16:creationId xmlns:a16="http://schemas.microsoft.com/office/drawing/2014/main" id="{BA5783C3-2F96-40A7-A24F-30CB07AA3928}"/>
+        </p:nvPicPr>
+        <p:blipFill rotWithShape="1">
+          <a:blip r:embed="rId2"/>
+          <a:srcRect r="16346" b="3"/>
+          <a:stretch/>
+        </p:blipFill>
+        <p:spPr>
+          <a:xfrm>
+            <a:off x="7" y="10"/>
+            <a:ext cx="3953173" cy="3603159"/>
+          </a:xfrm>
+          <a:prstGeom prst="rect">
+            <a:avLst/>
+          </a:prstGeom>
+        </p:spPr>
+      </p:pic>
+      <p:pic>
+        <p:nvPicPr>
+          <p:cNvPr id="5" name="Picture 4" descr="A screen shot of a computer&#10;&#10;Description automatically generated">
+            <a:extLst>
+              <a:ext uri="{FF2B5EF4-FFF2-40B4-BE49-F238E27FC236}">
+                <a16:creationId xmlns:a16="http://schemas.microsoft.com/office/drawing/2014/main" id="{BE2A51C4-3A28-4A32-9F73-59631302879A}"/>
+              </a:ext>
+            </a:extLst>
+          </p:cNvPr>
+          <p:cNvPicPr>
+            <a:picLocks noChangeAspect="1"/>
+          </p:cNvPicPr>
+          <p:nvPr/>
+        </p:nvPicPr>
+        <p:blipFill rotWithShape="1">
+          <a:blip r:embed="rId3"/>
+          <a:srcRect l="5025" r="3666" b="1"/>
+          <a:stretch/>
+        </p:blipFill>
+        <p:spPr>
+          <a:xfrm rot="21600000">
+            <a:off x="4114039" y="-1"/>
+            <a:ext cx="3963922" cy="3603171"/>
+          </a:xfrm>
+          <a:prstGeom prst="rect">
+            <a:avLst/>
+          </a:prstGeom>
+        </p:spPr>
+      </p:pic>
+      <p:pic>
+        <p:nvPicPr>
+          <p:cNvPr id="6" name="Picture 5" descr="A screenshot of a cell phone&#10;&#10;Description automatically generated">
+            <a:extLst>
+              <a:ext uri="{FF2B5EF4-FFF2-40B4-BE49-F238E27FC236}">
+                <a16:creationId xmlns:a16="http://schemas.microsoft.com/office/drawing/2014/main" id="{02177A40-CC4F-4DCA-8B0C-F69AC4CA40C1}"/>
+              </a:ext>
+            </a:extLst>
+          </p:cNvPr>
+          <p:cNvPicPr>
+            <a:picLocks noChangeAspect="1"/>
+          </p:cNvPicPr>
+          <p:nvPr/>
+        </p:nvPicPr>
+        <p:blipFill rotWithShape="1">
+          <a:blip r:embed="rId4"/>
+          <a:srcRect l="22451" r="30245" b="2"/>
+          <a:stretch/>
+        </p:blipFill>
+        <p:spPr>
+          <a:xfrm>
+            <a:off x="8228071" y="10"/>
+            <a:ext cx="3963922" cy="3603159"/>
+          </a:xfrm>
+          <a:prstGeom prst="rect">
+            <a:avLst/>
+          </a:prstGeom>
+        </p:spPr>
+      </p:pic>
+      <p:pic>
+        <p:nvPicPr>
+          <p:cNvPr id="8" name="Picture 7">
+            <a:extLst>
+              <a:ext uri="{FF2B5EF4-FFF2-40B4-BE49-F238E27FC236}">
+                <a16:creationId xmlns:a16="http://schemas.microsoft.com/office/drawing/2014/main" id="{3EBC2A6D-3065-455F-952D-7597339E58E6}"/>
+              </a:ext>
+            </a:extLst>
+          </p:cNvPr>
+          <p:cNvPicPr>
+            <a:picLocks noChangeAspect="1"/>
+          </p:cNvPicPr>
+          <p:nvPr/>
+        </p:nvPicPr>
+        <p:blipFill rotWithShape="1">
+          <a:blip r:embed="rId5"/>
+          <a:srcRect l="21054" r="26113" b="1"/>
+          <a:stretch/>
+        </p:blipFill>
+        <p:spPr>
+          <a:xfrm>
+            <a:off x="2" y="3752849"/>
+            <a:ext cx="3953173" cy="3105151"/>
+          </a:xfrm>
+          <a:prstGeom prst="rect">
+            <a:avLst/>
+          </a:prstGeom>
+        </p:spPr>
+      </p:pic>
+      <p:sp>
+        <p:nvSpPr>
+          <p:cNvPr id="19" name="Freeform: Shape 18">
+            <a:extLst>
+              <a:ext uri="{FF2B5EF4-FFF2-40B4-BE49-F238E27FC236}">
+                <a16:creationId xmlns:a16="http://schemas.microsoft.com/office/drawing/2014/main" id="{246C5244-D093-4A7D-A584-16112DCD814B}"/>
               </a:ext>
               <a:ext uri="{C183D7F6-B498-43B3-948B-1728B52AA6E4}">
                 <adec:decorative xmlns:adec="http://schemas.microsoft.com/office/drawing/2017/decorative" val="1"/>
@@ -5936,8 +5700,421 @@
         </p:nvSpPr>
         <p:spPr bwMode="auto">
           <a:xfrm flipH="1" flipV="1">
-            <a:off x="649163" y="634028"/>
-            <a:ext cx="3275668" cy="4408488"/>
+            <a:off x="4272533" y="3928371"/>
+            <a:ext cx="1717050" cy="1372910"/>
+          </a:xfrm>
+          <a:custGeom>
+            <a:avLst/>
+            <a:gdLst>
+              <a:gd name="connsiteX0" fmla="*/ 2022607 w 2308583"/>
+              <a:gd name="connsiteY0" fmla="*/ 0 h 1845884"/>
+              <a:gd name="connsiteX1" fmla="*/ 2308583 w 2308583"/>
+              <a:gd name="connsiteY1" fmla="*/ 0 h 1845884"/>
+              <a:gd name="connsiteX2" fmla="*/ 2308583 w 2308583"/>
+              <a:gd name="connsiteY2" fmla="*/ 1845884 h 1845884"/>
+              <a:gd name="connsiteX3" fmla="*/ 462 w 2308583"/>
+              <a:gd name="connsiteY3" fmla="*/ 1845884 h 1845884"/>
+              <a:gd name="connsiteX4" fmla="*/ 0 w 2308583"/>
+              <a:gd name="connsiteY4" fmla="*/ 1574025 h 1845884"/>
+              <a:gd name="connsiteX5" fmla="*/ 2022607 w 2308583"/>
+              <a:gd name="connsiteY5" fmla="*/ 1574957 h 1845884"/>
+            </a:gdLst>
+            <a:ahLst/>
+            <a:cxnLst>
+              <a:cxn ang="0">
+                <a:pos x="connsiteX0" y="connsiteY0"/>
+              </a:cxn>
+              <a:cxn ang="0">
+                <a:pos x="connsiteX1" y="connsiteY1"/>
+              </a:cxn>
+              <a:cxn ang="0">
+                <a:pos x="connsiteX2" y="connsiteY2"/>
+              </a:cxn>
+              <a:cxn ang="0">
+                <a:pos x="connsiteX3" y="connsiteY3"/>
+              </a:cxn>
+              <a:cxn ang="0">
+                <a:pos x="connsiteX4" y="connsiteY4"/>
+              </a:cxn>
+              <a:cxn ang="0">
+                <a:pos x="connsiteX5" y="connsiteY5"/>
+              </a:cxn>
+            </a:cxnLst>
+            <a:rect l="l" t="t" r="r" b="b"/>
+            <a:pathLst>
+              <a:path w="2308583" h="1845884">
+                <a:moveTo>
+                  <a:pt x="2022607" y="0"/>
+                </a:moveTo>
+                <a:lnTo>
+                  <a:pt x="2308583" y="0"/>
+                </a:lnTo>
+                <a:lnTo>
+                  <a:pt x="2308583" y="1845884"/>
+                </a:lnTo>
+                <a:lnTo>
+                  <a:pt x="462" y="1845884"/>
+                </a:lnTo>
+                <a:cubicBezTo>
+                  <a:pt x="-462" y="1752054"/>
+                  <a:pt x="923" y="1667855"/>
+                  <a:pt x="0" y="1574025"/>
+                </a:cubicBezTo>
+                <a:lnTo>
+                  <a:pt x="2022607" y="1574957"/>
+                </a:lnTo>
+                <a:close/>
+              </a:path>
+            </a:pathLst>
+          </a:custGeom>
+          <a:solidFill>
+            <a:schemeClr val="tx2"/>
+          </a:solidFill>
+          <a:ln w="0">
+            <a:noFill/>
+            <a:prstDash val="solid"/>
+            <a:round/>
+            <a:headEnd/>
+            <a:tailEnd/>
+          </a:ln>
+        </p:spPr>
+      </p:sp>
+      <p:sp>
+        <p:nvSpPr>
+          <p:cNvPr id="21" name="Freeform: Shape 20">
+            <a:extLst>
+              <a:ext uri="{FF2B5EF4-FFF2-40B4-BE49-F238E27FC236}">
+                <a16:creationId xmlns:a16="http://schemas.microsoft.com/office/drawing/2014/main" id="{E143443B-89B2-40A6-9815-5707140DC1F8}"/>
+              </a:ext>
+              <a:ext uri="{C183D7F6-B498-43B3-948B-1728B52AA6E4}">
+                <adec:decorative xmlns:adec="http://schemas.microsoft.com/office/drawing/2017/decorative" val="1"/>
+              </a:ext>
+            </a:extLst>
+          </p:cNvPr>
+          <p:cNvSpPr>
+            <a:spLocks noGrp="1" noRot="1" noChangeAspect="1" noMove="1" noResize="1" noEditPoints="1" noAdjustHandles="1" noChangeArrowheads="1" noChangeShapeType="1" noTextEdit="1"/>
+          </p:cNvSpPr>
+          <p:nvPr>
+            <p:extLst>
+              <p:ext uri="{386F3935-93C4-4BCD-93E2-E3B085C9AB24}">
+                <p16:designElem xmlns:p16="http://schemas.microsoft.com/office/powerpoint/2015/main" val="1"/>
+              </p:ext>
+            </p:extLst>
+          </p:nvPr>
+        </p:nvSpPr>
+        <p:spPr bwMode="auto">
+          <a:xfrm>
+            <a:off x="10080235" y="5080476"/>
+            <a:ext cx="1717050" cy="1372910"/>
+          </a:xfrm>
+          <a:custGeom>
+            <a:avLst/>
+            <a:gdLst>
+              <a:gd name="connsiteX0" fmla="*/ 2022607 w 2308583"/>
+              <a:gd name="connsiteY0" fmla="*/ 0 h 1845884"/>
+              <a:gd name="connsiteX1" fmla="*/ 2308583 w 2308583"/>
+              <a:gd name="connsiteY1" fmla="*/ 0 h 1845884"/>
+              <a:gd name="connsiteX2" fmla="*/ 2308583 w 2308583"/>
+              <a:gd name="connsiteY2" fmla="*/ 1845884 h 1845884"/>
+              <a:gd name="connsiteX3" fmla="*/ 462 w 2308583"/>
+              <a:gd name="connsiteY3" fmla="*/ 1845884 h 1845884"/>
+              <a:gd name="connsiteX4" fmla="*/ 0 w 2308583"/>
+              <a:gd name="connsiteY4" fmla="*/ 1574025 h 1845884"/>
+              <a:gd name="connsiteX5" fmla="*/ 2022607 w 2308583"/>
+              <a:gd name="connsiteY5" fmla="*/ 1574957 h 1845884"/>
+            </a:gdLst>
+            <a:ahLst/>
+            <a:cxnLst>
+              <a:cxn ang="0">
+                <a:pos x="connsiteX0" y="connsiteY0"/>
+              </a:cxn>
+              <a:cxn ang="0">
+                <a:pos x="connsiteX1" y="connsiteY1"/>
+              </a:cxn>
+              <a:cxn ang="0">
+                <a:pos x="connsiteX2" y="connsiteY2"/>
+              </a:cxn>
+              <a:cxn ang="0">
+                <a:pos x="connsiteX3" y="connsiteY3"/>
+              </a:cxn>
+              <a:cxn ang="0">
+                <a:pos x="connsiteX4" y="connsiteY4"/>
+              </a:cxn>
+              <a:cxn ang="0">
+                <a:pos x="connsiteX5" y="connsiteY5"/>
+              </a:cxn>
+            </a:cxnLst>
+            <a:rect l="l" t="t" r="r" b="b"/>
+            <a:pathLst>
+              <a:path w="2308583" h="1845884">
+                <a:moveTo>
+                  <a:pt x="2022607" y="0"/>
+                </a:moveTo>
+                <a:lnTo>
+                  <a:pt x="2308583" y="0"/>
+                </a:lnTo>
+                <a:lnTo>
+                  <a:pt x="2308583" y="1845884"/>
+                </a:lnTo>
+                <a:lnTo>
+                  <a:pt x="462" y="1845884"/>
+                </a:lnTo>
+                <a:cubicBezTo>
+                  <a:pt x="-462" y="1752054"/>
+                  <a:pt x="923" y="1667855"/>
+                  <a:pt x="0" y="1574025"/>
+                </a:cubicBezTo>
+                <a:lnTo>
+                  <a:pt x="2022607" y="1574957"/>
+                </a:lnTo>
+                <a:close/>
+              </a:path>
+            </a:pathLst>
+          </a:custGeom>
+          <a:solidFill>
+            <a:schemeClr val="tx2"/>
+          </a:solidFill>
+          <a:ln w="0">
+            <a:noFill/>
+            <a:prstDash val="solid"/>
+            <a:round/>
+            <a:headEnd/>
+            <a:tailEnd/>
+          </a:ln>
+        </p:spPr>
+      </p:sp>
+      <p:pic>
+        <p:nvPicPr>
+          <p:cNvPr id="9" name="Picture 8">
+            <a:extLst>
+              <a:ext uri="{FF2B5EF4-FFF2-40B4-BE49-F238E27FC236}">
+                <a16:creationId xmlns:a16="http://schemas.microsoft.com/office/drawing/2014/main" id="{370E30CD-D026-407A-ACC9-788AAC18E795}"/>
+              </a:ext>
+            </a:extLst>
+          </p:cNvPr>
+          <p:cNvPicPr>
+            <a:picLocks noChangeAspect="1"/>
+          </p:cNvPicPr>
+          <p:nvPr/>
+        </p:nvPicPr>
+        <p:blipFill>
+          <a:blip r:embed="rId6"/>
+          <a:stretch>
+            <a:fillRect/>
+          </a:stretch>
+        </p:blipFill>
+        <p:spPr>
+          <a:xfrm>
+            <a:off x="8077962" y="2268031"/>
+            <a:ext cx="4066309" cy="2321938"/>
+          </a:xfrm>
+          <a:prstGeom prst="rect">
+            <a:avLst/>
+          </a:prstGeom>
+        </p:spPr>
+      </p:pic>
+    </p:spTree>
+    <p:extLst>
+      <p:ext uri="{BB962C8B-B14F-4D97-AF65-F5344CB8AC3E}">
+        <p14:creationId xmlns:p14="http://schemas.microsoft.com/office/powerpoint/2010/main" val="2021500579"/>
+      </p:ext>
+    </p:extLst>
+  </p:cSld>
+  <p:clrMapOvr>
+    <a:masterClrMapping/>
+  </p:clrMapOvr>
+</p:sld>
+</file>
+
+<file path=ppt/slides/slide15.xml><?xml version="1.0" encoding="utf-8"?>
+<p:sld xmlns:a="http://schemas.openxmlformats.org/drawingml/2006/main" xmlns:r="http://schemas.openxmlformats.org/officeDocument/2006/relationships" xmlns:p="http://schemas.openxmlformats.org/presentationml/2006/main">
+  <p:cSld>
+    <p:bg>
+      <p:bgPr>
+        <a:solidFill>
+          <a:schemeClr val="bg2"/>
+        </a:solidFill>
+        <a:effectLst/>
+      </p:bgPr>
+    </p:bg>
+    <p:spTree>
+      <p:nvGrpSpPr>
+        <p:cNvPr id="1" name=""/>
+        <p:cNvGrpSpPr/>
+        <p:nvPr/>
+      </p:nvGrpSpPr>
+      <p:grpSpPr>
+        <a:xfrm>
+          <a:off x="0" y="0"/>
+          <a:ext cx="0" cy="0"/>
+          <a:chOff x="0" y="0"/>
+          <a:chExt cx="0" cy="0"/>
+        </a:xfrm>
+      </p:grpSpPr>
+      <p:sp useBgFill="1">
+        <p:nvSpPr>
+          <p:cNvPr id="12" name="Rectangle 11">
+            <a:extLst>
+              <a:ext uri="{FF2B5EF4-FFF2-40B4-BE49-F238E27FC236}">
+                <a16:creationId xmlns:a16="http://schemas.microsoft.com/office/drawing/2014/main" id="{1D868099-6145-4BC0-A5EA-74BEF1776BA9}"/>
+              </a:ext>
+              <a:ext uri="{C183D7F6-B498-43B3-948B-1728B52AA6E4}">
+                <adec:decorative xmlns:adec="http://schemas.microsoft.com/office/drawing/2017/decorative" val="1"/>
+              </a:ext>
+            </a:extLst>
+          </p:cNvPr>
+          <p:cNvSpPr>
+            <a:spLocks noGrp="1" noRot="1" noChangeAspect="1" noMove="1" noResize="1" noEditPoints="1" noAdjustHandles="1" noChangeArrowheads="1" noChangeShapeType="1" noTextEdit="1"/>
+          </p:cNvSpPr>
+          <p:nvPr>
+            <p:extLst>
+              <p:ext uri="{386F3935-93C4-4BCD-93E2-E3B085C9AB24}">
+                <p16:designElem xmlns:p16="http://schemas.microsoft.com/office/powerpoint/2015/main" val="1"/>
+              </p:ext>
+            </p:extLst>
+          </p:nvPr>
+        </p:nvSpPr>
+        <p:spPr>
+          <a:xfrm>
+            <a:off x="0" y="0"/>
+            <a:ext cx="12192000" cy="6858000"/>
+          </a:xfrm>
+          <a:prstGeom prst="rect">
+            <a:avLst/>
+          </a:prstGeom>
+          <a:ln>
+            <a:noFill/>
+          </a:ln>
+        </p:spPr>
+        <p:style>
+          <a:lnRef idx="2">
+            <a:schemeClr val="accent1">
+              <a:shade val="50000"/>
+            </a:schemeClr>
+          </a:lnRef>
+          <a:fillRef idx="1">
+            <a:schemeClr val="accent1"/>
+          </a:fillRef>
+          <a:effectRef idx="0">
+            <a:schemeClr val="accent1"/>
+          </a:effectRef>
+          <a:fontRef idx="minor">
+            <a:schemeClr val="lt1"/>
+          </a:fontRef>
+        </p:style>
+        <p:txBody>
+          <a:bodyPr rtlCol="0" anchor="ctr"/>
+          <a:lstStyle/>
+          <a:p>
+            <a:pPr algn="ctr"/>
+            <a:endParaRPr lang="en-US"/>
+          </a:p>
+        </p:txBody>
+      </p:sp>
+      <p:pic>
+        <p:nvPicPr>
+          <p:cNvPr id="5" name="Content Placeholder 4">
+            <a:extLst>
+              <a:ext uri="{FF2B5EF4-FFF2-40B4-BE49-F238E27FC236}">
+                <a16:creationId xmlns:a16="http://schemas.microsoft.com/office/drawing/2014/main" id="{3E6092C9-E625-4F71-84E9-A1E854397AC3}"/>
+              </a:ext>
+            </a:extLst>
+          </p:cNvPr>
+          <p:cNvPicPr>
+            <a:picLocks noChangeAspect="1"/>
+          </p:cNvPicPr>
+          <p:nvPr/>
+        </p:nvPicPr>
+        <p:blipFill>
+          <a:blip r:embed="rId2"/>
+          <a:stretch>
+            <a:fillRect/>
+          </a:stretch>
+        </p:blipFill>
+        <p:spPr>
+          <a:xfrm>
+            <a:off x="634275" y="1827126"/>
+            <a:ext cx="6900380" cy="3203747"/>
+          </a:xfrm>
+          <a:prstGeom prst="rect">
+            <a:avLst/>
+          </a:prstGeom>
+        </p:spPr>
+      </p:pic>
+      <p:sp>
+        <p:nvSpPr>
+          <p:cNvPr id="9" name="Content Placeholder 8">
+            <a:extLst>
+              <a:ext uri="{FF2B5EF4-FFF2-40B4-BE49-F238E27FC236}">
+                <a16:creationId xmlns:a16="http://schemas.microsoft.com/office/drawing/2014/main" id="{C95F4683-CCC5-4075-9B2C-6E0889256647}"/>
+              </a:ext>
+            </a:extLst>
+          </p:cNvPr>
+          <p:cNvSpPr>
+            <a:spLocks noGrp="1"/>
+          </p:cNvSpPr>
+          <p:nvPr>
+            <p:ph idx="1"/>
+          </p:nvPr>
+        </p:nvSpPr>
+        <p:spPr>
+          <a:xfrm>
+            <a:off x="8471423" y="2286000"/>
+            <a:ext cx="3053039" cy="3931920"/>
+          </a:xfrm>
+        </p:spPr>
+        <p:txBody>
+          <a:bodyPr>
+            <a:normAutofit/>
+          </a:bodyPr>
+          <a:lstStyle/>
+          <a:p>
+            <a:r>
+              <a:rPr lang="en-US" sz="1600" dirty="0"/>
+              <a:t>Port Forwarding</a:t>
+            </a:r>
+          </a:p>
+          <a:p>
+            <a:r>
+              <a:rPr lang="en-US" sz="1600" dirty="0"/>
+              <a:t>Forwards request received on 80 to the Kibana’s listening port</a:t>
+            </a:r>
+          </a:p>
+          <a:p>
+            <a:r>
+              <a:rPr lang="en-US" sz="1600" dirty="0"/>
+              <a:t>Making Kibana as face of the application</a:t>
+            </a:r>
+          </a:p>
+        </p:txBody>
+      </p:sp>
+      <p:sp>
+        <p:nvSpPr>
+          <p:cNvPr id="14" name="Freeform 6">
+            <a:extLst>
+              <a:ext uri="{FF2B5EF4-FFF2-40B4-BE49-F238E27FC236}">
+                <a16:creationId xmlns:a16="http://schemas.microsoft.com/office/drawing/2014/main" id="{CC1026F7-DECB-49B4-A565-518BBA445471}"/>
+              </a:ext>
+              <a:ext uri="{C183D7F6-B498-43B3-948B-1728B52AA6E4}">
+                <adec:decorative xmlns:adec="http://schemas.microsoft.com/office/drawing/2017/decorative" val="1"/>
+              </a:ext>
+            </a:extLst>
+          </p:cNvPr>
+          <p:cNvSpPr>
+            <a:spLocks noGrp="1" noRot="1" noChangeAspect="1" noMove="1" noResize="1" noEditPoints="1" noAdjustHandles="1" noChangeArrowheads="1" noChangeShapeType="1" noTextEdit="1"/>
+          </p:cNvSpPr>
+          <p:nvPr>
+            <p:extLst>
+              <p:ext uri="{386F3935-93C4-4BCD-93E2-E3B085C9AB24}">
+                <p16:designElem xmlns:p16="http://schemas.microsoft.com/office/powerpoint/2015/main" val="1"/>
+              </p:ext>
+            </p:extLst>
+          </p:nvPr>
+        </p:nvSpPr>
+        <p:spPr bwMode="auto">
+          <a:xfrm flipH="1" flipV="1">
+            <a:off x="7983434" y="640080"/>
+            <a:ext cx="2296028" cy="3674981"/>
           </a:xfrm>
           <a:custGeom>
             <a:avLst/>
@@ -5986,12 +6163,510 @@
           </a:ln>
         </p:spPr>
       </p:sp>
-      <p:sp>
-        <p:nvSpPr>
-          <p:cNvPr id="20" name="Freeform 6">
-            <a:extLst>
-              <a:ext uri="{FF2B5EF4-FFF2-40B4-BE49-F238E27FC236}">
-                <a16:creationId xmlns:a16="http://schemas.microsoft.com/office/drawing/2014/main" id="{A9D08DBA-0326-4C4E-ACFB-576F3ABDD2D0}"/>
+    </p:spTree>
+    <p:extLst>
+      <p:ext uri="{BB962C8B-B14F-4D97-AF65-F5344CB8AC3E}">
+        <p14:creationId xmlns:p14="http://schemas.microsoft.com/office/powerpoint/2010/main" val="2574331402"/>
+      </p:ext>
+    </p:extLst>
+  </p:cSld>
+  <p:clrMapOvr>
+    <a:masterClrMapping/>
+  </p:clrMapOvr>
+</p:sld>
+</file>
+
+<file path=ppt/slides/slide16.xml><?xml version="1.0" encoding="utf-8"?>
+<p:sld xmlns:a="http://schemas.openxmlformats.org/drawingml/2006/main" xmlns:r="http://schemas.openxmlformats.org/officeDocument/2006/relationships" xmlns:p="http://schemas.openxmlformats.org/presentationml/2006/main">
+  <p:cSld>
+    <p:bg>
+      <p:bgPr>
+        <a:solidFill>
+          <a:schemeClr val="bg2"/>
+        </a:solidFill>
+        <a:effectLst/>
+      </p:bgPr>
+    </p:bg>
+    <p:spTree>
+      <p:nvGrpSpPr>
+        <p:cNvPr id="1" name=""/>
+        <p:cNvGrpSpPr/>
+        <p:nvPr/>
+      </p:nvGrpSpPr>
+      <p:grpSpPr>
+        <a:xfrm>
+          <a:off x="0" y="0"/>
+          <a:ext cx="0" cy="0"/>
+          <a:chOff x="0" y="0"/>
+          <a:chExt cx="0" cy="0"/>
+        </a:xfrm>
+      </p:grpSpPr>
+      <p:grpSp>
+        <p:nvGrpSpPr>
+          <p:cNvPr id="25" name="Group 24">
+            <a:extLst>
+              <a:ext uri="{FF2B5EF4-FFF2-40B4-BE49-F238E27FC236}">
+                <a16:creationId xmlns:a16="http://schemas.microsoft.com/office/drawing/2014/main" id="{57500303-A207-4812-BEB9-51E132FEB73F}"/>
+              </a:ext>
+              <a:ext uri="{C183D7F6-B498-43B3-948B-1728B52AA6E4}">
+                <adec:decorative xmlns:adec="http://schemas.microsoft.com/office/drawing/2017/decorative" val="1"/>
+              </a:ext>
+            </a:extLst>
+          </p:cNvPr>
+          <p:cNvGrpSpPr>
+            <a:grpSpLocks noGrp="1" noUngrp="1" noRot="1" noChangeAspect="1" noMove="1" noResize="1"/>
+          </p:cNvGrpSpPr>
+          <p:nvPr>
+            <p:extLst>
+              <p:ext uri="{386F3935-93C4-4BCD-93E2-E3B085C9AB24}">
+                <p16:designElem xmlns:p16="http://schemas.microsoft.com/office/powerpoint/2015/main" val="1"/>
+              </p:ext>
+            </p:extLst>
+          </p:nvPr>
+        </p:nvGrpSpPr>
+        <p:grpSpPr>
+          <a:xfrm>
+            <a:off x="752858" y="744469"/>
+            <a:ext cx="10674117" cy="5349671"/>
+            <a:chOff x="752858" y="744469"/>
+            <a:chExt cx="10674117" cy="5349671"/>
+          </a:xfrm>
+        </p:grpSpPr>
+        <p:sp>
+          <p:nvSpPr>
+            <p:cNvPr id="26" name="Freeform 6">
+              <a:extLst>
+                <a:ext uri="{FF2B5EF4-FFF2-40B4-BE49-F238E27FC236}">
+                  <a16:creationId xmlns:a16="http://schemas.microsoft.com/office/drawing/2014/main" id="{10118C91-C025-4776-BE95-E9926378E790}"/>
+                </a:ext>
+                <a:ext uri="{C183D7F6-B498-43B3-948B-1728B52AA6E4}">
+                  <adec:decorative xmlns:adec="http://schemas.microsoft.com/office/drawing/2017/decorative" val="1"/>
+                </a:ext>
+              </a:extLst>
+            </p:cNvPr>
+            <p:cNvSpPr/>
+            <p:nvPr>
+              <p:extLst>
+                <p:ext uri="{386F3935-93C4-4BCD-93E2-E3B085C9AB24}">
+                  <p16:designElem xmlns:p16="http://schemas.microsoft.com/office/powerpoint/2015/main" val="1"/>
+                </p:ext>
+              </p:extLst>
+            </p:nvPr>
+          </p:nvSpPr>
+          <p:spPr bwMode="auto">
+            <a:xfrm>
+              <a:off x="8151962" y="1685652"/>
+              <a:ext cx="3275013" cy="4408488"/>
+            </a:xfrm>
+            <a:custGeom>
+              <a:avLst/>
+              <a:gdLst/>
+              <a:ahLst/>
+              <a:cxnLst/>
+              <a:rect l="l" t="t" r="r" b="b"/>
+              <a:pathLst>
+                <a:path w="10000" h="10000">
+                  <a:moveTo>
+                    <a:pt x="8761" y="0"/>
+                  </a:moveTo>
+                  <a:lnTo>
+                    <a:pt x="10000" y="0"/>
+                  </a:lnTo>
+                  <a:lnTo>
+                    <a:pt x="10000" y="10000"/>
+                  </a:lnTo>
+                  <a:lnTo>
+                    <a:pt x="0" y="10000"/>
+                  </a:lnTo>
+                  <a:lnTo>
+                    <a:pt x="0" y="9126"/>
+                  </a:lnTo>
+                  <a:lnTo>
+                    <a:pt x="8761" y="9127"/>
+                  </a:lnTo>
+                  <a:lnTo>
+                    <a:pt x="8761" y="0"/>
+                  </a:lnTo>
+                  <a:close/>
+                </a:path>
+              </a:pathLst>
+            </a:custGeom>
+            <a:solidFill>
+              <a:schemeClr val="tx2"/>
+            </a:solidFill>
+            <a:ln w="0">
+              <a:noFill/>
+              <a:prstDash val="solid"/>
+              <a:round/>
+              <a:headEnd/>
+              <a:tailEnd/>
+            </a:ln>
+          </p:spPr>
+        </p:sp>
+        <p:sp>
+          <p:nvSpPr>
+            <p:cNvPr id="27" name="Freeform 6">
+              <a:extLst>
+                <a:ext uri="{FF2B5EF4-FFF2-40B4-BE49-F238E27FC236}">
+                  <a16:creationId xmlns:a16="http://schemas.microsoft.com/office/drawing/2014/main" id="{339174D0-30E8-4BBF-BF81-5DDAC33C0C0E}"/>
+                </a:ext>
+                <a:ext uri="{C183D7F6-B498-43B3-948B-1728B52AA6E4}">
+                  <adec:decorative xmlns:adec="http://schemas.microsoft.com/office/drawing/2017/decorative" val="1"/>
+                </a:ext>
+              </a:extLst>
+            </p:cNvPr>
+            <p:cNvSpPr/>
+            <p:nvPr>
+              <p:extLst>
+                <p:ext uri="{386F3935-93C4-4BCD-93E2-E3B085C9AB24}">
+                  <p16:designElem xmlns:p16="http://schemas.microsoft.com/office/powerpoint/2015/main" val="1"/>
+                </p:ext>
+              </p:extLst>
+            </p:nvPr>
+          </p:nvSpPr>
+          <p:spPr bwMode="auto">
+            <a:xfrm flipH="1" flipV="1">
+              <a:off x="752858" y="744469"/>
+              <a:ext cx="3275668" cy="4408488"/>
+            </a:xfrm>
+            <a:custGeom>
+              <a:avLst/>
+              <a:gdLst/>
+              <a:ahLst/>
+              <a:cxnLst/>
+              <a:rect l="l" t="t" r="r" b="b"/>
+              <a:pathLst>
+                <a:path w="10002" h="10000">
+                  <a:moveTo>
+                    <a:pt x="8763" y="0"/>
+                  </a:moveTo>
+                  <a:lnTo>
+                    <a:pt x="10002" y="0"/>
+                  </a:lnTo>
+                  <a:lnTo>
+                    <a:pt x="10002" y="10000"/>
+                  </a:lnTo>
+                  <a:lnTo>
+                    <a:pt x="2" y="10000"/>
+                  </a:lnTo>
+                  <a:cubicBezTo>
+                    <a:pt x="-2" y="9698"/>
+                    <a:pt x="4" y="9427"/>
+                    <a:pt x="0" y="9125"/>
+                  </a:cubicBezTo>
+                  <a:lnTo>
+                    <a:pt x="8763" y="9128"/>
+                  </a:lnTo>
+                  <a:lnTo>
+                    <a:pt x="8763" y="0"/>
+                  </a:lnTo>
+                  <a:close/>
+                </a:path>
+              </a:pathLst>
+            </a:custGeom>
+            <a:solidFill>
+              <a:schemeClr val="tx2"/>
+            </a:solidFill>
+            <a:ln w="0">
+              <a:noFill/>
+              <a:prstDash val="solid"/>
+              <a:round/>
+              <a:headEnd/>
+              <a:tailEnd/>
+            </a:ln>
+          </p:spPr>
+        </p:sp>
+      </p:grpSp>
+      <p:sp useBgFill="1">
+        <p:nvSpPr>
+          <p:cNvPr id="29" name="Rectangle 28">
+            <a:extLst>
+              <a:ext uri="{FF2B5EF4-FFF2-40B4-BE49-F238E27FC236}">
+                <a16:creationId xmlns:a16="http://schemas.microsoft.com/office/drawing/2014/main" id="{78511CAE-6AAD-4026-90B0-6917258C1C7E}"/>
+              </a:ext>
+              <a:ext uri="{C183D7F6-B498-43B3-948B-1728B52AA6E4}">
+                <adec:decorative xmlns:adec="http://schemas.microsoft.com/office/drawing/2017/decorative" val="1"/>
+              </a:ext>
+            </a:extLst>
+          </p:cNvPr>
+          <p:cNvSpPr>
+            <a:spLocks noGrp="1" noRot="1" noChangeAspect="1" noMove="1" noResize="1" noEditPoints="1" noAdjustHandles="1" noChangeArrowheads="1" noChangeShapeType="1" noTextEdit="1"/>
+          </p:cNvSpPr>
+          <p:nvPr>
+            <p:extLst>
+              <p:ext uri="{386F3935-93C4-4BCD-93E2-E3B085C9AB24}">
+                <p16:designElem xmlns:p16="http://schemas.microsoft.com/office/powerpoint/2015/main" val="1"/>
+              </p:ext>
+            </p:extLst>
+          </p:nvPr>
+        </p:nvSpPr>
+        <p:spPr>
+          <a:xfrm>
+            <a:off x="0" y="0"/>
+            <a:ext cx="12192000" cy="6858000"/>
+          </a:xfrm>
+          <a:prstGeom prst="rect">
+            <a:avLst/>
+          </a:prstGeom>
+          <a:ln>
+            <a:noFill/>
+          </a:ln>
+        </p:spPr>
+        <p:style>
+          <a:lnRef idx="2">
+            <a:schemeClr val="accent1">
+              <a:shade val="50000"/>
+            </a:schemeClr>
+          </a:lnRef>
+          <a:fillRef idx="1001">
+            <a:schemeClr val="lt2"/>
+          </a:fillRef>
+          <a:effectRef idx="0">
+            <a:schemeClr val="accent1"/>
+          </a:effectRef>
+          <a:fontRef idx="minor">
+            <a:schemeClr val="lt1"/>
+          </a:fontRef>
+        </p:style>
+        <p:txBody>
+          <a:bodyPr rtlCol="0" anchor="ctr"/>
+          <a:lstStyle/>
+          <a:p>
+            <a:pPr algn="ctr"/>
+            <a:endParaRPr lang="en-US"/>
+          </a:p>
+        </p:txBody>
+      </p:sp>
+      <p:sp>
+        <p:nvSpPr>
+          <p:cNvPr id="2" name="Title 1">
+            <a:extLst>
+              <a:ext uri="{FF2B5EF4-FFF2-40B4-BE49-F238E27FC236}">
+                <a16:creationId xmlns:a16="http://schemas.microsoft.com/office/drawing/2014/main" id="{F3735DDB-B53E-4E50-A5FB-C548B8ED3623}"/>
+              </a:ext>
+            </a:extLst>
+          </p:cNvPr>
+          <p:cNvSpPr>
+            <a:spLocks noGrp="1"/>
+          </p:cNvSpPr>
+          <p:nvPr>
+            <p:ph type="title"/>
+          </p:nvPr>
+        </p:nvSpPr>
+        <p:spPr>
+          <a:xfrm>
+            <a:off x="8154186" y="634028"/>
+            <a:ext cx="3355942" cy="3732835"/>
+          </a:xfrm>
+        </p:spPr>
+        <p:txBody>
+          <a:bodyPr vert="horz" lIns="91440" tIns="45720" rIns="91440" bIns="45720" rtlCol="0" anchor="b">
+            <a:normAutofit/>
+          </a:bodyPr>
+          <a:lstStyle/>
+          <a:p>
+            <a:pPr algn="ctr"/>
+            <a:br>
+              <a:rPr lang="en-US" sz="6000" cap="all"/>
+            </a:br>
+            <a:endParaRPr lang="en-US" sz="6000" cap="all"/>
+          </a:p>
+        </p:txBody>
+      </p:sp>
+      <p:sp>
+        <p:nvSpPr>
+          <p:cNvPr id="3" name="Content Placeholder 2">
+            <a:extLst>
+              <a:ext uri="{FF2B5EF4-FFF2-40B4-BE49-F238E27FC236}">
+                <a16:creationId xmlns:a16="http://schemas.microsoft.com/office/drawing/2014/main" id="{C96BB18A-A9BF-4AE7-BAC2-776053190F93}"/>
+              </a:ext>
+            </a:extLst>
+          </p:cNvPr>
+          <p:cNvSpPr>
+            <a:spLocks noGrp="1"/>
+          </p:cNvSpPr>
+          <p:nvPr>
+            <p:ph idx="1"/>
+          </p:nvPr>
+        </p:nvSpPr>
+        <p:spPr>
+          <a:xfrm>
+            <a:off x="8154186" y="4436462"/>
+            <a:ext cx="3355942" cy="1794656"/>
+          </a:xfrm>
+        </p:spPr>
+        <p:txBody>
+          <a:bodyPr vert="horz" lIns="91440" tIns="45720" rIns="91440" bIns="45720" rtlCol="0">
+            <a:normAutofit/>
+          </a:bodyPr>
+          <a:lstStyle/>
+          <a:p>
+            <a:pPr marL="0" indent="0" algn="ctr">
+              <a:lnSpc>
+                <a:spcPct val="112000"/>
+              </a:lnSpc>
+              <a:spcBef>
+                <a:spcPts val="0"/>
+              </a:spcBef>
+              <a:spcAft>
+                <a:spcPts val="600"/>
+              </a:spcAft>
+              <a:buNone/>
+            </a:pPr>
+            <a:r>
+              <a:rPr lang="en-US" sz="2300" b="1"/>
+              <a:t>THANKS</a:t>
+            </a:r>
+          </a:p>
+        </p:txBody>
+      </p:sp>
+      <p:sp>
+        <p:nvSpPr>
+          <p:cNvPr id="31" name="Freeform 6">
+            <a:extLst>
+              <a:ext uri="{FF2B5EF4-FFF2-40B4-BE49-F238E27FC236}">
+                <a16:creationId xmlns:a16="http://schemas.microsoft.com/office/drawing/2014/main" id="{7388763A-4025-4433-A72C-457FC3763E58}"/>
+              </a:ext>
+              <a:ext uri="{C183D7F6-B498-43B3-948B-1728B52AA6E4}">
+                <adec:decorative xmlns:adec="http://schemas.microsoft.com/office/drawing/2017/decorative" val="1"/>
+              </a:ext>
+            </a:extLst>
+          </p:cNvPr>
+          <p:cNvSpPr>
+            <a:spLocks noGrp="1" noRot="1" noChangeAspect="1" noMove="1" noResize="1" noEditPoints="1" noAdjustHandles="1" noChangeArrowheads="1" noChangeShapeType="1" noTextEdit="1"/>
+          </p:cNvSpPr>
+          <p:nvPr>
+            <p:extLst>
+              <p:ext uri="{386F3935-93C4-4BCD-93E2-E3B085C9AB24}">
+                <p16:designElem xmlns:p16="http://schemas.microsoft.com/office/powerpoint/2015/main" val="1"/>
+              </p:ext>
+            </p:extLst>
+          </p:nvPr>
+        </p:nvSpPr>
+        <p:spPr bwMode="auto">
+          <a:xfrm flipH="1" flipV="1">
+            <a:off x="649163" y="634028"/>
+            <a:ext cx="3275668" cy="4408488"/>
+          </a:xfrm>
+          <a:custGeom>
+            <a:avLst/>
+            <a:gdLst/>
+            <a:ahLst/>
+            <a:cxnLst/>
+            <a:rect l="l" t="t" r="r" b="b"/>
+            <a:pathLst>
+              <a:path w="10002" h="10000">
+                <a:moveTo>
+                  <a:pt x="8763" y="0"/>
+                </a:moveTo>
+                <a:lnTo>
+                  <a:pt x="10002" y="0"/>
+                </a:lnTo>
+                <a:lnTo>
+                  <a:pt x="10002" y="10000"/>
+                </a:lnTo>
+                <a:lnTo>
+                  <a:pt x="2" y="10000"/>
+                </a:lnTo>
+                <a:cubicBezTo>
+                  <a:pt x="-2" y="9698"/>
+                  <a:pt x="4" y="9427"/>
+                  <a:pt x="0" y="9125"/>
+                </a:cubicBezTo>
+                <a:lnTo>
+                  <a:pt x="8763" y="9128"/>
+                </a:lnTo>
+                <a:lnTo>
+                  <a:pt x="8763" y="0"/>
+                </a:lnTo>
+                <a:close/>
+              </a:path>
+            </a:pathLst>
+          </a:custGeom>
+          <a:solidFill>
+            <a:schemeClr val="tx2"/>
+          </a:solidFill>
+          <a:ln w="0">
+            <a:noFill/>
+            <a:prstDash val="solid"/>
+            <a:round/>
+            <a:headEnd/>
+            <a:tailEnd/>
+          </a:ln>
+        </p:spPr>
+      </p:sp>
+      <p:pic>
+        <p:nvPicPr>
+          <p:cNvPr id="7" name="Graphic 6">
+            <a:extLst>
+              <a:ext uri="{FF2B5EF4-FFF2-40B4-BE49-F238E27FC236}">
+                <a16:creationId xmlns:a16="http://schemas.microsoft.com/office/drawing/2014/main" id="{9BE8F7AB-5204-4F25-B0A4-63203AB5D424}"/>
+              </a:ext>
+            </a:extLst>
+          </p:cNvPr>
+          <p:cNvPicPr>
+            <a:picLocks noChangeAspect="1"/>
+          </p:cNvPicPr>
+          <p:nvPr/>
+        </p:nvPicPr>
+        <p:blipFill>
+          <a:blip r:embed="rId2">
+            <a:extLst>
+              <a:ext uri="{96DAC541-7B7A-43D3-8B79-37D633B846F1}">
+                <asvg:svgBlip xmlns:asvg="http://schemas.microsoft.com/office/drawing/2016/SVG/main" r:embed="rId3"/>
+              </a:ext>
+            </a:extLst>
+          </a:blip>
+          <a:stretch>
+            <a:fillRect/>
+          </a:stretch>
+        </p:blipFill>
+        <p:spPr>
+          <a:xfrm>
+            <a:off x="1382011" y="1340840"/>
+            <a:ext cx="2743200" cy="2743200"/>
+          </a:xfrm>
+          <a:prstGeom prst="rect">
+            <a:avLst/>
+          </a:prstGeom>
+        </p:spPr>
+      </p:pic>
+      <p:pic>
+        <p:nvPicPr>
+          <p:cNvPr id="4" name="Picture 3" descr="A group of people posing for the camera&#10;&#10;Description automatically generated">
+            <a:extLst>
+              <a:ext uri="{FF2B5EF4-FFF2-40B4-BE49-F238E27FC236}">
+                <a16:creationId xmlns:a16="http://schemas.microsoft.com/office/drawing/2014/main" id="{36825A4C-581A-4D7F-9485-66C6237D8B52}"/>
+              </a:ext>
+            </a:extLst>
+          </p:cNvPr>
+          <p:cNvPicPr>
+            <a:picLocks noChangeAspect="1"/>
+          </p:cNvPicPr>
+          <p:nvPr/>
+        </p:nvPicPr>
+        <p:blipFill>
+          <a:blip r:embed="rId4"/>
+          <a:stretch>
+            <a:fillRect/>
+          </a:stretch>
+        </p:blipFill>
+        <p:spPr>
+          <a:xfrm>
+            <a:off x="4289068" y="3083566"/>
+            <a:ext cx="2749177" cy="2522369"/>
+          </a:xfrm>
+          <a:prstGeom prst="rect">
+            <a:avLst/>
+          </a:prstGeom>
+        </p:spPr>
+      </p:pic>
+      <p:sp>
+        <p:nvSpPr>
+          <p:cNvPr id="33" name="Freeform 6">
+            <a:extLst>
+              <a:ext uri="{FF2B5EF4-FFF2-40B4-BE49-F238E27FC236}">
+                <a16:creationId xmlns:a16="http://schemas.microsoft.com/office/drawing/2014/main" id="{8A2DFE20-1EAE-45A9-AD16-D4DBD0ABBBC7}"/>
               </a:ext>
               <a:ext uri="{C183D7F6-B498-43B3-948B-1728B52AA6E4}">
                 <adec:decorative xmlns:adec="http://schemas.microsoft.com/office/drawing/2017/decorative" val="1"/>
@@ -6059,42 +6734,6 @@
           </a:ln>
         </p:spPr>
       </p:sp>
-      <p:pic>
-        <p:nvPicPr>
-          <p:cNvPr id="7" name="Graphic 6">
-            <a:extLst>
-              <a:ext uri="{FF2B5EF4-FFF2-40B4-BE49-F238E27FC236}">
-                <a16:creationId xmlns:a16="http://schemas.microsoft.com/office/drawing/2014/main" id="{9BE8F7AB-5204-4F25-B0A4-63203AB5D424}"/>
-              </a:ext>
-            </a:extLst>
-          </p:cNvPr>
-          <p:cNvPicPr>
-            <a:picLocks noChangeAspect="1"/>
-          </p:cNvPicPr>
-          <p:nvPr/>
-        </p:nvPicPr>
-        <p:blipFill>
-          <a:blip r:embed="rId2">
-            <a:extLst>
-              <a:ext uri="{96DAC541-7B7A-43D3-8B79-37D633B846F1}">
-                <asvg:svgBlip xmlns:asvg="http://schemas.microsoft.com/office/drawing/2016/SVG/main" r:embed="rId3"/>
-              </a:ext>
-            </a:extLst>
-          </a:blip>
-          <a:stretch>
-            <a:fillRect/>
-          </a:stretch>
-        </p:blipFill>
-        <p:spPr>
-          <a:xfrm>
-            <a:off x="2020879" y="1340841"/>
-            <a:ext cx="4375510" cy="4375510"/>
-          </a:xfrm>
-          <a:prstGeom prst="rect">
-            <a:avLst/>
-          </a:prstGeom>
-        </p:spPr>
-      </p:pic>
     </p:spTree>
     <p:extLst>
       <p:ext uri="{BB962C8B-B14F-4D97-AF65-F5344CB8AC3E}">
@@ -6539,7 +7178,7 @@
         </p:blipFill>
         <p:spPr>
           <a:xfrm>
-            <a:off x="4826926" y="1857824"/>
+            <a:off x="4863345" y="1942138"/>
             <a:ext cx="1364146" cy="871538"/>
           </a:xfrm>
           <a:prstGeom prst="rect">
@@ -6569,7 +7208,7 @@
         </p:blipFill>
         <p:spPr>
           <a:xfrm>
-            <a:off x="4840101" y="2680370"/>
+            <a:off x="4892383" y="2890057"/>
             <a:ext cx="1364146" cy="871538"/>
           </a:xfrm>
           <a:prstGeom prst="rect">
@@ -6599,7 +7238,7 @@
         </p:blipFill>
         <p:spPr>
           <a:xfrm>
-            <a:off x="4840101" y="3709697"/>
+            <a:off x="4888125" y="3794011"/>
             <a:ext cx="1364146" cy="871538"/>
           </a:xfrm>
           <a:prstGeom prst="rect">
@@ -6629,7 +7268,7 @@
         </p:blipFill>
         <p:spPr>
           <a:xfrm>
-            <a:off x="5078982" y="4844516"/>
+            <a:off x="5209616" y="5199137"/>
             <a:ext cx="886384" cy="734163"/>
           </a:xfrm>
           <a:prstGeom prst="rect">
@@ -6723,7 +7362,7 @@
         </p:blipFill>
         <p:spPr>
           <a:xfrm>
-            <a:off x="3682885" y="3899708"/>
+            <a:off x="3230030" y="4025995"/>
             <a:ext cx="1314633" cy="285790"/>
           </a:xfrm>
           <a:prstGeom prst="rect">
@@ -6851,6 +7490,416 @@
           </a:p>
         </p:txBody>
       </p:sp>
+      <p:pic>
+        <p:nvPicPr>
+          <p:cNvPr id="21" name="Google Shape;83;p15">
+            <a:extLst>
+              <a:ext uri="{FF2B5EF4-FFF2-40B4-BE49-F238E27FC236}">
+                <a16:creationId xmlns:a16="http://schemas.microsoft.com/office/drawing/2014/main" id="{0D5598CE-A0FA-46FE-8AFD-F4E2E6307BA9}"/>
+              </a:ext>
+            </a:extLst>
+          </p:cNvPr>
+          <p:cNvPicPr preferRelativeResize="0"/>
+          <p:nvPr/>
+        </p:nvPicPr>
+        <p:blipFill>
+          <a:blip r:embed="rId4">
+            <a:alphaModFix/>
+          </a:blip>
+          <a:stretch>
+            <a:fillRect/>
+          </a:stretch>
+        </p:blipFill>
+        <p:spPr>
+          <a:xfrm rot="10800000" flipH="1">
+            <a:off x="2128930" y="3098753"/>
+            <a:ext cx="414702" cy="414678"/>
+          </a:xfrm>
+          <a:prstGeom prst="rect">
+            <a:avLst/>
+          </a:prstGeom>
+          <a:noFill/>
+          <a:ln>
+            <a:noFill/>
+          </a:ln>
+          <a:effectLst>
+            <a:outerShdw blurRad="57150" dist="19050" dir="5400000" algn="bl" rotWithShape="0">
+              <a:srgbClr val="000000">
+                <a:alpha val="50000"/>
+              </a:srgbClr>
+            </a:outerShdw>
+          </a:effectLst>
+        </p:spPr>
+      </p:pic>
+      <p:pic>
+        <p:nvPicPr>
+          <p:cNvPr id="24" name="Google Shape;83;p15">
+            <a:extLst>
+              <a:ext uri="{FF2B5EF4-FFF2-40B4-BE49-F238E27FC236}">
+                <a16:creationId xmlns:a16="http://schemas.microsoft.com/office/drawing/2014/main" id="{6D478D57-9C9A-43A6-B666-36D269F494BA}"/>
+              </a:ext>
+            </a:extLst>
+          </p:cNvPr>
+          <p:cNvPicPr preferRelativeResize="0"/>
+          <p:nvPr/>
+        </p:nvPicPr>
+        <p:blipFill>
+          <a:blip r:embed="rId4">
+            <a:alphaModFix/>
+          </a:blip>
+          <a:stretch>
+            <a:fillRect/>
+          </a:stretch>
+        </p:blipFill>
+        <p:spPr>
+          <a:xfrm rot="10800000" flipH="1">
+            <a:off x="3370036" y="3137158"/>
+            <a:ext cx="414702" cy="414678"/>
+          </a:xfrm>
+          <a:prstGeom prst="rect">
+            <a:avLst/>
+          </a:prstGeom>
+          <a:noFill/>
+          <a:ln>
+            <a:noFill/>
+          </a:ln>
+          <a:effectLst>
+            <a:outerShdw blurRad="57150" dist="19050" dir="5400000" algn="bl" rotWithShape="0">
+              <a:srgbClr val="000000">
+                <a:alpha val="50000"/>
+              </a:srgbClr>
+            </a:outerShdw>
+          </a:effectLst>
+        </p:spPr>
+      </p:pic>
+      <p:pic>
+        <p:nvPicPr>
+          <p:cNvPr id="25" name="Google Shape;83;p15">
+            <a:extLst>
+              <a:ext uri="{FF2B5EF4-FFF2-40B4-BE49-F238E27FC236}">
+                <a16:creationId xmlns:a16="http://schemas.microsoft.com/office/drawing/2014/main" id="{A8FA5886-4C0B-4056-AA1C-B9311C9FF601}"/>
+              </a:ext>
+            </a:extLst>
+          </p:cNvPr>
+          <p:cNvPicPr preferRelativeResize="0"/>
+          <p:nvPr/>
+        </p:nvPicPr>
+        <p:blipFill>
+          <a:blip r:embed="rId4">
+            <a:alphaModFix/>
+          </a:blip>
+          <a:stretch>
+            <a:fillRect/>
+          </a:stretch>
+        </p:blipFill>
+        <p:spPr>
+          <a:xfrm rot="8531438" flipH="1">
+            <a:off x="4638304" y="2582896"/>
+            <a:ext cx="414702" cy="414678"/>
+          </a:xfrm>
+          <a:prstGeom prst="rect">
+            <a:avLst/>
+          </a:prstGeom>
+          <a:noFill/>
+          <a:ln>
+            <a:noFill/>
+          </a:ln>
+          <a:effectLst>
+            <a:outerShdw blurRad="57150" dist="19050" dir="5400000" algn="bl" rotWithShape="0">
+              <a:srgbClr val="000000">
+                <a:alpha val="50000"/>
+              </a:srgbClr>
+            </a:outerShdw>
+          </a:effectLst>
+        </p:spPr>
+      </p:pic>
+      <p:pic>
+        <p:nvPicPr>
+          <p:cNvPr id="28" name="Google Shape;83;p15">
+            <a:extLst>
+              <a:ext uri="{FF2B5EF4-FFF2-40B4-BE49-F238E27FC236}">
+                <a16:creationId xmlns:a16="http://schemas.microsoft.com/office/drawing/2014/main" id="{1BB21787-A0D3-4C08-BE86-C2266202D71F}"/>
+              </a:ext>
+            </a:extLst>
+          </p:cNvPr>
+          <p:cNvPicPr preferRelativeResize="0"/>
+          <p:nvPr/>
+        </p:nvPicPr>
+        <p:blipFill>
+          <a:blip r:embed="rId4">
+            <a:alphaModFix/>
+          </a:blip>
+          <a:stretch>
+            <a:fillRect/>
+          </a:stretch>
+        </p:blipFill>
+        <p:spPr>
+          <a:xfrm rot="10800000" flipH="1">
+            <a:off x="4764603" y="3178460"/>
+            <a:ext cx="414702" cy="414678"/>
+          </a:xfrm>
+          <a:prstGeom prst="rect">
+            <a:avLst/>
+          </a:prstGeom>
+          <a:noFill/>
+          <a:ln>
+            <a:noFill/>
+          </a:ln>
+          <a:effectLst>
+            <a:outerShdw blurRad="57150" dist="19050" dir="5400000" algn="bl" rotWithShape="0">
+              <a:srgbClr val="000000">
+                <a:alpha val="50000"/>
+              </a:srgbClr>
+            </a:outerShdw>
+          </a:effectLst>
+        </p:spPr>
+      </p:pic>
+      <p:pic>
+        <p:nvPicPr>
+          <p:cNvPr id="29" name="Google Shape;83;p15">
+            <a:extLst>
+              <a:ext uri="{FF2B5EF4-FFF2-40B4-BE49-F238E27FC236}">
+                <a16:creationId xmlns:a16="http://schemas.microsoft.com/office/drawing/2014/main" id="{94CEE992-BCAE-4D9F-B038-906F324AF807}"/>
+              </a:ext>
+            </a:extLst>
+          </p:cNvPr>
+          <p:cNvPicPr preferRelativeResize="0"/>
+          <p:nvPr/>
+        </p:nvPicPr>
+        <p:blipFill>
+          <a:blip r:embed="rId4">
+            <a:alphaModFix/>
+          </a:blip>
+          <a:stretch>
+            <a:fillRect/>
+          </a:stretch>
+        </p:blipFill>
+        <p:spPr>
+          <a:xfrm rot="13511935" flipH="1">
+            <a:off x="4712618" y="3645133"/>
+            <a:ext cx="414702" cy="414678"/>
+          </a:xfrm>
+          <a:prstGeom prst="rect">
+            <a:avLst/>
+          </a:prstGeom>
+          <a:noFill/>
+          <a:ln>
+            <a:noFill/>
+          </a:ln>
+          <a:effectLst>
+            <a:outerShdw blurRad="57150" dist="19050" dir="5400000" algn="bl" rotWithShape="0">
+              <a:srgbClr val="000000">
+                <a:alpha val="50000"/>
+              </a:srgbClr>
+            </a:outerShdw>
+          </a:effectLst>
+        </p:spPr>
+      </p:pic>
+      <p:pic>
+        <p:nvPicPr>
+          <p:cNvPr id="30" name="Google Shape;83;p15">
+            <a:extLst>
+              <a:ext uri="{FF2B5EF4-FFF2-40B4-BE49-F238E27FC236}">
+                <a16:creationId xmlns:a16="http://schemas.microsoft.com/office/drawing/2014/main" id="{60E1106E-209A-4CF9-9315-4EE39FA8DCBB}"/>
+              </a:ext>
+            </a:extLst>
+          </p:cNvPr>
+          <p:cNvPicPr preferRelativeResize="0"/>
+          <p:nvPr/>
+        </p:nvPicPr>
+        <p:blipFill>
+          <a:blip r:embed="rId4">
+            <a:alphaModFix/>
+          </a:blip>
+          <a:stretch>
+            <a:fillRect/>
+          </a:stretch>
+        </p:blipFill>
+        <p:spPr>
+          <a:xfrm rot="13004830" flipH="1">
+            <a:off x="6084629" y="2398753"/>
+            <a:ext cx="414702" cy="414678"/>
+          </a:xfrm>
+          <a:prstGeom prst="rect">
+            <a:avLst/>
+          </a:prstGeom>
+          <a:noFill/>
+          <a:ln>
+            <a:noFill/>
+          </a:ln>
+          <a:effectLst>
+            <a:outerShdw blurRad="57150" dist="19050" dir="5400000" algn="bl" rotWithShape="0">
+              <a:srgbClr val="000000">
+                <a:alpha val="50000"/>
+              </a:srgbClr>
+            </a:outerShdw>
+          </a:effectLst>
+        </p:spPr>
+      </p:pic>
+      <p:pic>
+        <p:nvPicPr>
+          <p:cNvPr id="32" name="Google Shape;83;p15">
+            <a:extLst>
+              <a:ext uri="{FF2B5EF4-FFF2-40B4-BE49-F238E27FC236}">
+                <a16:creationId xmlns:a16="http://schemas.microsoft.com/office/drawing/2014/main" id="{95086EF3-36B9-4223-9B6A-4A4238D76EBD}"/>
+              </a:ext>
+            </a:extLst>
+          </p:cNvPr>
+          <p:cNvPicPr preferRelativeResize="0"/>
+          <p:nvPr/>
+        </p:nvPicPr>
+        <p:blipFill>
+          <a:blip r:embed="rId4">
+            <a:alphaModFix/>
+          </a:blip>
+          <a:stretch>
+            <a:fillRect/>
+          </a:stretch>
+        </p:blipFill>
+        <p:spPr>
+          <a:xfrm rot="10800000" flipH="1">
+            <a:off x="5971756" y="3137158"/>
+            <a:ext cx="414702" cy="414678"/>
+          </a:xfrm>
+          <a:prstGeom prst="rect">
+            <a:avLst/>
+          </a:prstGeom>
+          <a:noFill/>
+          <a:ln>
+            <a:noFill/>
+          </a:ln>
+          <a:effectLst>
+            <a:outerShdw blurRad="57150" dist="19050" dir="5400000" algn="bl" rotWithShape="0">
+              <a:srgbClr val="000000">
+                <a:alpha val="50000"/>
+              </a:srgbClr>
+            </a:outerShdw>
+          </a:effectLst>
+        </p:spPr>
+      </p:pic>
+      <p:pic>
+        <p:nvPicPr>
+          <p:cNvPr id="34" name="Google Shape;83;p15">
+            <a:extLst>
+              <a:ext uri="{FF2B5EF4-FFF2-40B4-BE49-F238E27FC236}">
+                <a16:creationId xmlns:a16="http://schemas.microsoft.com/office/drawing/2014/main" id="{E99E2574-8594-43EB-885F-86DDFD3F0546}"/>
+              </a:ext>
+            </a:extLst>
+          </p:cNvPr>
+          <p:cNvPicPr preferRelativeResize="0"/>
+          <p:nvPr/>
+        </p:nvPicPr>
+        <p:blipFill>
+          <a:blip r:embed="rId4">
+            <a:alphaModFix/>
+          </a:blip>
+          <a:stretch>
+            <a:fillRect/>
+          </a:stretch>
+        </p:blipFill>
+        <p:spPr>
+          <a:xfrm rot="8920432" flipH="1">
+            <a:off x="6020140" y="3954649"/>
+            <a:ext cx="414702" cy="414678"/>
+          </a:xfrm>
+          <a:prstGeom prst="rect">
+            <a:avLst/>
+          </a:prstGeom>
+          <a:noFill/>
+          <a:ln>
+            <a:noFill/>
+          </a:ln>
+          <a:effectLst>
+            <a:outerShdw blurRad="57150" dist="19050" dir="5400000" algn="bl" rotWithShape="0">
+              <a:srgbClr val="000000">
+                <a:alpha val="50000"/>
+              </a:srgbClr>
+            </a:outerShdw>
+          </a:effectLst>
+        </p:spPr>
+      </p:pic>
+      <p:pic>
+        <p:nvPicPr>
+          <p:cNvPr id="39" name="Google Shape;83;p15">
+            <a:extLst>
+              <a:ext uri="{FF2B5EF4-FFF2-40B4-BE49-F238E27FC236}">
+                <a16:creationId xmlns:a16="http://schemas.microsoft.com/office/drawing/2014/main" id="{475BBE58-7AC8-49A0-951C-6D481A39BBB4}"/>
+              </a:ext>
+            </a:extLst>
+          </p:cNvPr>
+          <p:cNvPicPr preferRelativeResize="0"/>
+          <p:nvPr/>
+        </p:nvPicPr>
+        <p:blipFill>
+          <a:blip r:embed="rId4">
+            <a:alphaModFix/>
+          </a:blip>
+          <a:stretch>
+            <a:fillRect/>
+          </a:stretch>
+        </p:blipFill>
+        <p:spPr>
+          <a:xfrm rot="5246187" flipH="1">
+            <a:off x="5518813" y="4688367"/>
+            <a:ext cx="414702" cy="414678"/>
+          </a:xfrm>
+          <a:prstGeom prst="rect">
+            <a:avLst/>
+          </a:prstGeom>
+          <a:noFill/>
+          <a:ln>
+            <a:noFill/>
+          </a:ln>
+          <a:effectLst>
+            <a:outerShdw blurRad="57150" dist="19050" dir="5400000" algn="bl" rotWithShape="0">
+              <a:srgbClr val="000000">
+                <a:alpha val="50000"/>
+              </a:srgbClr>
+            </a:outerShdw>
+          </a:effectLst>
+        </p:spPr>
+      </p:pic>
+      <p:pic>
+        <p:nvPicPr>
+          <p:cNvPr id="40" name="Google Shape;83;p15">
+            <a:extLst>
+              <a:ext uri="{FF2B5EF4-FFF2-40B4-BE49-F238E27FC236}">
+                <a16:creationId xmlns:a16="http://schemas.microsoft.com/office/drawing/2014/main" id="{4777EB39-881B-4874-BDE9-E1ECDDA5193B}"/>
+              </a:ext>
+            </a:extLst>
+          </p:cNvPr>
+          <p:cNvPicPr preferRelativeResize="0"/>
+          <p:nvPr/>
+        </p:nvPicPr>
+        <p:blipFill>
+          <a:blip r:embed="rId4">
+            <a:alphaModFix/>
+          </a:blip>
+          <a:stretch>
+            <a:fillRect/>
+          </a:stretch>
+        </p:blipFill>
+        <p:spPr>
+          <a:xfrm rot="16046187" flipH="1">
+            <a:off x="5212099" y="4702532"/>
+            <a:ext cx="414702" cy="414678"/>
+          </a:xfrm>
+          <a:prstGeom prst="rect">
+            <a:avLst/>
+          </a:prstGeom>
+          <a:noFill/>
+          <a:ln>
+            <a:noFill/>
+          </a:ln>
+          <a:effectLst>
+            <a:outerShdw blurRad="57150" dist="19050" dir="5400000" algn="bl" rotWithShape="0">
+              <a:srgbClr val="000000">
+                <a:alpha val="50000"/>
+              </a:srgbClr>
+            </a:outerShdw>
+          </a:effectLst>
+        </p:spPr>
+      </p:pic>
     </p:spTree>
     <p:extLst>
       <p:ext uri="{BB962C8B-B14F-4D97-AF65-F5344CB8AC3E}">

--- a/Data Analysis & Visualisations of IPL.pptx
+++ b/Data Analysis & Visualisations of IPL.pptx
@@ -4305,7 +4305,7 @@
         </p:nvSpPr>
         <p:spPr>
           <a:xfrm>
-            <a:off x="8387533" y="2315362"/>
+            <a:off x="8337199" y="1438442"/>
             <a:ext cx="3608724" cy="2827090"/>
           </a:xfrm>
         </p:spPr>
@@ -4429,6 +4429,260 @@
           </a:ln>
         </p:spPr>
       </p:sp>
+      <p:sp>
+        <p:nvSpPr>
+          <p:cNvPr id="2" name="Rectangle 1">
+            <a:extLst>
+              <a:ext uri="{FF2B5EF4-FFF2-40B4-BE49-F238E27FC236}">
+                <a16:creationId xmlns:a16="http://schemas.microsoft.com/office/drawing/2014/main" id="{D17A9237-1FE6-413D-A594-FB45533D8B9A}"/>
+              </a:ext>
+            </a:extLst>
+          </p:cNvPr>
+          <p:cNvSpPr/>
+          <p:nvPr/>
+        </p:nvSpPr>
+        <p:spPr>
+          <a:xfrm>
+            <a:off x="7983434" y="3781561"/>
+            <a:ext cx="3447929" cy="548528"/>
+          </a:xfrm>
+          <a:prstGeom prst="rect">
+            <a:avLst/>
+          </a:prstGeom>
+          <a:ln>
+            <a:solidFill>
+              <a:schemeClr val="tx1"/>
+            </a:solidFill>
+          </a:ln>
+        </p:spPr>
+        <p:style>
+          <a:lnRef idx="2">
+            <a:schemeClr val="accent1">
+              <a:shade val="50000"/>
+            </a:schemeClr>
+          </a:lnRef>
+          <a:fillRef idx="1">
+            <a:schemeClr val="accent1"/>
+          </a:fillRef>
+          <a:effectRef idx="0">
+            <a:schemeClr val="accent1"/>
+          </a:effectRef>
+          <a:fontRef idx="minor">
+            <a:schemeClr val="lt1"/>
+          </a:fontRef>
+        </p:style>
+        <p:txBody>
+          <a:bodyPr rtlCol="0" anchor="ctr"/>
+          <a:lstStyle/>
+          <a:p>
+            <a:pPr algn="ctr"/>
+            <a:r>
+              <a:rPr lang="en-IN" dirty="0"/>
+              <a:t>Load Balancer</a:t>
+            </a:r>
+          </a:p>
+        </p:txBody>
+      </p:sp>
+      <p:sp>
+        <p:nvSpPr>
+          <p:cNvPr id="3" name="Oval 2">
+            <a:extLst>
+              <a:ext uri="{FF2B5EF4-FFF2-40B4-BE49-F238E27FC236}">
+                <a16:creationId xmlns:a16="http://schemas.microsoft.com/office/drawing/2014/main" id="{27D46658-D21D-4A0F-9261-3C42E2F48DED}"/>
+              </a:ext>
+            </a:extLst>
+          </p:cNvPr>
+          <p:cNvSpPr/>
+          <p:nvPr/>
+        </p:nvSpPr>
+        <p:spPr>
+          <a:xfrm>
+            <a:off x="7255019" y="5352210"/>
+            <a:ext cx="2030136" cy="780177"/>
+          </a:xfrm>
+          <a:prstGeom prst="ellipse">
+            <a:avLst/>
+          </a:prstGeom>
+          <a:ln>
+            <a:solidFill>
+              <a:schemeClr val="tx1"/>
+            </a:solidFill>
+          </a:ln>
+        </p:spPr>
+        <p:style>
+          <a:lnRef idx="2">
+            <a:schemeClr val="accent1">
+              <a:shade val="50000"/>
+            </a:schemeClr>
+          </a:lnRef>
+          <a:fillRef idx="1">
+            <a:schemeClr val="accent1"/>
+          </a:fillRef>
+          <a:effectRef idx="0">
+            <a:schemeClr val="accent1"/>
+          </a:effectRef>
+          <a:fontRef idx="minor">
+            <a:schemeClr val="lt1"/>
+          </a:fontRef>
+        </p:style>
+        <p:txBody>
+          <a:bodyPr rtlCol="0" anchor="ctr"/>
+          <a:lstStyle/>
+          <a:p>
+            <a:pPr algn="ctr"/>
+            <a:r>
+              <a:rPr lang="en-IN" dirty="0"/>
+              <a:t>ES node-1</a:t>
+            </a:r>
+          </a:p>
+        </p:txBody>
+      </p:sp>
+      <p:sp>
+        <p:nvSpPr>
+          <p:cNvPr id="10" name="Oval 9">
+            <a:extLst>
+              <a:ext uri="{FF2B5EF4-FFF2-40B4-BE49-F238E27FC236}">
+                <a16:creationId xmlns:a16="http://schemas.microsoft.com/office/drawing/2014/main" id="{E1FD0CC6-6861-4269-84E1-F9A86E2C20BB}"/>
+              </a:ext>
+            </a:extLst>
+          </p:cNvPr>
+          <p:cNvSpPr/>
+          <p:nvPr/>
+        </p:nvSpPr>
+        <p:spPr>
+          <a:xfrm>
+            <a:off x="10020587" y="5352209"/>
+            <a:ext cx="2030136" cy="780177"/>
+          </a:xfrm>
+          <a:prstGeom prst="ellipse">
+            <a:avLst/>
+          </a:prstGeom>
+          <a:ln>
+            <a:solidFill>
+              <a:schemeClr val="tx1"/>
+            </a:solidFill>
+          </a:ln>
+        </p:spPr>
+        <p:style>
+          <a:lnRef idx="2">
+            <a:schemeClr val="accent1">
+              <a:shade val="50000"/>
+            </a:schemeClr>
+          </a:lnRef>
+          <a:fillRef idx="1">
+            <a:schemeClr val="accent1"/>
+          </a:fillRef>
+          <a:effectRef idx="0">
+            <a:schemeClr val="accent1"/>
+          </a:effectRef>
+          <a:fontRef idx="minor">
+            <a:schemeClr val="lt1"/>
+          </a:fontRef>
+        </p:style>
+        <p:txBody>
+          <a:bodyPr rtlCol="0" anchor="ctr"/>
+          <a:lstStyle/>
+          <a:p>
+            <a:pPr algn="ctr"/>
+            <a:r>
+              <a:rPr lang="en-IN" dirty="0"/>
+              <a:t>ES node-2</a:t>
+            </a:r>
+          </a:p>
+        </p:txBody>
+      </p:sp>
+      <p:cxnSp>
+        <p:nvCxnSpPr>
+          <p:cNvPr id="11" name="Connector: Curved 10">
+            <a:extLst>
+              <a:ext uri="{FF2B5EF4-FFF2-40B4-BE49-F238E27FC236}">
+                <a16:creationId xmlns:a16="http://schemas.microsoft.com/office/drawing/2014/main" id="{7155912D-91BD-4300-AC4D-9A19324F35D2}"/>
+              </a:ext>
+            </a:extLst>
+          </p:cNvPr>
+          <p:cNvCxnSpPr>
+            <a:cxnSpLocks/>
+            <a:stCxn id="2" idx="2"/>
+            <a:endCxn id="3" idx="0"/>
+          </p:cNvCxnSpPr>
+          <p:nvPr/>
+        </p:nvCxnSpPr>
+        <p:spPr>
+          <a:xfrm rot="5400000">
+            <a:off x="8477683" y="4122493"/>
+            <a:ext cx="1022121" cy="1437312"/>
+          </a:xfrm>
+          <a:prstGeom prst="curvedConnector3">
+            <a:avLst>
+              <a:gd name="adj1" fmla="val 50000"/>
+            </a:avLst>
+          </a:prstGeom>
+          <a:ln>
+            <a:solidFill>
+              <a:schemeClr val="tx1"/>
+            </a:solidFill>
+            <a:tailEnd type="triangle"/>
+          </a:ln>
+        </p:spPr>
+        <p:style>
+          <a:lnRef idx="1">
+            <a:schemeClr val="accent1"/>
+          </a:lnRef>
+          <a:fillRef idx="0">
+            <a:schemeClr val="accent1"/>
+          </a:fillRef>
+          <a:effectRef idx="0">
+            <a:schemeClr val="accent1"/>
+          </a:effectRef>
+          <a:fontRef idx="minor">
+            <a:schemeClr val="tx1"/>
+          </a:fontRef>
+        </p:style>
+      </p:cxnSp>
+      <p:cxnSp>
+        <p:nvCxnSpPr>
+          <p:cNvPr id="26" name="Connector: Curved 25">
+            <a:extLst>
+              <a:ext uri="{FF2B5EF4-FFF2-40B4-BE49-F238E27FC236}">
+                <a16:creationId xmlns:a16="http://schemas.microsoft.com/office/drawing/2014/main" id="{B4930BE6-2A65-4DF7-B327-75EA9922931C}"/>
+              </a:ext>
+            </a:extLst>
+          </p:cNvPr>
+          <p:cNvCxnSpPr>
+            <a:stCxn id="2" idx="2"/>
+            <a:endCxn id="10" idx="0"/>
+          </p:cNvCxnSpPr>
+          <p:nvPr/>
+        </p:nvCxnSpPr>
+        <p:spPr>
+          <a:xfrm rot="16200000" flipH="1">
+            <a:off x="9860467" y="4177021"/>
+            <a:ext cx="1022120" cy="1328256"/>
+          </a:xfrm>
+          <a:prstGeom prst="curvedConnector3">
+            <a:avLst/>
+          </a:prstGeom>
+          <a:ln>
+            <a:solidFill>
+              <a:schemeClr val="tx1"/>
+            </a:solidFill>
+          </a:ln>
+        </p:spPr>
+        <p:style>
+          <a:lnRef idx="1">
+            <a:schemeClr val="accent1"/>
+          </a:lnRef>
+          <a:fillRef idx="0">
+            <a:schemeClr val="accent1"/>
+          </a:fillRef>
+          <a:effectRef idx="0">
+            <a:schemeClr val="accent1"/>
+          </a:effectRef>
+          <a:fontRef idx="minor">
+            <a:schemeClr val="tx1"/>
+          </a:fontRef>
+        </p:style>
+      </p:cxnSp>
     </p:spTree>
     <p:extLst>
       <p:ext uri="{BB962C8B-B14F-4D97-AF65-F5344CB8AC3E}">
@@ -7118,8 +7372,8 @@
         </p:blipFill>
         <p:spPr>
           <a:xfrm>
-            <a:off x="7744024" y="2913005"/>
-            <a:ext cx="1068469" cy="977547"/>
+            <a:off x="7782080" y="2909787"/>
+            <a:ext cx="1133176" cy="977547"/>
           </a:xfrm>
           <a:prstGeom prst="rect">
             <a:avLst/>
@@ -7342,10 +7596,10 @@
       </p:pic>
       <p:pic>
         <p:nvPicPr>
-          <p:cNvPr id="55" name="Picture 54">
+          <p:cNvPr id="57" name="Picture 56">
             <a:extLst>
               <a:ext uri="{FF2B5EF4-FFF2-40B4-BE49-F238E27FC236}">
-                <a16:creationId xmlns:a16="http://schemas.microsoft.com/office/drawing/2014/main" id="{9DF447BB-7E36-4CB1-9F8A-0EC994B5843D}"/>
+                <a16:creationId xmlns:a16="http://schemas.microsoft.com/office/drawing/2014/main" id="{722DE550-04E3-4A4D-A46D-B2161A2596D8}"/>
               </a:ext>
             </a:extLst>
           </p:cNvPr>
@@ -7362,79 +7616,14 @@
         </p:blipFill>
         <p:spPr>
           <a:xfrm>
-            <a:off x="3230030" y="4025995"/>
-            <a:ext cx="1314633" cy="285790"/>
+            <a:off x="3811088" y="2934406"/>
+            <a:ext cx="847222" cy="820326"/>
           </a:xfrm>
           <a:prstGeom prst="rect">
             <a:avLst/>
           </a:prstGeom>
         </p:spPr>
       </p:pic>
-      <p:pic>
-        <p:nvPicPr>
-          <p:cNvPr id="57" name="Picture 56">
-            <a:extLst>
-              <a:ext uri="{FF2B5EF4-FFF2-40B4-BE49-F238E27FC236}">
-                <a16:creationId xmlns:a16="http://schemas.microsoft.com/office/drawing/2014/main" id="{722DE550-04E3-4A4D-A46D-B2161A2596D8}"/>
-              </a:ext>
-            </a:extLst>
-          </p:cNvPr>
-          <p:cNvPicPr>
-            <a:picLocks noChangeAspect="1"/>
-          </p:cNvPicPr>
-          <p:nvPr/>
-        </p:nvPicPr>
-        <p:blipFill>
-          <a:blip r:embed="rId12"/>
-          <a:stretch>
-            <a:fillRect/>
-          </a:stretch>
-        </p:blipFill>
-        <p:spPr>
-          <a:xfrm>
-            <a:off x="3811088" y="2934406"/>
-            <a:ext cx="847222" cy="820326"/>
-          </a:xfrm>
-          <a:prstGeom prst="rect">
-            <a:avLst/>
-          </a:prstGeom>
-        </p:spPr>
-      </p:pic>
-      <p:sp>
-        <p:nvSpPr>
-          <p:cNvPr id="62" name="TextBox 61">
-            <a:extLst>
-              <a:ext uri="{FF2B5EF4-FFF2-40B4-BE49-F238E27FC236}">
-                <a16:creationId xmlns:a16="http://schemas.microsoft.com/office/drawing/2014/main" id="{4A2E3FC1-1007-4435-A5C2-7CF8DE97B4BA}"/>
-              </a:ext>
-            </a:extLst>
-          </p:cNvPr>
-          <p:cNvSpPr txBox="1"/>
-          <p:nvPr/>
-        </p:nvSpPr>
-        <p:spPr>
-          <a:xfrm>
-            <a:off x="1110990" y="3551908"/>
-            <a:ext cx="1145460" cy="369332"/>
-          </a:xfrm>
-          <a:prstGeom prst="rect">
-            <a:avLst/>
-          </a:prstGeom>
-          <a:noFill/>
-        </p:spPr>
-        <p:txBody>
-          <a:bodyPr wrap="square" rtlCol="0">
-            <a:spAutoFit/>
-          </a:bodyPr>
-          <a:lstStyle/>
-          <a:p>
-            <a:r>
-              <a:rPr lang="en-IN" b="1" dirty="0"/>
-              <a:t>Raw Data</a:t>
-            </a:r>
-          </a:p>
-        </p:txBody>
-      </p:sp>
       <p:sp>
         <p:nvSpPr>
           <p:cNvPr id="66" name="Title 1">
@@ -7910,6 +8099,956 @@
   <p:clrMapOvr>
     <a:masterClrMapping/>
   </p:clrMapOvr>
+  <mc:AlternateContent xmlns:mc="http://schemas.openxmlformats.org/markup-compatibility/2006">
+    <mc:Choice xmlns:p14="http://schemas.microsoft.com/office/powerpoint/2010/main" Requires="p14">
+      <p:transition p14:dur="10"/>
+    </mc:Choice>
+    <mc:Fallback>
+      <p:transition/>
+    </mc:Fallback>
+  </mc:AlternateContent>
+  <p:timing>
+    <p:tnLst>
+      <p:par>
+        <p:cTn id="1" dur="indefinite" restart="never" nodeType="tmRoot">
+          <p:childTnLst>
+            <p:seq concurrent="1" nextAc="seek">
+              <p:cTn id="2" dur="indefinite" nodeType="mainSeq">
+                <p:childTnLst>
+                  <p:par>
+                    <p:cTn id="3" fill="hold">
+                      <p:stCondLst>
+                        <p:cond delay="indefinite"/>
+                      </p:stCondLst>
+                      <p:childTnLst>
+                        <p:par>
+                          <p:cTn id="4" fill="hold">
+                            <p:stCondLst>
+                              <p:cond delay="0"/>
+                            </p:stCondLst>
+                            <p:childTnLst>
+                              <p:par>
+                                <p:cTn id="5" presetID="1" presetClass="entr" presetSubtype="0" fill="hold" nodeType="clickEffect">
+                                  <p:stCondLst>
+                                    <p:cond delay="0"/>
+                                  </p:stCondLst>
+                                  <p:childTnLst>
+                                    <p:set>
+                                      <p:cBhvr>
+                                        <p:cTn id="6" dur="1" fill="hold">
+                                          <p:stCondLst>
+                                            <p:cond delay="0"/>
+                                          </p:stCondLst>
+                                        </p:cTn>
+                                        <p:tgtEl>
+                                          <p:spTgt spid="49"/>
+                                        </p:tgtEl>
+                                        <p:attrNameLst>
+                                          <p:attrName>style.visibility</p:attrName>
+                                        </p:attrNameLst>
+                                      </p:cBhvr>
+                                      <p:to>
+                                        <p:strVal val="visible"/>
+                                      </p:to>
+                                    </p:set>
+                                  </p:childTnLst>
+                                </p:cTn>
+                              </p:par>
+                            </p:childTnLst>
+                          </p:cTn>
+                        </p:par>
+                      </p:childTnLst>
+                    </p:cTn>
+                  </p:par>
+                  <p:par>
+                    <p:cTn id="7" fill="hold">
+                      <p:stCondLst>
+                        <p:cond delay="indefinite"/>
+                      </p:stCondLst>
+                      <p:childTnLst>
+                        <p:par>
+                          <p:cTn id="8" fill="hold">
+                            <p:stCondLst>
+                              <p:cond delay="0"/>
+                            </p:stCondLst>
+                            <p:childTnLst>
+                              <p:par>
+                                <p:cTn id="9" presetID="1" presetClass="entr" presetSubtype="0" fill="hold" nodeType="clickEffect">
+                                  <p:stCondLst>
+                                    <p:cond delay="0"/>
+                                  </p:stCondLst>
+                                  <p:childTnLst>
+                                    <p:set>
+                                      <p:cBhvr>
+                                        <p:cTn id="10" dur="1" fill="hold">
+                                          <p:stCondLst>
+                                            <p:cond delay="0"/>
+                                          </p:stCondLst>
+                                        </p:cTn>
+                                        <p:tgtEl>
+                                          <p:spTgt spid="21"/>
+                                        </p:tgtEl>
+                                        <p:attrNameLst>
+                                          <p:attrName>style.visibility</p:attrName>
+                                        </p:attrNameLst>
+                                      </p:cBhvr>
+                                      <p:to>
+                                        <p:strVal val="visible"/>
+                                      </p:to>
+                                    </p:set>
+                                  </p:childTnLst>
+                                </p:cTn>
+                              </p:par>
+                            </p:childTnLst>
+                          </p:cTn>
+                        </p:par>
+                      </p:childTnLst>
+                    </p:cTn>
+                  </p:par>
+                  <p:par>
+                    <p:cTn id="11" fill="hold">
+                      <p:stCondLst>
+                        <p:cond delay="indefinite"/>
+                      </p:stCondLst>
+                      <p:childTnLst>
+                        <p:par>
+                          <p:cTn id="12" fill="hold">
+                            <p:stCondLst>
+                              <p:cond delay="0"/>
+                            </p:stCondLst>
+                            <p:childTnLst>
+                              <p:par>
+                                <p:cTn id="13" presetID="1" presetClass="entr" presetSubtype="0" fill="hold" nodeType="clickEffect">
+                                  <p:stCondLst>
+                                    <p:cond delay="0"/>
+                                  </p:stCondLst>
+                                  <p:childTnLst>
+                                    <p:set>
+                                      <p:cBhvr>
+                                        <p:cTn id="14" dur="1" fill="hold">
+                                          <p:stCondLst>
+                                            <p:cond delay="0"/>
+                                          </p:stCondLst>
+                                        </p:cTn>
+                                        <p:tgtEl>
+                                          <p:spTgt spid="41"/>
+                                        </p:tgtEl>
+                                        <p:attrNameLst>
+                                          <p:attrName>style.visibility</p:attrName>
+                                        </p:attrNameLst>
+                                      </p:cBhvr>
+                                      <p:to>
+                                        <p:strVal val="visible"/>
+                                      </p:to>
+                                    </p:set>
+                                  </p:childTnLst>
+                                </p:cTn>
+                              </p:par>
+                            </p:childTnLst>
+                          </p:cTn>
+                        </p:par>
+                      </p:childTnLst>
+                    </p:cTn>
+                  </p:par>
+                  <p:par>
+                    <p:cTn id="15" fill="hold">
+                      <p:stCondLst>
+                        <p:cond delay="indefinite"/>
+                      </p:stCondLst>
+                      <p:childTnLst>
+                        <p:par>
+                          <p:cTn id="16" fill="hold">
+                            <p:stCondLst>
+                              <p:cond delay="0"/>
+                            </p:stCondLst>
+                            <p:childTnLst>
+                              <p:par>
+                                <p:cTn id="17" presetID="1" presetClass="entr" presetSubtype="0" fill="hold" nodeType="clickEffect">
+                                  <p:stCondLst>
+                                    <p:cond delay="0"/>
+                                  </p:stCondLst>
+                                  <p:childTnLst>
+                                    <p:set>
+                                      <p:cBhvr>
+                                        <p:cTn id="18" dur="1" fill="hold">
+                                          <p:stCondLst>
+                                            <p:cond delay="0"/>
+                                          </p:stCondLst>
+                                        </p:cTn>
+                                        <p:tgtEl>
+                                          <p:spTgt spid="24"/>
+                                        </p:tgtEl>
+                                        <p:attrNameLst>
+                                          <p:attrName>style.visibility</p:attrName>
+                                        </p:attrNameLst>
+                                      </p:cBhvr>
+                                      <p:to>
+                                        <p:strVal val="visible"/>
+                                      </p:to>
+                                    </p:set>
+                                  </p:childTnLst>
+                                </p:cTn>
+                              </p:par>
+                            </p:childTnLst>
+                          </p:cTn>
+                        </p:par>
+                      </p:childTnLst>
+                    </p:cTn>
+                  </p:par>
+                  <p:par>
+                    <p:cTn id="19" fill="hold">
+                      <p:stCondLst>
+                        <p:cond delay="indefinite"/>
+                      </p:stCondLst>
+                      <p:childTnLst>
+                        <p:par>
+                          <p:cTn id="20" fill="hold">
+                            <p:stCondLst>
+                              <p:cond delay="0"/>
+                            </p:stCondLst>
+                            <p:childTnLst>
+                              <p:par>
+                                <p:cTn id="21" presetID="1" presetClass="entr" presetSubtype="0" fill="hold" nodeType="clickEffect">
+                                  <p:stCondLst>
+                                    <p:cond delay="0"/>
+                                  </p:stCondLst>
+                                  <p:childTnLst>
+                                    <p:set>
+                                      <p:cBhvr>
+                                        <p:cTn id="22" dur="1" fill="hold">
+                                          <p:stCondLst>
+                                            <p:cond delay="0"/>
+                                          </p:stCondLst>
+                                        </p:cTn>
+                                        <p:tgtEl>
+                                          <p:spTgt spid="57"/>
+                                        </p:tgtEl>
+                                        <p:attrNameLst>
+                                          <p:attrName>style.visibility</p:attrName>
+                                        </p:attrNameLst>
+                                      </p:cBhvr>
+                                      <p:to>
+                                        <p:strVal val="visible"/>
+                                      </p:to>
+                                    </p:set>
+                                  </p:childTnLst>
+                                </p:cTn>
+                              </p:par>
+                            </p:childTnLst>
+                          </p:cTn>
+                        </p:par>
+                      </p:childTnLst>
+                    </p:cTn>
+                  </p:par>
+                  <p:par>
+                    <p:cTn id="23" fill="hold">
+                      <p:stCondLst>
+                        <p:cond delay="indefinite"/>
+                      </p:stCondLst>
+                      <p:childTnLst>
+                        <p:par>
+                          <p:cTn id="24" fill="hold">
+                            <p:stCondLst>
+                              <p:cond delay="0"/>
+                            </p:stCondLst>
+                            <p:childTnLst>
+                              <p:par>
+                                <p:cTn id="25" presetID="1" presetClass="entr" presetSubtype="0" fill="hold" nodeType="clickEffect">
+                                  <p:stCondLst>
+                                    <p:cond delay="0"/>
+                                  </p:stCondLst>
+                                  <p:childTnLst>
+                                    <p:set>
+                                      <p:cBhvr>
+                                        <p:cTn id="26" dur="1" fill="hold">
+                                          <p:stCondLst>
+                                            <p:cond delay="0"/>
+                                          </p:stCondLst>
+                                        </p:cTn>
+                                        <p:tgtEl>
+                                          <p:spTgt spid="29"/>
+                                        </p:tgtEl>
+                                        <p:attrNameLst>
+                                          <p:attrName>style.visibility</p:attrName>
+                                        </p:attrNameLst>
+                                      </p:cBhvr>
+                                      <p:to>
+                                        <p:strVal val="visible"/>
+                                      </p:to>
+                                    </p:set>
+                                  </p:childTnLst>
+                                </p:cTn>
+                              </p:par>
+                              <p:par>
+                                <p:cTn id="27" presetID="1" presetClass="entr" presetSubtype="0" fill="hold" nodeType="withEffect">
+                                  <p:stCondLst>
+                                    <p:cond delay="0"/>
+                                  </p:stCondLst>
+                                  <p:childTnLst>
+                                    <p:set>
+                                      <p:cBhvr>
+                                        <p:cTn id="28" dur="1" fill="hold">
+                                          <p:stCondLst>
+                                            <p:cond delay="0"/>
+                                          </p:stCondLst>
+                                        </p:cTn>
+                                        <p:tgtEl>
+                                          <p:spTgt spid="28"/>
+                                        </p:tgtEl>
+                                        <p:attrNameLst>
+                                          <p:attrName>style.visibility</p:attrName>
+                                        </p:attrNameLst>
+                                      </p:cBhvr>
+                                      <p:to>
+                                        <p:strVal val="visible"/>
+                                      </p:to>
+                                    </p:set>
+                                  </p:childTnLst>
+                                </p:cTn>
+                              </p:par>
+                              <p:par>
+                                <p:cTn id="29" presetID="1" presetClass="entr" presetSubtype="0" fill="hold" nodeType="withEffect">
+                                  <p:stCondLst>
+                                    <p:cond delay="0"/>
+                                  </p:stCondLst>
+                                  <p:childTnLst>
+                                    <p:set>
+                                      <p:cBhvr>
+                                        <p:cTn id="30" dur="1" fill="hold">
+                                          <p:stCondLst>
+                                            <p:cond delay="0"/>
+                                          </p:stCondLst>
+                                        </p:cTn>
+                                        <p:tgtEl>
+                                          <p:spTgt spid="25"/>
+                                        </p:tgtEl>
+                                        <p:attrNameLst>
+                                          <p:attrName>style.visibility</p:attrName>
+                                        </p:attrNameLst>
+                                      </p:cBhvr>
+                                      <p:to>
+                                        <p:strVal val="visible"/>
+                                      </p:to>
+                                    </p:set>
+                                  </p:childTnLst>
+                                </p:cTn>
+                              </p:par>
+                            </p:childTnLst>
+                          </p:cTn>
+                        </p:par>
+                      </p:childTnLst>
+                    </p:cTn>
+                  </p:par>
+                  <p:par>
+                    <p:cTn id="31" fill="hold">
+                      <p:stCondLst>
+                        <p:cond delay="indefinite"/>
+                      </p:stCondLst>
+                      <p:childTnLst>
+                        <p:par>
+                          <p:cTn id="32" fill="hold">
+                            <p:stCondLst>
+                              <p:cond delay="0"/>
+                            </p:stCondLst>
+                            <p:childTnLst>
+                              <p:par>
+                                <p:cTn id="33" presetID="1" presetClass="entr" presetSubtype="0" fill="hold" nodeType="clickEffect">
+                                  <p:stCondLst>
+                                    <p:cond delay="0"/>
+                                  </p:stCondLst>
+                                  <p:childTnLst>
+                                    <p:set>
+                                      <p:cBhvr>
+                                        <p:cTn id="34" dur="1" fill="hold">
+                                          <p:stCondLst>
+                                            <p:cond delay="0"/>
+                                          </p:stCondLst>
+                                        </p:cTn>
+                                        <p:tgtEl>
+                                          <p:spTgt spid="35"/>
+                                        </p:tgtEl>
+                                        <p:attrNameLst>
+                                          <p:attrName>style.visibility</p:attrName>
+                                        </p:attrNameLst>
+                                      </p:cBhvr>
+                                      <p:to>
+                                        <p:strVal val="visible"/>
+                                      </p:to>
+                                    </p:set>
+                                  </p:childTnLst>
+                                </p:cTn>
+                              </p:par>
+                              <p:par>
+                                <p:cTn id="35" presetID="1" presetClass="entr" presetSubtype="0" fill="hold" nodeType="withEffect">
+                                  <p:stCondLst>
+                                    <p:cond delay="0"/>
+                                  </p:stCondLst>
+                                  <p:childTnLst>
+                                    <p:set>
+                                      <p:cBhvr>
+                                        <p:cTn id="36" dur="1" fill="hold">
+                                          <p:stCondLst>
+                                            <p:cond delay="0"/>
+                                          </p:stCondLst>
+                                        </p:cTn>
+                                        <p:tgtEl>
+                                          <p:spTgt spid="36"/>
+                                        </p:tgtEl>
+                                        <p:attrNameLst>
+                                          <p:attrName>style.visibility</p:attrName>
+                                        </p:attrNameLst>
+                                      </p:cBhvr>
+                                      <p:to>
+                                        <p:strVal val="visible"/>
+                                      </p:to>
+                                    </p:set>
+                                  </p:childTnLst>
+                                </p:cTn>
+                              </p:par>
+                              <p:par>
+                                <p:cTn id="37" presetID="1" presetClass="entr" presetSubtype="0" fill="hold" nodeType="withEffect">
+                                  <p:stCondLst>
+                                    <p:cond delay="0"/>
+                                  </p:stCondLst>
+                                  <p:childTnLst>
+                                    <p:set>
+                                      <p:cBhvr>
+                                        <p:cTn id="38" dur="1" fill="hold">
+                                          <p:stCondLst>
+                                            <p:cond delay="0"/>
+                                          </p:stCondLst>
+                                        </p:cTn>
+                                        <p:tgtEl>
+                                          <p:spTgt spid="37"/>
+                                        </p:tgtEl>
+                                        <p:attrNameLst>
+                                          <p:attrName>style.visibility</p:attrName>
+                                        </p:attrNameLst>
+                                      </p:cBhvr>
+                                      <p:to>
+                                        <p:strVal val="visible"/>
+                                      </p:to>
+                                    </p:set>
+                                  </p:childTnLst>
+                                </p:cTn>
+                              </p:par>
+                              <p:par>
+                                <p:cTn id="39" presetID="1" presetClass="entr" presetSubtype="0" fill="hold" nodeType="withEffect">
+                                  <p:stCondLst>
+                                    <p:cond delay="0"/>
+                                  </p:stCondLst>
+                                  <p:childTnLst>
+                                    <p:set>
+                                      <p:cBhvr>
+                                        <p:cTn id="40" dur="1" fill="hold">
+                                          <p:stCondLst>
+                                            <p:cond delay="0"/>
+                                          </p:stCondLst>
+                                        </p:cTn>
+                                        <p:tgtEl>
+                                          <p:spTgt spid="38"/>
+                                        </p:tgtEl>
+                                        <p:attrNameLst>
+                                          <p:attrName>style.visibility</p:attrName>
+                                        </p:attrNameLst>
+                                      </p:cBhvr>
+                                      <p:to>
+                                        <p:strVal val="visible"/>
+                                      </p:to>
+                                    </p:set>
+                                  </p:childTnLst>
+                                </p:cTn>
+                              </p:par>
+                              <p:par>
+                                <p:cTn id="41" presetID="1" presetClass="entr" presetSubtype="0" fill="hold" nodeType="withEffect">
+                                  <p:stCondLst>
+                                    <p:cond delay="0"/>
+                                  </p:stCondLst>
+                                  <p:childTnLst>
+                                    <p:set>
+                                      <p:cBhvr>
+                                        <p:cTn id="42" dur="1" fill="hold">
+                                          <p:stCondLst>
+                                            <p:cond delay="0"/>
+                                          </p:stCondLst>
+                                        </p:cTn>
+                                        <p:tgtEl>
+                                          <p:spTgt spid="40"/>
+                                        </p:tgtEl>
+                                        <p:attrNameLst>
+                                          <p:attrName>style.visibility</p:attrName>
+                                        </p:attrNameLst>
+                                      </p:cBhvr>
+                                      <p:to>
+                                        <p:strVal val="visible"/>
+                                      </p:to>
+                                    </p:set>
+                                  </p:childTnLst>
+                                </p:cTn>
+                              </p:par>
+                              <p:par>
+                                <p:cTn id="43" presetID="1" presetClass="entr" presetSubtype="0" fill="hold" nodeType="withEffect">
+                                  <p:stCondLst>
+                                    <p:cond delay="0"/>
+                                  </p:stCondLst>
+                                  <p:childTnLst>
+                                    <p:set>
+                                      <p:cBhvr>
+                                        <p:cTn id="44" dur="1" fill="hold">
+                                          <p:stCondLst>
+                                            <p:cond delay="0"/>
+                                          </p:stCondLst>
+                                        </p:cTn>
+                                        <p:tgtEl>
+                                          <p:spTgt spid="39"/>
+                                        </p:tgtEl>
+                                        <p:attrNameLst>
+                                          <p:attrName>style.visibility</p:attrName>
+                                        </p:attrNameLst>
+                                      </p:cBhvr>
+                                      <p:to>
+                                        <p:strVal val="visible"/>
+                                      </p:to>
+                                    </p:set>
+                                  </p:childTnLst>
+                                </p:cTn>
+                              </p:par>
+                            </p:childTnLst>
+                          </p:cTn>
+                        </p:par>
+                      </p:childTnLst>
+                    </p:cTn>
+                  </p:par>
+                  <p:par>
+                    <p:cTn id="45" fill="hold">
+                      <p:stCondLst>
+                        <p:cond delay="indefinite"/>
+                      </p:stCondLst>
+                      <p:childTnLst>
+                        <p:par>
+                          <p:cTn id="46" fill="hold">
+                            <p:stCondLst>
+                              <p:cond delay="0"/>
+                            </p:stCondLst>
+                            <p:childTnLst>
+                              <p:par>
+                                <p:cTn id="47" presetID="1" presetClass="entr" presetSubtype="0" fill="hold" nodeType="clickEffect">
+                                  <p:stCondLst>
+                                    <p:cond delay="0"/>
+                                  </p:stCondLst>
+                                  <p:childTnLst>
+                                    <p:set>
+                                      <p:cBhvr>
+                                        <p:cTn id="48" dur="1" fill="hold">
+                                          <p:stCondLst>
+                                            <p:cond delay="0"/>
+                                          </p:stCondLst>
+                                        </p:cTn>
+                                        <p:tgtEl>
+                                          <p:spTgt spid="34"/>
+                                        </p:tgtEl>
+                                        <p:attrNameLst>
+                                          <p:attrName>style.visibility</p:attrName>
+                                        </p:attrNameLst>
+                                      </p:cBhvr>
+                                      <p:to>
+                                        <p:strVal val="visible"/>
+                                      </p:to>
+                                    </p:set>
+                                  </p:childTnLst>
+                                </p:cTn>
+                              </p:par>
+                              <p:par>
+                                <p:cTn id="49" presetID="1" presetClass="entr" presetSubtype="0" fill="hold" nodeType="withEffect">
+                                  <p:stCondLst>
+                                    <p:cond delay="0"/>
+                                  </p:stCondLst>
+                                  <p:childTnLst>
+                                    <p:set>
+                                      <p:cBhvr>
+                                        <p:cTn id="50" dur="1" fill="hold">
+                                          <p:stCondLst>
+                                            <p:cond delay="0"/>
+                                          </p:stCondLst>
+                                        </p:cTn>
+                                        <p:tgtEl>
+                                          <p:spTgt spid="32"/>
+                                        </p:tgtEl>
+                                        <p:attrNameLst>
+                                          <p:attrName>style.visibility</p:attrName>
+                                        </p:attrNameLst>
+                                      </p:cBhvr>
+                                      <p:to>
+                                        <p:strVal val="visible"/>
+                                      </p:to>
+                                    </p:set>
+                                  </p:childTnLst>
+                                </p:cTn>
+                              </p:par>
+                              <p:par>
+                                <p:cTn id="51" presetID="1" presetClass="entr" presetSubtype="0" fill="hold" nodeType="withEffect">
+                                  <p:stCondLst>
+                                    <p:cond delay="0"/>
+                                  </p:stCondLst>
+                                  <p:childTnLst>
+                                    <p:set>
+                                      <p:cBhvr>
+                                        <p:cTn id="52" dur="1" fill="hold">
+                                          <p:stCondLst>
+                                            <p:cond delay="0"/>
+                                          </p:stCondLst>
+                                        </p:cTn>
+                                        <p:tgtEl>
+                                          <p:spTgt spid="30"/>
+                                        </p:tgtEl>
+                                        <p:attrNameLst>
+                                          <p:attrName>style.visibility</p:attrName>
+                                        </p:attrNameLst>
+                                      </p:cBhvr>
+                                      <p:to>
+                                        <p:strVal val="visible"/>
+                                      </p:to>
+                                    </p:set>
+                                  </p:childTnLst>
+                                </p:cTn>
+                              </p:par>
+                            </p:childTnLst>
+                          </p:cTn>
+                        </p:par>
+                      </p:childTnLst>
+                    </p:cTn>
+                  </p:par>
+                  <p:par>
+                    <p:cTn id="53" fill="hold">
+                      <p:stCondLst>
+                        <p:cond delay="indefinite"/>
+                      </p:stCondLst>
+                      <p:childTnLst>
+                        <p:par>
+                          <p:cTn id="54" fill="hold">
+                            <p:stCondLst>
+                              <p:cond delay="0"/>
+                            </p:stCondLst>
+                            <p:childTnLst>
+                              <p:par>
+                                <p:cTn id="55" presetID="1" presetClass="entr" presetSubtype="0" fill="hold" nodeType="clickEffect">
+                                  <p:stCondLst>
+                                    <p:cond delay="0"/>
+                                  </p:stCondLst>
+                                  <p:childTnLst>
+                                    <p:set>
+                                      <p:cBhvr>
+                                        <p:cTn id="56" dur="1" fill="hold">
+                                          <p:stCondLst>
+                                            <p:cond delay="0"/>
+                                          </p:stCondLst>
+                                        </p:cTn>
+                                        <p:tgtEl>
+                                          <p:spTgt spid="33"/>
+                                        </p:tgtEl>
+                                        <p:attrNameLst>
+                                          <p:attrName>style.visibility</p:attrName>
+                                        </p:attrNameLst>
+                                      </p:cBhvr>
+                                      <p:to>
+                                        <p:strVal val="visible"/>
+                                      </p:to>
+                                    </p:set>
+                                  </p:childTnLst>
+                                </p:cTn>
+                              </p:par>
+                            </p:childTnLst>
+                          </p:cTn>
+                        </p:par>
+                      </p:childTnLst>
+                    </p:cTn>
+                  </p:par>
+                  <p:par>
+                    <p:cTn id="57" fill="hold">
+                      <p:stCondLst>
+                        <p:cond delay="indefinite"/>
+                      </p:stCondLst>
+                      <p:childTnLst>
+                        <p:par>
+                          <p:cTn id="58" fill="hold">
+                            <p:stCondLst>
+                              <p:cond delay="0"/>
+                            </p:stCondLst>
+                            <p:childTnLst>
+                              <p:par>
+                                <p:cTn id="59" presetID="1" presetClass="entr" presetSubtype="0" fill="hold" nodeType="clickEffect">
+                                  <p:stCondLst>
+                                    <p:cond delay="0"/>
+                                  </p:stCondLst>
+                                  <p:childTnLst>
+                                    <p:set>
+                                      <p:cBhvr>
+                                        <p:cTn id="60" dur="1" fill="hold">
+                                          <p:stCondLst>
+                                            <p:cond delay="0"/>
+                                          </p:stCondLst>
+                                        </p:cTn>
+                                        <p:tgtEl>
+                                          <p:spTgt spid="22"/>
+                                        </p:tgtEl>
+                                        <p:attrNameLst>
+                                          <p:attrName>style.visibility</p:attrName>
+                                        </p:attrNameLst>
+                                      </p:cBhvr>
+                                      <p:to>
+                                        <p:strVal val="visible"/>
+                                      </p:to>
+                                    </p:set>
+                                  </p:childTnLst>
+                                </p:cTn>
+                              </p:par>
+                            </p:childTnLst>
+                          </p:cTn>
+                        </p:par>
+                      </p:childTnLst>
+                    </p:cTn>
+                  </p:par>
+                  <p:par>
+                    <p:cTn id="61" fill="hold">
+                      <p:stCondLst>
+                        <p:cond delay="indefinite"/>
+                      </p:stCondLst>
+                      <p:childTnLst>
+                        <p:par>
+                          <p:cTn id="62" fill="hold">
+                            <p:stCondLst>
+                              <p:cond delay="0"/>
+                            </p:stCondLst>
+                            <p:childTnLst>
+                              <p:par>
+                                <p:cTn id="63" presetID="1" presetClass="entr" presetSubtype="0" fill="hold" nodeType="clickEffect">
+                                  <p:stCondLst>
+                                    <p:cond delay="0"/>
+                                  </p:stCondLst>
+                                  <p:childTnLst>
+                                    <p:set>
+                                      <p:cBhvr>
+                                        <p:cTn id="64" dur="1" fill="hold">
+                                          <p:stCondLst>
+                                            <p:cond delay="0"/>
+                                          </p:stCondLst>
+                                        </p:cTn>
+                                        <p:tgtEl>
+                                          <p:spTgt spid="31"/>
+                                        </p:tgtEl>
+                                        <p:attrNameLst>
+                                          <p:attrName>style.visibility</p:attrName>
+                                        </p:attrNameLst>
+                                      </p:cBhvr>
+                                      <p:to>
+                                        <p:strVal val="visible"/>
+                                      </p:to>
+                                    </p:set>
+                                  </p:childTnLst>
+                                </p:cTn>
+                              </p:par>
+                            </p:childTnLst>
+                          </p:cTn>
+                        </p:par>
+                      </p:childTnLst>
+                    </p:cTn>
+                  </p:par>
+                  <p:par>
+                    <p:cTn id="65" fill="hold">
+                      <p:stCondLst>
+                        <p:cond delay="indefinite"/>
+                      </p:stCondLst>
+                      <p:childTnLst>
+                        <p:par>
+                          <p:cTn id="66" fill="hold">
+                            <p:stCondLst>
+                              <p:cond delay="0"/>
+                            </p:stCondLst>
+                            <p:childTnLst>
+                              <p:par>
+                                <p:cTn id="67" presetID="1" presetClass="entr" presetSubtype="0" fill="hold" nodeType="clickEffect">
+                                  <p:stCondLst>
+                                    <p:cond delay="0"/>
+                                  </p:stCondLst>
+                                  <p:childTnLst>
+                                    <p:set>
+                                      <p:cBhvr>
+                                        <p:cTn id="68" dur="1" fill="hold">
+                                          <p:stCondLst>
+                                            <p:cond delay="0"/>
+                                          </p:stCondLst>
+                                        </p:cTn>
+                                        <p:tgtEl>
+                                          <p:spTgt spid="19"/>
+                                        </p:tgtEl>
+                                        <p:attrNameLst>
+                                          <p:attrName>style.visibility</p:attrName>
+                                        </p:attrNameLst>
+                                      </p:cBhvr>
+                                      <p:to>
+                                        <p:strVal val="visible"/>
+                                      </p:to>
+                                    </p:set>
+                                  </p:childTnLst>
+                                </p:cTn>
+                              </p:par>
+                              <p:par>
+                                <p:cTn id="69" presetID="1" presetClass="entr" presetSubtype="0" fill="hold" nodeType="withEffect">
+                                  <p:stCondLst>
+                                    <p:cond delay="0"/>
+                                  </p:stCondLst>
+                                  <p:childTnLst>
+                                    <p:set>
+                                      <p:cBhvr>
+                                        <p:cTn id="70" dur="1" fill="hold">
+                                          <p:stCondLst>
+                                            <p:cond delay="0"/>
+                                          </p:stCondLst>
+                                        </p:cTn>
+                                        <p:tgtEl>
+                                          <p:spTgt spid="27"/>
+                                        </p:tgtEl>
+                                        <p:attrNameLst>
+                                          <p:attrName>style.visibility</p:attrName>
+                                        </p:attrNameLst>
+                                      </p:cBhvr>
+                                      <p:to>
+                                        <p:strVal val="visible"/>
+                                      </p:to>
+                                    </p:set>
+                                  </p:childTnLst>
+                                </p:cTn>
+                              </p:par>
+                              <p:par>
+                                <p:cTn id="71" presetID="1" presetClass="entr" presetSubtype="0" fill="hold" nodeType="withEffect">
+                                  <p:stCondLst>
+                                    <p:cond delay="0"/>
+                                  </p:stCondLst>
+                                  <p:childTnLst>
+                                    <p:set>
+                                      <p:cBhvr>
+                                        <p:cTn id="72" dur="1" fill="hold">
+                                          <p:stCondLst>
+                                            <p:cond delay="0"/>
+                                          </p:stCondLst>
+                                        </p:cTn>
+                                        <p:tgtEl>
+                                          <p:spTgt spid="26"/>
+                                        </p:tgtEl>
+                                        <p:attrNameLst>
+                                          <p:attrName>style.visibility</p:attrName>
+                                        </p:attrNameLst>
+                                      </p:cBhvr>
+                                      <p:to>
+                                        <p:strVal val="visible"/>
+                                      </p:to>
+                                    </p:set>
+                                  </p:childTnLst>
+                                </p:cTn>
+                              </p:par>
+                            </p:childTnLst>
+                          </p:cTn>
+                        </p:par>
+                      </p:childTnLst>
+                    </p:cTn>
+                  </p:par>
+                  <p:par>
+                    <p:cTn id="73" fill="hold">
+                      <p:stCondLst>
+                        <p:cond delay="indefinite"/>
+                      </p:stCondLst>
+                      <p:childTnLst>
+                        <p:par>
+                          <p:cTn id="74" fill="hold">
+                            <p:stCondLst>
+                              <p:cond delay="0"/>
+                            </p:stCondLst>
+                            <p:childTnLst>
+                              <p:par>
+                                <p:cTn id="75" presetID="1" presetClass="entr" presetSubtype="0" fill="hold" nodeType="clickEffect">
+                                  <p:stCondLst>
+                                    <p:cond delay="0"/>
+                                  </p:stCondLst>
+                                  <p:childTnLst>
+                                    <p:set>
+                                      <p:cBhvr>
+                                        <p:cTn id="76" dur="1" fill="hold">
+                                          <p:stCondLst>
+                                            <p:cond delay="0"/>
+                                          </p:stCondLst>
+                                        </p:cTn>
+                                        <p:tgtEl>
+                                          <p:spTgt spid="13"/>
+                                        </p:tgtEl>
+                                        <p:attrNameLst>
+                                          <p:attrName>style.visibility</p:attrName>
+                                        </p:attrNameLst>
+                                      </p:cBhvr>
+                                      <p:to>
+                                        <p:strVal val="visible"/>
+                                      </p:to>
+                                    </p:set>
+                                  </p:childTnLst>
+                                </p:cTn>
+                              </p:par>
+                              <p:par>
+                                <p:cTn id="77" presetID="1" presetClass="entr" presetSubtype="0" fill="hold" grpId="0" nodeType="withEffect">
+                                  <p:stCondLst>
+                                    <p:cond delay="0"/>
+                                  </p:stCondLst>
+                                  <p:childTnLst>
+                                    <p:set>
+                                      <p:cBhvr>
+                                        <p:cTn id="78" dur="1" fill="hold">
+                                          <p:stCondLst>
+                                            <p:cond delay="0"/>
+                                          </p:stCondLst>
+                                        </p:cTn>
+                                        <p:tgtEl>
+                                          <p:spTgt spid="23"/>
+                                        </p:tgtEl>
+                                        <p:attrNameLst>
+                                          <p:attrName>style.visibility</p:attrName>
+                                        </p:attrNameLst>
+                                      </p:cBhvr>
+                                      <p:to>
+                                        <p:strVal val="visible"/>
+                                      </p:to>
+                                    </p:set>
+                                  </p:childTnLst>
+                                </p:cTn>
+                              </p:par>
+                            </p:childTnLst>
+                          </p:cTn>
+                        </p:par>
+                      </p:childTnLst>
+                    </p:cTn>
+                  </p:par>
+                </p:childTnLst>
+              </p:cTn>
+              <p:prevCondLst>
+                <p:cond evt="onPrev" delay="0">
+                  <p:tgtEl>
+                    <p:sldTgt/>
+                  </p:tgtEl>
+                </p:cond>
+              </p:prevCondLst>
+              <p:nextCondLst>
+                <p:cond evt="onNext" delay="0">
+                  <p:tgtEl>
+                    <p:sldTgt/>
+                  </p:tgtEl>
+                </p:cond>
+              </p:nextCondLst>
+            </p:seq>
+          </p:childTnLst>
+        </p:cTn>
+      </p:par>
+    </p:tnLst>
+    <p:bldLst>
+      <p:bldP spid="23" grpId="0"/>
+    </p:bldLst>
+  </p:timing>
 </p:sld>
 </file>
 

--- a/Data Analysis & Visualisations of IPL.pptx
+++ b/Data Analysis & Visualisations of IPL.pptx
@@ -3897,7 +3897,7 @@
         </p:nvSpPr>
         <p:spPr>
           <a:xfrm>
-            <a:off x="6635685" y="1283846"/>
+            <a:off x="6568573" y="2052752"/>
             <a:ext cx="4798243" cy="2356822"/>
           </a:xfrm>
         </p:spPr>
@@ -3943,41 +3943,10 @@
           <a:lstStyle/>
           <a:p>
             <a:r>
-              <a:rPr lang="en-IN" dirty="0"/>
-              <a:t>Nithin Veer Reddy | Mohan </a:t>
-            </a:r>
-            <a:r>
-              <a:rPr lang="en-IN" dirty="0" err="1"/>
-              <a:t>Dwarampudi</a:t>
-            </a:r>
-            <a:r>
-              <a:rPr lang="en-IN" dirty="0"/>
-              <a:t> |</a:t>
-            </a:r>
-            <a:r>
-              <a:rPr lang="en-IN" dirty="0" err="1"/>
-              <a:t>Abhinivesh</a:t>
-            </a:r>
-            <a:r>
-              <a:rPr lang="en-IN" dirty="0"/>
-              <a:t> </a:t>
-            </a:r>
-            <a:r>
-              <a:rPr lang="en-IN" dirty="0" err="1"/>
-              <a:t>Palusa</a:t>
-            </a:r>
-            <a:r>
-              <a:rPr lang="en-IN" dirty="0"/>
-              <a:t> | </a:t>
-            </a:r>
-            <a:r>
-              <a:rPr lang="en-IN" dirty="0" err="1"/>
-              <a:t>Lokin</a:t>
-            </a:r>
-            <a:r>
-              <a:rPr lang="en-IN" dirty="0"/>
-              <a:t> Sai</a:t>
-            </a:r>
+              <a:rPr lang="en-IN"/>
+              <a:t>Nithin Veer Reddy | Mohan Dwarampudi |Abhinivesh Palusa | Lokin Sai</a:t>
+            </a:r>
+            <a:endParaRPr lang="en-IN" dirty="0"/>
           </a:p>
         </p:txBody>
       </p:sp>
@@ -4157,6 +4126,53 @@
           <a:prstGeom prst="rect">
             <a:avLst/>
           </a:prstGeom>
+        </p:spPr>
+      </p:pic>
+      <p:pic>
+        <p:nvPicPr>
+          <p:cNvPr id="1026" name="Picture 2" descr="Cu Boulder Logo Transparent &amp; PNG Clipart Free Download - YWD">
+            <a:extLst>
+              <a:ext uri="{FF2B5EF4-FFF2-40B4-BE49-F238E27FC236}">
+                <a16:creationId xmlns:a16="http://schemas.microsoft.com/office/drawing/2014/main" id="{C3E6BC35-6BE1-4663-B23C-2239CD70B33F}"/>
+              </a:ext>
+            </a:extLst>
+          </p:cNvPr>
+          <p:cNvPicPr>
+            <a:picLocks noChangeAspect="1" noChangeArrowheads="1"/>
+          </p:cNvPicPr>
+          <p:nvPr/>
+        </p:nvPicPr>
+        <p:blipFill>
+          <a:blip r:embed="rId3">
+            <a:extLst>
+              <a:ext uri="{28A0092B-C50C-407E-A947-70E740481C1C}">
+                <a14:useLocalDpi xmlns:a14="http://schemas.microsoft.com/office/drawing/2010/main" val="0"/>
+              </a:ext>
+            </a:extLst>
+          </a:blip>
+          <a:srcRect/>
+          <a:stretch>
+            <a:fillRect/>
+          </a:stretch>
+        </p:blipFill>
+        <p:spPr bwMode="auto">
+          <a:xfrm>
+            <a:off x="9783636" y="245861"/>
+            <a:ext cx="1146953" cy="1105004"/>
+          </a:xfrm>
+          <a:prstGeom prst="rect">
+            <a:avLst/>
+          </a:prstGeom>
+          <a:noFill/>
+          <a:extLst>
+            <a:ext uri="{909E8E84-426E-40DD-AFC4-6F175D3DCCD1}">
+              <a14:hiddenFill xmlns:a14="http://schemas.microsoft.com/office/drawing/2010/main">
+                <a:solidFill>
+                  <a:srgbClr val="FFFFFF"/>
+                </a:solidFill>
+              </a14:hiddenFill>
+            </a:ext>
+          </a:extLst>
         </p:spPr>
       </p:pic>
     </p:spTree>
@@ -8099,11 +8115,11 @@
   <p:clrMapOvr>
     <a:masterClrMapping/>
   </p:clrMapOvr>
-  <mc:AlternateContent xmlns:mc="http://schemas.openxmlformats.org/markup-compatibility/2006">
-    <mc:Choice xmlns:p14="http://schemas.microsoft.com/office/powerpoint/2010/main" Requires="p14">
+  <mc:AlternateContent xmlns:mc="http://schemas.openxmlformats.org/markup-compatibility/2006" xmlns:p14="http://schemas.microsoft.com/office/powerpoint/2010/main">
+    <mc:Choice Requires="p14">
       <p:transition p14:dur="10"/>
     </mc:Choice>
-    <mc:Fallback>
+    <mc:Fallback xmlns="">
       <p:transition/>
     </mc:Fallback>
   </mc:AlternateContent>

--- a/Data Analysis & Visualisations of IPL.pptx
+++ b/Data Analysis & Visualisations of IPL.pptx
@@ -6737,9 +6737,9 @@
           <a:p>
             <a:pPr algn="ctr"/>
             <a:br>
-              <a:rPr lang="en-US" sz="6000" cap="all"/>
+              <a:rPr lang="en-US" sz="6000" cap="all" dirty="0"/>
             </a:br>
-            <a:endParaRPr lang="en-US" sz="6000" cap="all"/>
+            <a:endParaRPr lang="en-US" sz="6000" cap="all" dirty="0"/>
           </a:p>
         </p:txBody>
       </p:sp>
@@ -6761,7 +6761,7 @@
         </p:nvSpPr>
         <p:spPr>
           <a:xfrm>
-            <a:off x="8154186" y="4436462"/>
+            <a:off x="8154186" y="1996038"/>
             <a:ext cx="3355942" cy="1794656"/>
           </a:xfrm>
         </p:spPr>
@@ -6784,9 +6784,10 @@
               <a:buNone/>
             </a:pPr>
             <a:r>
-              <a:rPr lang="en-US" sz="2300" b="1"/>
+              <a:rPr lang="en-US" sz="6600" b="1" dirty="0"/>
               <a:t>THANKS</a:t>
             </a:r>
+            <a:endParaRPr lang="en-US" sz="2300" b="1" dirty="0"/>
           </a:p>
         </p:txBody>
       </p:sp>
